--- a/docs/lecture_slides/Week 1/Week1_Lecture1_Slides_1_10_2024.pptx
+++ b/docs/lecture_slides/Week 1/Week1_Lecture1_Slides_1_10_2024.pptx
@@ -18,16 +18,6 @@
     <p:sldId id="283" r:id="rId12"/>
     <p:sldId id="267" r:id="rId13"/>
     <p:sldId id="269" r:id="rId14"/>
-    <p:sldId id="275" r:id="rId15"/>
-    <p:sldId id="276" r:id="rId16"/>
-    <p:sldId id="277" r:id="rId17"/>
-    <p:sldId id="286" r:id="rId18"/>
-    <p:sldId id="288" r:id="rId19"/>
-    <p:sldId id="279" r:id="rId20"/>
-    <p:sldId id="281" r:id="rId21"/>
-    <p:sldId id="284" r:id="rId22"/>
-    <p:sldId id="273" r:id="rId23"/>
-    <p:sldId id="274" r:id="rId24"/>
   </p:sldIdLst>
   <p:sldSz cx="12192000" cy="6858000"/>
   <p:notesSz cx="6858000" cy="9144000"/>
@@ -3198,7 +3188,7 @@
           <a:p>
             <a:fld id="{D808A37A-4640-4712-9D8F-F69B6FC23B38}" type="datetimeFigureOut">
               <a:rPr lang="en-US" smtClean="0"/>
-              <a:t>8/21/2023</a:t>
+              <a:t>1/18/2024</a:t>
             </a:fld>
             <a:endParaRPr lang="en-US"/>
           </a:p>
@@ -3396,7 +3386,7 @@
           <a:p>
             <a:fld id="{D808A37A-4640-4712-9D8F-F69B6FC23B38}" type="datetimeFigureOut">
               <a:rPr lang="en-US" smtClean="0"/>
-              <a:t>8/21/2023</a:t>
+              <a:t>1/18/2024</a:t>
             </a:fld>
             <a:endParaRPr lang="en-US"/>
           </a:p>
@@ -3604,7 +3594,7 @@
           <a:p>
             <a:fld id="{D808A37A-4640-4712-9D8F-F69B6FC23B38}" type="datetimeFigureOut">
               <a:rPr lang="en-US" smtClean="0"/>
-              <a:t>8/21/2023</a:t>
+              <a:t>1/18/2024</a:t>
             </a:fld>
             <a:endParaRPr lang="en-US"/>
           </a:p>
@@ -3802,7 +3792,7 @@
           <a:p>
             <a:fld id="{D808A37A-4640-4712-9D8F-F69B6FC23B38}" type="datetimeFigureOut">
               <a:rPr lang="en-US" smtClean="0"/>
-              <a:t>8/21/2023</a:t>
+              <a:t>1/18/2024</a:t>
             </a:fld>
             <a:endParaRPr lang="en-US"/>
           </a:p>
@@ -4077,7 +4067,7 @@
           <a:p>
             <a:fld id="{D808A37A-4640-4712-9D8F-F69B6FC23B38}" type="datetimeFigureOut">
               <a:rPr lang="en-US" smtClean="0"/>
-              <a:t>8/21/2023</a:t>
+              <a:t>1/18/2024</a:t>
             </a:fld>
             <a:endParaRPr lang="en-US"/>
           </a:p>
@@ -4342,7 +4332,7 @@
           <a:p>
             <a:fld id="{D808A37A-4640-4712-9D8F-F69B6FC23B38}" type="datetimeFigureOut">
               <a:rPr lang="en-US" smtClean="0"/>
-              <a:t>8/21/2023</a:t>
+              <a:t>1/18/2024</a:t>
             </a:fld>
             <a:endParaRPr lang="en-US"/>
           </a:p>
@@ -4754,7 +4744,7 @@
           <a:p>
             <a:fld id="{D808A37A-4640-4712-9D8F-F69B6FC23B38}" type="datetimeFigureOut">
               <a:rPr lang="en-US" smtClean="0"/>
-              <a:t>8/21/2023</a:t>
+              <a:t>1/18/2024</a:t>
             </a:fld>
             <a:endParaRPr lang="en-US"/>
           </a:p>
@@ -4895,7 +4885,7 @@
           <a:p>
             <a:fld id="{D808A37A-4640-4712-9D8F-F69B6FC23B38}" type="datetimeFigureOut">
               <a:rPr lang="en-US" smtClean="0"/>
-              <a:t>8/21/2023</a:t>
+              <a:t>1/18/2024</a:t>
             </a:fld>
             <a:endParaRPr lang="en-US"/>
           </a:p>
@@ -5008,7 +4998,7 @@
           <a:p>
             <a:fld id="{D808A37A-4640-4712-9D8F-F69B6FC23B38}" type="datetimeFigureOut">
               <a:rPr lang="en-US" smtClean="0"/>
-              <a:t>8/21/2023</a:t>
+              <a:t>1/18/2024</a:t>
             </a:fld>
             <a:endParaRPr lang="en-US"/>
           </a:p>
@@ -5319,7 +5309,7 @@
           <a:p>
             <a:fld id="{D808A37A-4640-4712-9D8F-F69B6FC23B38}" type="datetimeFigureOut">
               <a:rPr lang="en-US" smtClean="0"/>
-              <a:t>8/21/2023</a:t>
+              <a:t>1/18/2024</a:t>
             </a:fld>
             <a:endParaRPr lang="en-US"/>
           </a:p>
@@ -5607,7 +5597,7 @@
           <a:p>
             <a:fld id="{D808A37A-4640-4712-9D8F-F69B6FC23B38}" type="datetimeFigureOut">
               <a:rPr lang="en-US" smtClean="0"/>
-              <a:t>8/21/2023</a:t>
+              <a:t>1/18/2024</a:t>
             </a:fld>
             <a:endParaRPr lang="en-US"/>
           </a:p>
@@ -5848,7 +5838,7 @@
           <a:p>
             <a:fld id="{D808A37A-4640-4712-9D8F-F69B6FC23B38}" type="datetimeFigureOut">
               <a:rPr lang="en-US" smtClean="0"/>
-              <a:t>8/21/2023</a:t>
+              <a:t>1/18/2024</a:t>
             </a:fld>
             <a:endParaRPr lang="en-US"/>
           </a:p>
@@ -8460,3354 +8450,6 @@
 </p:sld>
 </file>
 
-<file path=ppt/slides/slide14.xml><?xml version="1.0" encoding="utf-8"?>
-<p:sld xmlns:a="http://schemas.openxmlformats.org/drawingml/2006/main" xmlns:r="http://schemas.openxmlformats.org/officeDocument/2006/relationships" xmlns:p="http://schemas.openxmlformats.org/presentationml/2006/main">
-  <p:cSld>
-    <p:spTree>
-      <p:nvGrpSpPr>
-        <p:cNvPr id="1" name=""/>
-        <p:cNvGrpSpPr/>
-        <p:nvPr/>
-      </p:nvGrpSpPr>
-      <p:grpSpPr>
-        <a:xfrm>
-          <a:off x="0" y="0"/>
-          <a:ext cx="0" cy="0"/>
-          <a:chOff x="0" y="0"/>
-          <a:chExt cx="0" cy="0"/>
-        </a:xfrm>
-      </p:grpSpPr>
-      <p:sp>
-        <p:nvSpPr>
-          <p:cNvPr id="2" name="Title 1">
-            <a:extLst>
-              <a:ext uri="{FF2B5EF4-FFF2-40B4-BE49-F238E27FC236}">
-                <a16:creationId xmlns:a16="http://schemas.microsoft.com/office/drawing/2014/main" id="{96380C86-D709-6FB8-5A19-C2314095D583}"/>
-              </a:ext>
-            </a:extLst>
-          </p:cNvPr>
-          <p:cNvSpPr>
-            <a:spLocks noGrp="1"/>
-          </p:cNvSpPr>
-          <p:nvPr>
-            <p:ph type="title"/>
-          </p:nvPr>
-        </p:nvSpPr>
-        <p:spPr/>
-        <p:txBody>
-          <a:bodyPr/>
-          <a:lstStyle/>
-          <a:p>
-            <a:r>
-              <a:rPr lang="en-US" dirty="0"/>
-              <a:t>Sampling and Data</a:t>
-            </a:r>
-          </a:p>
-        </p:txBody>
-      </p:sp>
-      <p:sp>
-        <p:nvSpPr>
-          <p:cNvPr id="3" name="TextBox 2">
-            <a:extLst>
-              <a:ext uri="{FF2B5EF4-FFF2-40B4-BE49-F238E27FC236}">
-                <a16:creationId xmlns:a16="http://schemas.microsoft.com/office/drawing/2014/main" id="{0188B80F-E353-D6A4-82DB-12D37AECA5FA}"/>
-              </a:ext>
-            </a:extLst>
-          </p:cNvPr>
-          <p:cNvSpPr txBox="1"/>
-          <p:nvPr/>
-        </p:nvSpPr>
-        <p:spPr>
-          <a:xfrm>
-            <a:off x="306534" y="1612616"/>
-            <a:ext cx="6382326" cy="5293757"/>
-          </a:xfrm>
-          <a:prstGeom prst="rect">
-            <a:avLst/>
-          </a:prstGeom>
-          <a:noFill/>
-        </p:spPr>
-        <p:txBody>
-          <a:bodyPr wrap="square">
-            <a:spAutoFit/>
-          </a:bodyPr>
-          <a:lstStyle/>
-          <a:p>
-            <a:pPr marR="0" lvl="0" algn="l" defTabSz="914400" rtl="0" eaLnBrk="1" fontAlgn="auto" latinLnBrk="0" hangingPunct="1">
-              <a:lnSpc>
-                <a:spcPct val="90000"/>
-              </a:lnSpc>
-              <a:spcBef>
-                <a:spcPts val="1000"/>
-              </a:spcBef>
-              <a:spcAft>
-                <a:spcPts val="0"/>
-              </a:spcAft>
-              <a:buClrTx/>
-              <a:buSzTx/>
-              <a:tabLst/>
-              <a:defRPr/>
-            </a:pPr>
-            <a:r>
-              <a:rPr lang="it-IT" sz="2000" dirty="0">
-                <a:solidFill>
-                  <a:prstClr val="black"/>
-                </a:solidFill>
-                <a:latin typeface="Calibri" panose="020F0502020204030204"/>
-              </a:rPr>
-              <a:t>Statistics is generally concerned with studying properties of a </a:t>
-            </a:r>
-            <a:r>
-              <a:rPr lang="it-IT" sz="2000" b="1" dirty="0">
-                <a:solidFill>
-                  <a:prstClr val="black"/>
-                </a:solidFill>
-                <a:latin typeface="Calibri" panose="020F0502020204030204"/>
-              </a:rPr>
-              <a:t>population </a:t>
-            </a:r>
-            <a:r>
-              <a:rPr lang="it-IT" sz="2000" dirty="0">
-                <a:solidFill>
-                  <a:prstClr val="black"/>
-                </a:solidFill>
-                <a:latin typeface="Calibri" panose="020F0502020204030204"/>
-              </a:rPr>
-              <a:t>– the collection of all possible persons, events, or objects of interest </a:t>
-            </a:r>
-          </a:p>
-          <a:p>
-            <a:pPr lvl="1">
-              <a:lnSpc>
-                <a:spcPct val="90000"/>
-              </a:lnSpc>
-              <a:spcBef>
-                <a:spcPts val="1000"/>
-              </a:spcBef>
-              <a:defRPr/>
-            </a:pPr>
-            <a:r>
-              <a:rPr lang="it-IT" sz="2000" dirty="0">
-                <a:solidFill>
-                  <a:prstClr val="black"/>
-                </a:solidFill>
-                <a:latin typeface="Calibri" panose="020F0502020204030204"/>
-              </a:rPr>
-              <a:t>e.g the set of all possible observations –  observed + unobserved </a:t>
-            </a:r>
-          </a:p>
-          <a:p>
-            <a:pPr marL="342900" indent="-342900">
-              <a:lnSpc>
-                <a:spcPct val="90000"/>
-              </a:lnSpc>
-              <a:spcBef>
-                <a:spcPts val="1000"/>
-              </a:spcBef>
-              <a:buFont typeface="Arial" panose="020B0604020202020204" pitchFamily="34" charset="0"/>
-              <a:buChar char="•"/>
-              <a:defRPr/>
-            </a:pPr>
-            <a:r>
-              <a:rPr lang="it-IT" sz="2000" dirty="0">
-                <a:solidFill>
-                  <a:prstClr val="black"/>
-                </a:solidFill>
-                <a:latin typeface="Calibri" panose="020F0502020204030204"/>
-              </a:rPr>
-              <a:t>Populations can be </a:t>
-            </a:r>
-            <a:r>
-              <a:rPr lang="it-IT" sz="2000" i="1" dirty="0">
-                <a:solidFill>
-                  <a:prstClr val="black"/>
-                </a:solidFill>
-                <a:latin typeface="Calibri" panose="020F0502020204030204"/>
-              </a:rPr>
-              <a:t>real</a:t>
-            </a:r>
-            <a:r>
-              <a:rPr lang="it-IT" sz="2000" dirty="0">
-                <a:solidFill>
-                  <a:prstClr val="black"/>
-                </a:solidFill>
-                <a:latin typeface="Calibri" panose="020F0502020204030204"/>
-              </a:rPr>
-              <a:t> and </a:t>
-            </a:r>
-            <a:r>
-              <a:rPr lang="it-IT" sz="2000" i="1" dirty="0">
-                <a:solidFill>
-                  <a:prstClr val="black"/>
-                </a:solidFill>
-                <a:latin typeface="Calibri" panose="020F0502020204030204"/>
-              </a:rPr>
-              <a:t>finite/countable</a:t>
-            </a:r>
-            <a:r>
-              <a:rPr lang="it-IT" sz="2000" dirty="0">
-                <a:solidFill>
-                  <a:prstClr val="black"/>
-                </a:solidFill>
-                <a:latin typeface="Calibri" panose="020F0502020204030204"/>
-              </a:rPr>
-              <a:t>  (e.g. All employees at a company) or </a:t>
-            </a:r>
-            <a:r>
-              <a:rPr lang="it-IT" sz="2000" i="1" dirty="0">
-                <a:solidFill>
-                  <a:prstClr val="black"/>
-                </a:solidFill>
-                <a:latin typeface="Calibri" panose="020F0502020204030204"/>
-              </a:rPr>
-              <a:t>hypothetical</a:t>
-            </a:r>
-            <a:r>
-              <a:rPr lang="it-IT" sz="2000" dirty="0">
-                <a:solidFill>
-                  <a:prstClr val="black"/>
-                </a:solidFill>
-                <a:latin typeface="Calibri" panose="020F0502020204030204"/>
-              </a:rPr>
-              <a:t> and potentially </a:t>
-            </a:r>
-            <a:r>
-              <a:rPr lang="it-IT" sz="2000" i="1" dirty="0">
-                <a:solidFill>
-                  <a:prstClr val="black"/>
-                </a:solidFill>
-                <a:latin typeface="Calibri" panose="020F0502020204030204"/>
-              </a:rPr>
-              <a:t>infinite/uncountable</a:t>
-            </a:r>
-            <a:r>
-              <a:rPr lang="it-IT" sz="2000" dirty="0">
-                <a:solidFill>
-                  <a:prstClr val="black"/>
-                </a:solidFill>
-                <a:latin typeface="Calibri" panose="020F0502020204030204"/>
-              </a:rPr>
-              <a:t> (e.g all possible hands in a game of poker)</a:t>
-            </a:r>
-          </a:p>
-          <a:p>
-            <a:pPr marR="0" lvl="0" algn="l" defTabSz="914400" rtl="0" eaLnBrk="1" fontAlgn="auto" latinLnBrk="0" hangingPunct="1">
-              <a:lnSpc>
-                <a:spcPct val="90000"/>
-              </a:lnSpc>
-              <a:spcBef>
-                <a:spcPts val="1000"/>
-              </a:spcBef>
-              <a:spcAft>
-                <a:spcPts val="0"/>
-              </a:spcAft>
-              <a:buClrTx/>
-              <a:buSzTx/>
-              <a:tabLst/>
-              <a:defRPr/>
-            </a:pPr>
-            <a:endParaRPr lang="it-IT" sz="2000" dirty="0">
-              <a:solidFill>
-                <a:prstClr val="black"/>
-              </a:solidFill>
-              <a:latin typeface="Calibri" panose="020F0502020204030204"/>
-            </a:endParaRPr>
-          </a:p>
-          <a:p>
-            <a:pPr marR="0" lvl="0" algn="l" defTabSz="914400" rtl="0" eaLnBrk="1" fontAlgn="auto" latinLnBrk="0" hangingPunct="1">
-              <a:lnSpc>
-                <a:spcPct val="90000"/>
-              </a:lnSpc>
-              <a:spcBef>
-                <a:spcPts val="1000"/>
-              </a:spcBef>
-              <a:spcAft>
-                <a:spcPts val="0"/>
-              </a:spcAft>
-              <a:buClrTx/>
-              <a:buSzTx/>
-              <a:tabLst/>
-              <a:defRPr/>
-            </a:pPr>
-            <a:r>
-              <a:rPr lang="it-IT" sz="2000" dirty="0">
-                <a:solidFill>
-                  <a:prstClr val="black"/>
-                </a:solidFill>
-                <a:latin typeface="Calibri" panose="020F0502020204030204"/>
-              </a:rPr>
-              <a:t>A </a:t>
-            </a:r>
-            <a:r>
-              <a:rPr lang="it-IT" sz="2000" b="1" dirty="0">
-                <a:solidFill>
-                  <a:prstClr val="black"/>
-                </a:solidFill>
-                <a:latin typeface="Calibri" panose="020F0502020204030204"/>
-              </a:rPr>
-              <a:t>Sample </a:t>
-            </a:r>
-            <a:r>
-              <a:rPr lang="it-IT" sz="2000" dirty="0">
-                <a:solidFill>
-                  <a:prstClr val="black"/>
-                </a:solidFill>
-                <a:latin typeface="Calibri" panose="020F0502020204030204"/>
-              </a:rPr>
-              <a:t>is a subset of the population that we actually observe – the observed observations</a:t>
-            </a:r>
-          </a:p>
-          <a:p>
-            <a:pPr marL="342900" marR="0" lvl="0" indent="-342900" algn="l" defTabSz="914400" rtl="0" eaLnBrk="1" fontAlgn="auto" latinLnBrk="0" hangingPunct="1">
-              <a:lnSpc>
-                <a:spcPct val="90000"/>
-              </a:lnSpc>
-              <a:spcBef>
-                <a:spcPts val="1000"/>
-              </a:spcBef>
-              <a:spcAft>
-                <a:spcPts val="0"/>
-              </a:spcAft>
-              <a:buClrTx/>
-              <a:buSzTx/>
-              <a:buFont typeface="Arial" panose="020B0604020202020204" pitchFamily="34" charset="0"/>
-              <a:buChar char="•"/>
-              <a:tabLst/>
-              <a:defRPr/>
-            </a:pPr>
-            <a:r>
-              <a:rPr lang="it-IT" sz="2000" dirty="0">
-                <a:solidFill>
-                  <a:prstClr val="black"/>
-                </a:solidFill>
-                <a:latin typeface="Calibri" panose="020F0502020204030204"/>
-              </a:rPr>
-              <a:t>The idea of </a:t>
-            </a:r>
-            <a:r>
-              <a:rPr lang="it-IT" sz="2000" b="1" dirty="0">
-                <a:solidFill>
-                  <a:prstClr val="black"/>
-                </a:solidFill>
-                <a:latin typeface="Calibri" panose="020F0502020204030204"/>
-              </a:rPr>
-              <a:t>Sampling </a:t>
-            </a:r>
-            <a:r>
-              <a:rPr lang="it-IT" sz="2000" dirty="0">
-                <a:solidFill>
-                  <a:prstClr val="black"/>
-                </a:solidFill>
-                <a:latin typeface="Calibri" panose="020F0502020204030204"/>
-              </a:rPr>
-              <a:t>is to select a portion or individuals or objects that are </a:t>
-            </a:r>
-            <a:r>
-              <a:rPr lang="it-IT" sz="2000" i="1" dirty="0">
-                <a:solidFill>
-                  <a:prstClr val="black"/>
-                </a:solidFill>
-                <a:latin typeface="Calibri" panose="020F0502020204030204"/>
-              </a:rPr>
-              <a:t>representative</a:t>
-            </a:r>
-            <a:r>
-              <a:rPr lang="it-IT" sz="2000" dirty="0">
-                <a:solidFill>
-                  <a:prstClr val="black"/>
-                </a:solidFill>
-                <a:latin typeface="Calibri" panose="020F0502020204030204"/>
-              </a:rPr>
-              <a:t> of the population </a:t>
-            </a:r>
-          </a:p>
-          <a:p>
-            <a:pPr marL="342900" marR="0" lvl="0" indent="-342900" algn="l" defTabSz="914400" rtl="0" eaLnBrk="1" fontAlgn="auto" latinLnBrk="0" hangingPunct="1">
-              <a:lnSpc>
-                <a:spcPct val="90000"/>
-              </a:lnSpc>
-              <a:spcBef>
-                <a:spcPts val="1000"/>
-              </a:spcBef>
-              <a:spcAft>
-                <a:spcPts val="0"/>
-              </a:spcAft>
-              <a:buClrTx/>
-              <a:buSzTx/>
-              <a:buFont typeface="Arial" panose="020B0604020202020204" pitchFamily="34" charset="0"/>
-              <a:buChar char="•"/>
-              <a:tabLst/>
-              <a:defRPr/>
-            </a:pPr>
-            <a:r>
-              <a:rPr lang="it-IT" sz="2000" dirty="0">
-                <a:solidFill>
-                  <a:prstClr val="black"/>
-                </a:solidFill>
-                <a:latin typeface="Calibri" panose="020F0502020204030204"/>
-              </a:rPr>
-              <a:t>By studying the sample we can gain insights about the population</a:t>
-            </a:r>
-          </a:p>
-        </p:txBody>
-      </p:sp>
-      <p:grpSp>
-        <p:nvGrpSpPr>
-          <p:cNvPr id="4" name="Group 3">
-            <a:extLst>
-              <a:ext uri="{FF2B5EF4-FFF2-40B4-BE49-F238E27FC236}">
-                <a16:creationId xmlns:a16="http://schemas.microsoft.com/office/drawing/2014/main" id="{3BD5BC74-A5F6-D81D-31C9-841DF2BDE57D}"/>
-              </a:ext>
-            </a:extLst>
-          </p:cNvPr>
-          <p:cNvGrpSpPr/>
-          <p:nvPr/>
-        </p:nvGrpSpPr>
-        <p:grpSpPr>
-          <a:xfrm>
-            <a:off x="7509164" y="1000495"/>
-            <a:ext cx="3281218" cy="4632255"/>
-            <a:chOff x="7509164" y="1000495"/>
-            <a:chExt cx="3281218" cy="4632255"/>
-          </a:xfrm>
-        </p:grpSpPr>
-        <p:sp>
-          <p:nvSpPr>
-            <p:cNvPr id="5" name="Oval 4">
-              <a:extLst>
-                <a:ext uri="{FF2B5EF4-FFF2-40B4-BE49-F238E27FC236}">
-                  <a16:creationId xmlns:a16="http://schemas.microsoft.com/office/drawing/2014/main" id="{FE76BFFC-692A-3395-0D59-137EA4C6F72E}"/>
-                </a:ext>
-              </a:extLst>
-            </p:cNvPr>
-            <p:cNvSpPr/>
-            <p:nvPr/>
-          </p:nvSpPr>
-          <p:spPr>
-            <a:xfrm>
-              <a:off x="7509164" y="1000495"/>
-              <a:ext cx="3281218" cy="2983346"/>
-            </a:xfrm>
-            <a:prstGeom prst="ellipse">
-              <a:avLst/>
-            </a:prstGeom>
-          </p:spPr>
-          <p:style>
-            <a:lnRef idx="2">
-              <a:schemeClr val="accent1">
-                <a:shade val="15000"/>
-              </a:schemeClr>
-            </a:lnRef>
-            <a:fillRef idx="1">
-              <a:schemeClr val="accent1"/>
-            </a:fillRef>
-            <a:effectRef idx="0">
-              <a:schemeClr val="accent1"/>
-            </a:effectRef>
-            <a:fontRef idx="minor">
-              <a:schemeClr val="lt1"/>
-            </a:fontRef>
-          </p:style>
-          <p:txBody>
-            <a:bodyPr rtlCol="0" anchor="ctr"/>
-            <a:lstStyle/>
-            <a:p>
-              <a:pPr algn="ctr"/>
-              <a:r>
-                <a:rPr lang="en-US" dirty="0"/>
-                <a:t> </a:t>
-              </a:r>
-            </a:p>
-          </p:txBody>
-        </p:sp>
-        <p:sp>
-          <p:nvSpPr>
-            <p:cNvPr id="6" name="Oval 5">
-              <a:extLst>
-                <a:ext uri="{FF2B5EF4-FFF2-40B4-BE49-F238E27FC236}">
-                  <a16:creationId xmlns:a16="http://schemas.microsoft.com/office/drawing/2014/main" id="{75C755FB-8455-004A-405B-1295E68507B1}"/>
-                </a:ext>
-              </a:extLst>
-            </p:cNvPr>
-            <p:cNvSpPr/>
-            <p:nvPr/>
-          </p:nvSpPr>
-          <p:spPr>
-            <a:xfrm>
-              <a:off x="8392391" y="2807854"/>
-              <a:ext cx="1514764" cy="923637"/>
-            </a:xfrm>
-            <a:prstGeom prst="ellipse">
-              <a:avLst/>
-            </a:prstGeom>
-            <a:solidFill>
-              <a:schemeClr val="bg1"/>
-            </a:solidFill>
-          </p:spPr>
-          <p:style>
-            <a:lnRef idx="2">
-              <a:schemeClr val="accent1">
-                <a:shade val="15000"/>
-              </a:schemeClr>
-            </a:lnRef>
-            <a:fillRef idx="1">
-              <a:schemeClr val="accent1"/>
-            </a:fillRef>
-            <a:effectRef idx="0">
-              <a:schemeClr val="accent1"/>
-            </a:effectRef>
-            <a:fontRef idx="minor">
-              <a:schemeClr val="lt1"/>
-            </a:fontRef>
-          </p:style>
-          <p:txBody>
-            <a:bodyPr rtlCol="0" anchor="ctr"/>
-            <a:lstStyle/>
-            <a:p>
-              <a:pPr algn="ctr"/>
-              <a:endParaRPr lang="en-US"/>
-            </a:p>
-          </p:txBody>
-        </p:sp>
-        <p:sp>
-          <p:nvSpPr>
-            <p:cNvPr id="7" name="Oval 6">
-              <a:extLst>
-                <a:ext uri="{FF2B5EF4-FFF2-40B4-BE49-F238E27FC236}">
-                  <a16:creationId xmlns:a16="http://schemas.microsoft.com/office/drawing/2014/main" id="{8055093A-2E5D-6EDB-F52E-26AFAC794EE5}"/>
-                </a:ext>
-              </a:extLst>
-            </p:cNvPr>
-            <p:cNvSpPr/>
-            <p:nvPr/>
-          </p:nvSpPr>
-          <p:spPr>
-            <a:xfrm>
-              <a:off x="8392391" y="4709113"/>
-              <a:ext cx="1514764" cy="923637"/>
-            </a:xfrm>
-            <a:prstGeom prst="ellipse">
-              <a:avLst/>
-            </a:prstGeom>
-          </p:spPr>
-          <p:style>
-            <a:lnRef idx="2">
-              <a:schemeClr val="accent1">
-                <a:shade val="15000"/>
-              </a:schemeClr>
-            </a:lnRef>
-            <a:fillRef idx="1">
-              <a:schemeClr val="accent1"/>
-            </a:fillRef>
-            <a:effectRef idx="0">
-              <a:schemeClr val="accent1"/>
-            </a:effectRef>
-            <a:fontRef idx="minor">
-              <a:schemeClr val="lt1"/>
-            </a:fontRef>
-          </p:style>
-          <p:txBody>
-            <a:bodyPr rtlCol="0" anchor="ctr"/>
-            <a:lstStyle/>
-            <a:p>
-              <a:pPr algn="ctr"/>
-              <a:r>
-                <a:rPr lang="en-US" dirty="0"/>
-                <a:t>Sample</a:t>
-              </a:r>
-            </a:p>
-          </p:txBody>
-        </p:sp>
-        <p:sp>
-          <p:nvSpPr>
-            <p:cNvPr id="9" name="TextBox 8">
-              <a:extLst>
-                <a:ext uri="{FF2B5EF4-FFF2-40B4-BE49-F238E27FC236}">
-                  <a16:creationId xmlns:a16="http://schemas.microsoft.com/office/drawing/2014/main" id="{9D0664B3-F7D9-BBD3-87A1-5643EE5D92E7}"/>
-                </a:ext>
-              </a:extLst>
-            </p:cNvPr>
-            <p:cNvSpPr txBox="1"/>
-            <p:nvPr/>
-          </p:nvSpPr>
-          <p:spPr>
-            <a:xfrm>
-              <a:off x="8266545" y="1847273"/>
-              <a:ext cx="1199046" cy="369332"/>
-            </a:xfrm>
-            <a:prstGeom prst="rect">
-              <a:avLst/>
-            </a:prstGeom>
-            <a:noFill/>
-          </p:spPr>
-          <p:txBody>
-            <a:bodyPr wrap="none" rtlCol="0">
-              <a:spAutoFit/>
-            </a:bodyPr>
-            <a:lstStyle/>
-            <a:p>
-              <a:r>
-                <a:rPr lang="en-US" dirty="0">
-                  <a:solidFill>
-                    <a:schemeClr val="bg1"/>
-                  </a:solidFill>
-                </a:rPr>
-                <a:t>Population</a:t>
-              </a:r>
-            </a:p>
-          </p:txBody>
-        </p:sp>
-        <p:cxnSp>
-          <p:nvCxnSpPr>
-            <p:cNvPr id="11" name="Straight Arrow Connector 10">
-              <a:extLst>
-                <a:ext uri="{FF2B5EF4-FFF2-40B4-BE49-F238E27FC236}">
-                  <a16:creationId xmlns:a16="http://schemas.microsoft.com/office/drawing/2014/main" id="{186B49F7-EAAC-9B39-3238-0A6CBE507C2B}"/>
-                </a:ext>
-              </a:extLst>
-            </p:cNvPr>
-            <p:cNvCxnSpPr/>
-            <p:nvPr/>
-          </p:nvCxnSpPr>
-          <p:spPr>
-            <a:xfrm>
-              <a:off x="9149773" y="3269672"/>
-              <a:ext cx="0" cy="1349539"/>
-            </a:xfrm>
-            <a:prstGeom prst="straightConnector1">
-              <a:avLst/>
-            </a:prstGeom>
-            <a:ln w="57150">
-              <a:solidFill>
-                <a:srgbClr val="FF0000"/>
-              </a:solidFill>
-              <a:tailEnd type="triangle"/>
-            </a:ln>
-          </p:spPr>
-          <p:style>
-            <a:lnRef idx="1">
-              <a:schemeClr val="accent1"/>
-            </a:lnRef>
-            <a:fillRef idx="0">
-              <a:schemeClr val="accent1"/>
-            </a:fillRef>
-            <a:effectRef idx="0">
-              <a:schemeClr val="accent1"/>
-            </a:effectRef>
-            <a:fontRef idx="minor">
-              <a:schemeClr val="tx1"/>
-            </a:fontRef>
-          </p:style>
-        </p:cxnSp>
-      </p:grpSp>
-    </p:spTree>
-    <p:extLst>
-      <p:ext uri="{BB962C8B-B14F-4D97-AF65-F5344CB8AC3E}">
-        <p14:creationId xmlns:p14="http://schemas.microsoft.com/office/powerpoint/2010/main" val="3478471953"/>
-      </p:ext>
-    </p:extLst>
-  </p:cSld>
-  <p:clrMapOvr>
-    <a:masterClrMapping/>
-  </p:clrMapOvr>
-</p:sld>
-</file>
-
-<file path=ppt/slides/slide15.xml><?xml version="1.0" encoding="utf-8"?>
-<p:sld xmlns:a="http://schemas.openxmlformats.org/drawingml/2006/main" xmlns:r="http://schemas.openxmlformats.org/officeDocument/2006/relationships" xmlns:p="http://schemas.openxmlformats.org/presentationml/2006/main">
-  <p:cSld>
-    <p:spTree>
-      <p:nvGrpSpPr>
-        <p:cNvPr id="1" name=""/>
-        <p:cNvGrpSpPr/>
-        <p:nvPr/>
-      </p:nvGrpSpPr>
-      <p:grpSpPr>
-        <a:xfrm>
-          <a:off x="0" y="0"/>
-          <a:ext cx="0" cy="0"/>
-          <a:chOff x="0" y="0"/>
-          <a:chExt cx="0" cy="0"/>
-        </a:xfrm>
-      </p:grpSpPr>
-      <p:sp>
-        <p:nvSpPr>
-          <p:cNvPr id="2" name="Title 1">
-            <a:extLst>
-              <a:ext uri="{FF2B5EF4-FFF2-40B4-BE49-F238E27FC236}">
-                <a16:creationId xmlns:a16="http://schemas.microsoft.com/office/drawing/2014/main" id="{10999980-3A28-4123-6B5F-A6639B54C7DB}"/>
-              </a:ext>
-            </a:extLst>
-          </p:cNvPr>
-          <p:cNvSpPr>
-            <a:spLocks noGrp="1"/>
-          </p:cNvSpPr>
-          <p:nvPr>
-            <p:ph type="title"/>
-          </p:nvPr>
-        </p:nvSpPr>
-        <p:spPr>
-          <a:xfrm>
-            <a:off x="123826" y="0"/>
-            <a:ext cx="10515600" cy="1325563"/>
-          </a:xfrm>
-        </p:spPr>
-        <p:txBody>
-          <a:bodyPr/>
-          <a:lstStyle/>
-          <a:p>
-            <a:r>
-              <a:rPr lang="en-US" dirty="0"/>
-              <a:t>Example</a:t>
-            </a:r>
-          </a:p>
-        </p:txBody>
-      </p:sp>
-      <p:cxnSp>
-        <p:nvCxnSpPr>
-          <p:cNvPr id="11" name="Straight Connector 10">
-            <a:extLst>
-              <a:ext uri="{FF2B5EF4-FFF2-40B4-BE49-F238E27FC236}">
-                <a16:creationId xmlns:a16="http://schemas.microsoft.com/office/drawing/2014/main" id="{13AED8ED-F3E1-EB93-F48F-DAD47DDD846A}"/>
-              </a:ext>
-            </a:extLst>
-          </p:cNvPr>
-          <p:cNvCxnSpPr>
-            <a:cxnSpLocks/>
-          </p:cNvCxnSpPr>
-          <p:nvPr/>
-        </p:nvCxnSpPr>
-        <p:spPr>
-          <a:xfrm>
-            <a:off x="6560360" y="2438400"/>
-            <a:ext cx="459042" cy="1330036"/>
-          </a:xfrm>
-          <a:prstGeom prst="line">
-            <a:avLst/>
-          </a:prstGeom>
-          <a:ln w="12700"/>
-        </p:spPr>
-        <p:style>
-          <a:lnRef idx="1">
-            <a:schemeClr val="dk1"/>
-          </a:lnRef>
-          <a:fillRef idx="0">
-            <a:schemeClr val="dk1"/>
-          </a:fillRef>
-          <a:effectRef idx="0">
-            <a:schemeClr val="dk1"/>
-          </a:effectRef>
-          <a:fontRef idx="minor">
-            <a:schemeClr val="tx1"/>
-          </a:fontRef>
-        </p:style>
-      </p:cxnSp>
-      <p:cxnSp>
-        <p:nvCxnSpPr>
-          <p:cNvPr id="13" name="Straight Connector 12">
-            <a:extLst>
-              <a:ext uri="{FF2B5EF4-FFF2-40B4-BE49-F238E27FC236}">
-                <a16:creationId xmlns:a16="http://schemas.microsoft.com/office/drawing/2014/main" id="{0845FEF9-6712-393A-9522-615A9EE1AEAB}"/>
-              </a:ext>
-            </a:extLst>
-          </p:cNvPr>
-          <p:cNvCxnSpPr>
-            <a:cxnSpLocks/>
-          </p:cNvCxnSpPr>
-          <p:nvPr/>
-        </p:nvCxnSpPr>
-        <p:spPr>
-          <a:xfrm flipV="1">
-            <a:off x="6587823" y="5186520"/>
-            <a:ext cx="431579" cy="1403651"/>
-          </a:xfrm>
-          <a:prstGeom prst="line">
-            <a:avLst/>
-          </a:prstGeom>
-          <a:ln w="12700"/>
-        </p:spPr>
-        <p:style>
-          <a:lnRef idx="1">
-            <a:schemeClr val="dk1"/>
-          </a:lnRef>
-          <a:fillRef idx="0">
-            <a:schemeClr val="dk1"/>
-          </a:fillRef>
-          <a:effectRef idx="0">
-            <a:schemeClr val="dk1"/>
-          </a:effectRef>
-          <a:fontRef idx="minor">
-            <a:schemeClr val="tx1"/>
-          </a:fontRef>
-        </p:style>
-      </p:cxnSp>
-      <mc:AlternateContent xmlns:mc="http://schemas.openxmlformats.org/markup-compatibility/2006" xmlns:a14="http://schemas.microsoft.com/office/drawing/2010/main">
-        <mc:Choice Requires="a14">
-          <p:sp>
-            <p:nvSpPr>
-              <p:cNvPr id="18" name="TextBox 17">
-                <a:extLst>
-                  <a:ext uri="{FF2B5EF4-FFF2-40B4-BE49-F238E27FC236}">
-                    <a16:creationId xmlns:a16="http://schemas.microsoft.com/office/drawing/2014/main" id="{A95600A2-64C4-B68E-6C26-D048BDD572EC}"/>
-                  </a:ext>
-                </a:extLst>
-              </p:cNvPr>
-              <p:cNvSpPr txBox="1"/>
-              <p:nvPr/>
-            </p:nvSpPr>
-            <p:spPr>
-              <a:xfrm>
-                <a:off x="2105891" y="1671782"/>
-                <a:ext cx="2659190" cy="461665"/>
-              </a:xfrm>
-              <a:prstGeom prst="rect">
-                <a:avLst/>
-              </a:prstGeom>
-              <a:noFill/>
-            </p:spPr>
-            <p:txBody>
-              <a:bodyPr wrap="none" rtlCol="0">
-                <a:spAutoFit/>
-              </a:bodyPr>
-              <a:lstStyle/>
-              <a:p>
-                <a:r>
-                  <a:rPr lang="en-US" sz="2400" dirty="0"/>
-                  <a:t>Population: </a:t>
-                </a:r>
-                <a14:m>
-                  <m:oMath xmlns:m="http://schemas.openxmlformats.org/officeDocument/2006/math">
-                    <m:r>
-                      <a:rPr lang="en-US" sz="2400" b="0" i="1" smtClean="0">
-                        <a:latin typeface="Cambria Math" panose="02040503050406030204" pitchFamily="18" charset="0"/>
-                      </a:rPr>
-                      <m:t>𝑁</m:t>
-                    </m:r>
-                    <m:r>
-                      <a:rPr lang="en-US" sz="2400" b="0" i="1" smtClean="0">
-                        <a:latin typeface="Cambria Math" panose="02040503050406030204" pitchFamily="18" charset="0"/>
-                      </a:rPr>
-                      <m:t>=20</m:t>
-                    </m:r>
-                  </m:oMath>
-                </a14:m>
-                <a:endParaRPr lang="en-US" sz="2400" dirty="0"/>
-              </a:p>
-            </p:txBody>
-          </p:sp>
-        </mc:Choice>
-        <mc:Fallback xmlns="">
-          <p:sp>
-            <p:nvSpPr>
-              <p:cNvPr id="18" name="TextBox 17">
-                <a:extLst>
-                  <a:ext uri="{FF2B5EF4-FFF2-40B4-BE49-F238E27FC236}">
-                    <a16:creationId xmlns:a16="http://schemas.microsoft.com/office/drawing/2014/main" id="{A95600A2-64C4-B68E-6C26-D048BDD572EC}"/>
-                  </a:ext>
-                </a:extLst>
-              </p:cNvPr>
-              <p:cNvSpPr txBox="1">
-                <a:spLocks noRot="1" noChangeAspect="1" noMove="1" noResize="1" noEditPoints="1" noAdjustHandles="1" noChangeArrowheads="1" noChangeShapeType="1" noTextEdit="1"/>
-              </p:cNvSpPr>
-              <p:nvPr/>
-            </p:nvSpPr>
-            <p:spPr>
-              <a:xfrm>
-                <a:off x="2105891" y="1671782"/>
-                <a:ext cx="2659190" cy="461665"/>
-              </a:xfrm>
-              <a:prstGeom prst="rect">
-                <a:avLst/>
-              </a:prstGeom>
-              <a:blipFill>
-                <a:blip r:embed="rId4"/>
-                <a:stretch>
-                  <a:fillRect l="-3432" t="-10526" b="-28947"/>
-                </a:stretch>
-              </a:blipFill>
-            </p:spPr>
-            <p:txBody>
-              <a:bodyPr/>
-              <a:lstStyle/>
-              <a:p>
-                <a:r>
-                  <a:rPr lang="en-US">
-                    <a:noFill/>
-                  </a:rPr>
-                  <a:t> </a:t>
-                </a:r>
-              </a:p>
-            </p:txBody>
-          </p:sp>
-        </mc:Fallback>
-      </mc:AlternateContent>
-      <mc:AlternateContent xmlns:mc="http://schemas.openxmlformats.org/markup-compatibility/2006" xmlns:a14="http://schemas.microsoft.com/office/drawing/2010/main">
-        <mc:Choice Requires="a14">
-          <p:sp>
-            <p:nvSpPr>
-              <p:cNvPr id="19" name="TextBox 18">
-                <a:extLst>
-                  <a:ext uri="{FF2B5EF4-FFF2-40B4-BE49-F238E27FC236}">
-                    <a16:creationId xmlns:a16="http://schemas.microsoft.com/office/drawing/2014/main" id="{D3DD774A-2402-4286-7B26-81B6AFA6FFD0}"/>
-                  </a:ext>
-                </a:extLst>
-              </p:cNvPr>
-              <p:cNvSpPr txBox="1"/>
-              <p:nvPr/>
-            </p:nvSpPr>
-            <p:spPr>
-              <a:xfrm>
-                <a:off x="8298872" y="3225453"/>
-                <a:ext cx="1997085" cy="461665"/>
-              </a:xfrm>
-              <a:prstGeom prst="rect">
-                <a:avLst/>
-              </a:prstGeom>
-              <a:noFill/>
-            </p:spPr>
-            <p:txBody>
-              <a:bodyPr wrap="none" rtlCol="0">
-                <a:spAutoFit/>
-              </a:bodyPr>
-              <a:lstStyle/>
-              <a:p>
-                <a:r>
-                  <a:rPr lang="en-US" sz="2400" dirty="0"/>
-                  <a:t>Sample: </a:t>
-                </a:r>
-                <a14:m>
-                  <m:oMath xmlns:m="http://schemas.openxmlformats.org/officeDocument/2006/math">
-                    <m:r>
-                      <m:rPr>
-                        <m:sty m:val="p"/>
-                      </m:rPr>
-                      <a:rPr lang="en-US" sz="2400" b="0" i="0" smtClean="0">
-                        <a:latin typeface="Cambria Math" panose="02040503050406030204" pitchFamily="18" charset="0"/>
-                      </a:rPr>
-                      <m:t>n</m:t>
-                    </m:r>
-                    <m:r>
-                      <a:rPr lang="en-US" sz="2400" b="0" i="1" smtClean="0">
-                        <a:latin typeface="Cambria Math" panose="02040503050406030204" pitchFamily="18" charset="0"/>
-                      </a:rPr>
-                      <m:t>=5</m:t>
-                    </m:r>
-                  </m:oMath>
-                </a14:m>
-                <a:endParaRPr lang="en-US" sz="2400" dirty="0"/>
-              </a:p>
-            </p:txBody>
-          </p:sp>
-        </mc:Choice>
-        <mc:Fallback xmlns="">
-          <p:sp>
-            <p:nvSpPr>
-              <p:cNvPr id="19" name="TextBox 18">
-                <a:extLst>
-                  <a:ext uri="{FF2B5EF4-FFF2-40B4-BE49-F238E27FC236}">
-                    <a16:creationId xmlns:a16="http://schemas.microsoft.com/office/drawing/2014/main" id="{D3DD774A-2402-4286-7B26-81B6AFA6FFD0}"/>
-                  </a:ext>
-                </a:extLst>
-              </p:cNvPr>
-              <p:cNvSpPr txBox="1">
-                <a:spLocks noRot="1" noChangeAspect="1" noMove="1" noResize="1" noEditPoints="1" noAdjustHandles="1" noChangeArrowheads="1" noChangeShapeType="1" noTextEdit="1"/>
-              </p:cNvSpPr>
-              <p:nvPr/>
-            </p:nvSpPr>
-            <p:spPr>
-              <a:xfrm>
-                <a:off x="8298872" y="3225453"/>
-                <a:ext cx="1997085" cy="461665"/>
-              </a:xfrm>
-              <a:prstGeom prst="rect">
-                <a:avLst/>
-              </a:prstGeom>
-              <a:blipFill>
-                <a:blip r:embed="rId5"/>
-                <a:stretch>
-                  <a:fillRect l="-4573" t="-10526" r="-305" b="-28947"/>
-                </a:stretch>
-              </a:blipFill>
-            </p:spPr>
-            <p:txBody>
-              <a:bodyPr/>
-              <a:lstStyle/>
-              <a:p>
-                <a:r>
-                  <a:rPr lang="en-US">
-                    <a:noFill/>
-                  </a:rPr>
-                  <a:t> </a:t>
-                </a:r>
-              </a:p>
-            </p:txBody>
-          </p:sp>
-        </mc:Fallback>
-      </mc:AlternateContent>
-      <p:pic>
-        <p:nvPicPr>
-          <p:cNvPr id="4" name="Picture 3">
-            <a:extLst>
-              <a:ext uri="{FF2B5EF4-FFF2-40B4-BE49-F238E27FC236}">
-                <a16:creationId xmlns:a16="http://schemas.microsoft.com/office/drawing/2014/main" id="{092ECA5E-F265-CC01-3BD8-E4F3AD723AF6}"/>
-              </a:ext>
-            </a:extLst>
-          </p:cNvPr>
-          <p:cNvPicPr>
-            <a:picLocks noChangeAspect="1"/>
-          </p:cNvPicPr>
-          <p:nvPr/>
-        </p:nvPicPr>
-        <p:blipFill>
-          <a:blip r:embed="rId6"/>
-          <a:stretch>
-            <a:fillRect/>
-          </a:stretch>
-        </p:blipFill>
-        <p:spPr>
-          <a:xfrm>
-            <a:off x="0" y="2208705"/>
-            <a:ext cx="6560360" cy="4570937"/>
-          </a:xfrm>
-          <a:prstGeom prst="rect">
-            <a:avLst/>
-          </a:prstGeom>
-        </p:spPr>
-      </p:pic>
-      <p:pic>
-        <p:nvPicPr>
-          <p:cNvPr id="10" name="Picture 9">
-            <a:extLst>
-              <a:ext uri="{FF2B5EF4-FFF2-40B4-BE49-F238E27FC236}">
-                <a16:creationId xmlns:a16="http://schemas.microsoft.com/office/drawing/2014/main" id="{DE1CA0A1-E6E8-96B5-56BD-17F23AFB399F}"/>
-              </a:ext>
-            </a:extLst>
-          </p:cNvPr>
-          <p:cNvPicPr>
-            <a:picLocks noChangeAspect="1"/>
-          </p:cNvPicPr>
-          <p:nvPr/>
-        </p:nvPicPr>
-        <p:blipFill>
-          <a:blip r:embed="rId7"/>
-          <a:stretch>
-            <a:fillRect/>
-          </a:stretch>
-        </p:blipFill>
-        <p:spPr>
-          <a:xfrm>
-            <a:off x="6986574" y="3716410"/>
-            <a:ext cx="5205425" cy="1444905"/>
-          </a:xfrm>
-          <a:prstGeom prst="rect">
-            <a:avLst/>
-          </a:prstGeom>
-        </p:spPr>
-      </p:pic>
-      <mc:AlternateContent xmlns:mc="http://schemas.openxmlformats.org/markup-compatibility/2006" xmlns:a14="http://schemas.microsoft.com/office/drawing/2010/main">
-        <mc:Choice Requires="a14">
-          <p:sp>
-            <p:nvSpPr>
-              <p:cNvPr id="3" name="TextBox 2">
-                <a:extLst>
-                  <a:ext uri="{FF2B5EF4-FFF2-40B4-BE49-F238E27FC236}">
-                    <a16:creationId xmlns:a16="http://schemas.microsoft.com/office/drawing/2014/main" id="{6D3838FB-D204-9D3B-4AA1-DDCB2ED4578D}"/>
-                  </a:ext>
-                </a:extLst>
-              </p:cNvPr>
-              <p:cNvSpPr txBox="1"/>
-              <p:nvPr/>
-            </p:nvSpPr>
-            <p:spPr>
-              <a:xfrm>
-                <a:off x="7287491" y="923636"/>
-                <a:ext cx="4029629" cy="1477328"/>
-              </a:xfrm>
-              <a:prstGeom prst="rect">
-                <a:avLst/>
-              </a:prstGeom>
-              <a:noFill/>
-            </p:spPr>
-            <p:txBody>
-              <a:bodyPr wrap="none" rtlCol="0">
-                <a:spAutoFit/>
-              </a:bodyPr>
-              <a:lstStyle/>
-              <a:p>
-                <a:r>
-                  <a:rPr lang="en-US" dirty="0"/>
-                  <a:t>The population is a set of </a:t>
-                </a:r>
-                <a14:m>
-                  <m:oMath xmlns:m="http://schemas.openxmlformats.org/officeDocument/2006/math">
-                    <m:r>
-                      <a:rPr lang="en-US" b="0" i="1" smtClean="0">
-                        <a:latin typeface="Cambria Math" panose="02040503050406030204" pitchFamily="18" charset="0"/>
-                      </a:rPr>
-                      <m:t>𝑁</m:t>
-                    </m:r>
-                  </m:oMath>
-                </a14:m>
-                <a:r>
-                  <a:rPr lang="en-US" dirty="0"/>
-                  <a:t> observations</a:t>
-                </a:r>
-              </a:p>
-              <a:p>
-                <a:pPr/>
-                <a14:m>
-                  <m:oMathPara xmlns:m="http://schemas.openxmlformats.org/officeDocument/2006/math">
-                    <m:oMathParaPr>
-                      <m:jc m:val="centerGroup"/>
-                    </m:oMathParaPr>
-                    <m:oMath xmlns:m="http://schemas.openxmlformats.org/officeDocument/2006/math">
-                      <m:r>
-                        <a:rPr lang="en-US" b="0" i="1" smtClean="0">
-                          <a:latin typeface="Cambria Math" panose="02040503050406030204" pitchFamily="18" charset="0"/>
-                        </a:rPr>
-                        <m:t>{</m:t>
-                      </m:r>
-                      <m:sSub>
-                        <m:sSubPr>
-                          <m:ctrlPr>
-                            <a:rPr lang="en-US" b="0" i="1" smtClean="0">
-                              <a:latin typeface="Cambria Math" panose="02040503050406030204" pitchFamily="18" charset="0"/>
-                            </a:rPr>
-                          </m:ctrlPr>
-                        </m:sSubPr>
-                        <m:e>
-                          <m:r>
-                            <a:rPr lang="en-US" b="0" i="1" smtClean="0">
-                              <a:latin typeface="Cambria Math" panose="02040503050406030204" pitchFamily="18" charset="0"/>
-                            </a:rPr>
-                            <m:t>𝑥</m:t>
-                          </m:r>
-                        </m:e>
-                        <m:sub>
-                          <m:r>
-                            <a:rPr lang="en-US" b="0" i="1" smtClean="0">
-                              <a:latin typeface="Cambria Math" panose="02040503050406030204" pitchFamily="18" charset="0"/>
-                            </a:rPr>
-                            <m:t>1</m:t>
-                          </m:r>
-                        </m:sub>
-                      </m:sSub>
-                      <m:r>
-                        <a:rPr lang="en-US" b="0" i="1" smtClean="0">
-                          <a:latin typeface="Cambria Math" panose="02040503050406030204" pitchFamily="18" charset="0"/>
-                        </a:rPr>
-                        <m:t>, </m:t>
-                      </m:r>
-                      <m:sSub>
-                        <m:sSubPr>
-                          <m:ctrlPr>
-                            <a:rPr lang="en-US" b="0" i="1" smtClean="0">
-                              <a:latin typeface="Cambria Math" panose="02040503050406030204" pitchFamily="18" charset="0"/>
-                            </a:rPr>
-                          </m:ctrlPr>
-                        </m:sSubPr>
-                        <m:e>
-                          <m:r>
-                            <a:rPr lang="en-US" b="0" i="1" smtClean="0">
-                              <a:latin typeface="Cambria Math" panose="02040503050406030204" pitchFamily="18" charset="0"/>
-                            </a:rPr>
-                            <m:t>𝑥</m:t>
-                          </m:r>
-                        </m:e>
-                        <m:sub>
-                          <m:r>
-                            <a:rPr lang="en-US" b="0" i="1" smtClean="0">
-                              <a:latin typeface="Cambria Math" panose="02040503050406030204" pitchFamily="18" charset="0"/>
-                            </a:rPr>
-                            <m:t>2</m:t>
-                          </m:r>
-                        </m:sub>
-                      </m:sSub>
-                      <m:r>
-                        <a:rPr lang="en-US" b="0" i="1" smtClean="0">
-                          <a:latin typeface="Cambria Math" panose="02040503050406030204" pitchFamily="18" charset="0"/>
-                        </a:rPr>
-                        <m:t>,</m:t>
-                      </m:r>
-                      <m:sSub>
-                        <m:sSubPr>
-                          <m:ctrlPr>
-                            <a:rPr lang="en-US" b="0" i="1" smtClean="0">
-                              <a:latin typeface="Cambria Math" panose="02040503050406030204" pitchFamily="18" charset="0"/>
-                            </a:rPr>
-                          </m:ctrlPr>
-                        </m:sSubPr>
-                        <m:e>
-                          <m:r>
-                            <a:rPr lang="en-US" b="0" i="1" smtClean="0">
-                              <a:latin typeface="Cambria Math" panose="02040503050406030204" pitchFamily="18" charset="0"/>
-                            </a:rPr>
-                            <m:t>𝑥</m:t>
-                          </m:r>
-                        </m:e>
-                        <m:sub>
-                          <m:r>
-                            <a:rPr lang="en-US" b="0" i="1" smtClean="0">
-                              <a:latin typeface="Cambria Math" panose="02040503050406030204" pitchFamily="18" charset="0"/>
-                            </a:rPr>
-                            <m:t>3</m:t>
-                          </m:r>
-                        </m:sub>
-                      </m:sSub>
-                      <m:r>
-                        <a:rPr lang="en-US" b="0" i="1" smtClean="0">
-                          <a:latin typeface="Cambria Math" panose="02040503050406030204" pitchFamily="18" charset="0"/>
-                        </a:rPr>
-                        <m:t>,…</m:t>
-                      </m:r>
-                      <m:sSub>
-                        <m:sSubPr>
-                          <m:ctrlPr>
-                            <a:rPr lang="en-US" b="0" i="1" smtClean="0">
-                              <a:latin typeface="Cambria Math" panose="02040503050406030204" pitchFamily="18" charset="0"/>
-                            </a:rPr>
-                          </m:ctrlPr>
-                        </m:sSubPr>
-                        <m:e>
-                          <m:r>
-                            <a:rPr lang="en-US" b="0" i="1" smtClean="0">
-                              <a:latin typeface="Cambria Math" panose="02040503050406030204" pitchFamily="18" charset="0"/>
-                            </a:rPr>
-                            <m:t>𝑥</m:t>
-                          </m:r>
-                        </m:e>
-                        <m:sub>
-                          <m:r>
-                            <a:rPr lang="en-US" b="0" i="1" smtClean="0">
-                              <a:latin typeface="Cambria Math" panose="02040503050406030204" pitchFamily="18" charset="0"/>
-                            </a:rPr>
-                            <m:t>𝑁</m:t>
-                          </m:r>
-                        </m:sub>
-                      </m:sSub>
-                      <m:r>
-                        <a:rPr lang="en-US" b="0" i="1" smtClean="0">
-                          <a:latin typeface="Cambria Math" panose="02040503050406030204" pitchFamily="18" charset="0"/>
-                        </a:rPr>
-                        <m:t>}</m:t>
-                      </m:r>
-                    </m:oMath>
-                  </m:oMathPara>
-                </a14:m>
-                <a:endParaRPr lang="en-US" dirty="0"/>
-              </a:p>
-              <a:p>
-                <a:endParaRPr lang="en-US" dirty="0"/>
-              </a:p>
-              <a:p>
-                <a:r>
-                  <a:rPr lang="en-US" dirty="0"/>
-                  <a:t>The sample is a set of </a:t>
-                </a:r>
-                <a14:m>
-                  <m:oMath xmlns:m="http://schemas.openxmlformats.org/officeDocument/2006/math">
-                    <m:r>
-                      <a:rPr lang="en-US" b="0" i="1" smtClean="0">
-                        <a:latin typeface="Cambria Math" panose="02040503050406030204" pitchFamily="18" charset="0"/>
-                      </a:rPr>
-                      <m:t>𝑛</m:t>
-                    </m:r>
-                  </m:oMath>
-                </a14:m>
-                <a:r>
-                  <a:rPr lang="en-US" dirty="0"/>
-                  <a:t> observations</a:t>
-                </a:r>
-              </a:p>
-              <a:p>
-                <a:pPr/>
-                <a14:m>
-                  <m:oMathPara xmlns:m="http://schemas.openxmlformats.org/officeDocument/2006/math">
-                    <m:oMathParaPr>
-                      <m:jc m:val="centerGroup"/>
-                    </m:oMathParaPr>
-                    <m:oMath xmlns:m="http://schemas.openxmlformats.org/officeDocument/2006/math">
-                      <m:d>
-                        <m:dPr>
-                          <m:begChr m:val="{"/>
-                          <m:endChr m:val="}"/>
-                          <m:ctrlPr>
-                            <a:rPr lang="en-US" b="0" i="1" smtClean="0">
-                              <a:latin typeface="Cambria Math" panose="02040503050406030204" pitchFamily="18" charset="0"/>
-                            </a:rPr>
-                          </m:ctrlPr>
-                        </m:dPr>
-                        <m:e>
-                          <m:sSub>
-                            <m:sSubPr>
-                              <m:ctrlPr>
-                                <a:rPr lang="en-US" b="0" i="1" smtClean="0">
-                                  <a:latin typeface="Cambria Math" panose="02040503050406030204" pitchFamily="18" charset="0"/>
-                                </a:rPr>
-                              </m:ctrlPr>
-                            </m:sSubPr>
-                            <m:e>
-                              <m:r>
-                                <a:rPr lang="en-US" b="0" i="1" smtClean="0">
-                                  <a:latin typeface="Cambria Math" panose="02040503050406030204" pitchFamily="18" charset="0"/>
-                                </a:rPr>
-                                <m:t>𝑥</m:t>
-                              </m:r>
-                            </m:e>
-                            <m:sub>
-                              <m:r>
-                                <a:rPr lang="en-US" b="0" i="1" smtClean="0">
-                                  <a:latin typeface="Cambria Math" panose="02040503050406030204" pitchFamily="18" charset="0"/>
-                                </a:rPr>
-                                <m:t>1</m:t>
-                              </m:r>
-                            </m:sub>
-                          </m:sSub>
-                          <m:r>
-                            <a:rPr lang="en-US" b="0" i="1" smtClean="0">
-                              <a:latin typeface="Cambria Math" panose="02040503050406030204" pitchFamily="18" charset="0"/>
-                            </a:rPr>
-                            <m:t>,</m:t>
-                          </m:r>
-                          <m:sSub>
-                            <m:sSubPr>
-                              <m:ctrlPr>
-                                <a:rPr lang="en-US" b="0" i="1" smtClean="0">
-                                  <a:latin typeface="Cambria Math" panose="02040503050406030204" pitchFamily="18" charset="0"/>
-                                </a:rPr>
-                              </m:ctrlPr>
-                            </m:sSubPr>
-                            <m:e>
-                              <m:r>
-                                <a:rPr lang="en-US" b="0" i="1" smtClean="0">
-                                  <a:latin typeface="Cambria Math" panose="02040503050406030204" pitchFamily="18" charset="0"/>
-                                </a:rPr>
-                                <m:t>𝑥</m:t>
-                              </m:r>
-                            </m:e>
-                            <m:sub>
-                              <m:r>
-                                <a:rPr lang="en-US" b="0" i="1" smtClean="0">
-                                  <a:latin typeface="Cambria Math" panose="02040503050406030204" pitchFamily="18" charset="0"/>
-                                </a:rPr>
-                                <m:t>7</m:t>
-                              </m:r>
-                            </m:sub>
-                          </m:sSub>
-                          <m:r>
-                            <a:rPr lang="en-US" b="0" i="1" smtClean="0">
-                              <a:latin typeface="Cambria Math" panose="02040503050406030204" pitchFamily="18" charset="0"/>
-                            </a:rPr>
-                            <m:t>,</m:t>
-                          </m:r>
-                          <m:sSub>
-                            <m:sSubPr>
-                              <m:ctrlPr>
-                                <a:rPr lang="en-US" b="0" i="1" smtClean="0">
-                                  <a:latin typeface="Cambria Math" panose="02040503050406030204" pitchFamily="18" charset="0"/>
-                                </a:rPr>
-                              </m:ctrlPr>
-                            </m:sSubPr>
-                            <m:e>
-                              <m:r>
-                                <a:rPr lang="en-US" b="0" i="1" smtClean="0">
-                                  <a:latin typeface="Cambria Math" panose="02040503050406030204" pitchFamily="18" charset="0"/>
-                                </a:rPr>
-                                <m:t>𝑥</m:t>
-                              </m:r>
-                            </m:e>
-                            <m:sub>
-                              <m:r>
-                                <a:rPr lang="en-US" b="0" i="1" smtClean="0">
-                                  <a:latin typeface="Cambria Math" panose="02040503050406030204" pitchFamily="18" charset="0"/>
-                                </a:rPr>
-                                <m:t>8</m:t>
-                              </m:r>
-                            </m:sub>
-                          </m:sSub>
-                          <m:r>
-                            <a:rPr lang="en-US" b="0" i="1" smtClean="0">
-                              <a:latin typeface="Cambria Math" panose="02040503050406030204" pitchFamily="18" charset="0"/>
-                            </a:rPr>
-                            <m:t>,…</m:t>
-                          </m:r>
-                          <m:sSub>
-                            <m:sSubPr>
-                              <m:ctrlPr>
-                                <a:rPr lang="en-US" b="0" i="1" smtClean="0">
-                                  <a:latin typeface="Cambria Math" panose="02040503050406030204" pitchFamily="18" charset="0"/>
-                                </a:rPr>
-                              </m:ctrlPr>
-                            </m:sSubPr>
-                            <m:e>
-                              <m:r>
-                                <a:rPr lang="en-US" b="0" i="1" smtClean="0">
-                                  <a:latin typeface="Cambria Math" panose="02040503050406030204" pitchFamily="18" charset="0"/>
-                                </a:rPr>
-                                <m:t>𝑥</m:t>
-                              </m:r>
-                            </m:e>
-                            <m:sub>
-                              <m:r>
-                                <a:rPr lang="en-US" b="0" i="1" smtClean="0">
-                                  <a:latin typeface="Cambria Math" panose="02040503050406030204" pitchFamily="18" charset="0"/>
-                                </a:rPr>
-                                <m:t>𝑛</m:t>
-                              </m:r>
-                            </m:sub>
-                          </m:sSub>
-                        </m:e>
-                      </m:d>
-                    </m:oMath>
-                  </m:oMathPara>
-                </a14:m>
-                <a:endParaRPr lang="en-US" dirty="0"/>
-              </a:p>
-            </p:txBody>
-          </p:sp>
-        </mc:Choice>
-        <mc:Fallback xmlns="">
-          <p:sp>
-            <p:nvSpPr>
-              <p:cNvPr id="3" name="TextBox 2">
-                <a:extLst>
-                  <a:ext uri="{FF2B5EF4-FFF2-40B4-BE49-F238E27FC236}">
-                    <a16:creationId xmlns:a16="http://schemas.microsoft.com/office/drawing/2014/main" id="{6D3838FB-D204-9D3B-4AA1-DDCB2ED4578D}"/>
-                  </a:ext>
-                </a:extLst>
-              </p:cNvPr>
-              <p:cNvSpPr txBox="1">
-                <a:spLocks noRot="1" noChangeAspect="1" noMove="1" noResize="1" noEditPoints="1" noAdjustHandles="1" noChangeArrowheads="1" noChangeShapeType="1" noTextEdit="1"/>
-              </p:cNvSpPr>
-              <p:nvPr/>
-            </p:nvSpPr>
-            <p:spPr>
-              <a:xfrm>
-                <a:off x="7287491" y="923636"/>
-                <a:ext cx="4029629" cy="1477328"/>
-              </a:xfrm>
-              <a:prstGeom prst="rect">
-                <a:avLst/>
-              </a:prstGeom>
-              <a:blipFill>
-                <a:blip r:embed="rId8"/>
-                <a:stretch>
-                  <a:fillRect l="-1210" t="-2479" r="-756"/>
-                </a:stretch>
-              </a:blipFill>
-            </p:spPr>
-            <p:txBody>
-              <a:bodyPr/>
-              <a:lstStyle/>
-              <a:p>
-                <a:r>
-                  <a:rPr lang="en-US">
-                    <a:noFill/>
-                  </a:rPr>
-                  <a:t> </a:t>
-                </a:r>
-              </a:p>
-            </p:txBody>
-          </p:sp>
-        </mc:Fallback>
-      </mc:AlternateContent>
-    </p:spTree>
-    <p:extLst>
-      <p:ext uri="{BB962C8B-B14F-4D97-AF65-F5344CB8AC3E}">
-        <p14:creationId xmlns:p14="http://schemas.microsoft.com/office/powerpoint/2010/main" val="1454542169"/>
-      </p:ext>
-    </p:extLst>
-  </p:cSld>
-  <p:clrMapOvr>
-    <a:masterClrMapping/>
-  </p:clrMapOvr>
-</p:sld>
-</file>
-
-<file path=ppt/slides/slide16.xml><?xml version="1.0" encoding="utf-8"?>
-<p:sld xmlns:a="http://schemas.openxmlformats.org/drawingml/2006/main" xmlns:r="http://schemas.openxmlformats.org/officeDocument/2006/relationships" xmlns:p="http://schemas.openxmlformats.org/presentationml/2006/main">
-  <p:cSld>
-    <p:spTree>
-      <p:nvGrpSpPr>
-        <p:cNvPr id="1" name=""/>
-        <p:cNvGrpSpPr/>
-        <p:nvPr/>
-      </p:nvGrpSpPr>
-      <p:grpSpPr>
-        <a:xfrm>
-          <a:off x="0" y="0"/>
-          <a:ext cx="0" cy="0"/>
-          <a:chOff x="0" y="0"/>
-          <a:chExt cx="0" cy="0"/>
-        </a:xfrm>
-      </p:grpSpPr>
-      <p:sp>
-        <p:nvSpPr>
-          <p:cNvPr id="2" name="Title 1">
-            <a:extLst>
-              <a:ext uri="{FF2B5EF4-FFF2-40B4-BE49-F238E27FC236}">
-                <a16:creationId xmlns:a16="http://schemas.microsoft.com/office/drawing/2014/main" id="{10999980-3A28-4123-6B5F-A6639B54C7DB}"/>
-              </a:ext>
-            </a:extLst>
-          </p:cNvPr>
-          <p:cNvSpPr>
-            <a:spLocks noGrp="1"/>
-          </p:cNvSpPr>
-          <p:nvPr>
-            <p:ph type="title"/>
-          </p:nvPr>
-        </p:nvSpPr>
-        <p:spPr>
-          <a:xfrm>
-            <a:off x="123826" y="0"/>
-            <a:ext cx="10515600" cy="1325563"/>
-          </a:xfrm>
-        </p:spPr>
-        <p:txBody>
-          <a:bodyPr/>
-          <a:lstStyle/>
-          <a:p>
-            <a:r>
-              <a:rPr lang="en-US" dirty="0"/>
-              <a:t>Example 2</a:t>
-            </a:r>
-          </a:p>
-        </p:txBody>
-      </p:sp>
-      <p:pic>
-        <p:nvPicPr>
-          <p:cNvPr id="4" name="Picture 3">
-            <a:extLst>
-              <a:ext uri="{FF2B5EF4-FFF2-40B4-BE49-F238E27FC236}">
-                <a16:creationId xmlns:a16="http://schemas.microsoft.com/office/drawing/2014/main" id="{B6184E2F-3F7B-3505-BF47-FE3AF66852C1}"/>
-              </a:ext>
-            </a:extLst>
-          </p:cNvPr>
-          <p:cNvPicPr>
-            <a:picLocks noChangeAspect="1"/>
-          </p:cNvPicPr>
-          <p:nvPr/>
-        </p:nvPicPr>
-        <p:blipFill>
-          <a:blip r:embed="rId2"/>
-          <a:stretch>
-            <a:fillRect/>
-          </a:stretch>
-        </p:blipFill>
-        <p:spPr>
-          <a:xfrm>
-            <a:off x="5772150" y="361950"/>
-            <a:ext cx="6134100" cy="6134100"/>
-          </a:xfrm>
-          <a:prstGeom prst="rect">
-            <a:avLst/>
-          </a:prstGeom>
-        </p:spPr>
-      </p:pic>
-      <mc:AlternateContent xmlns:mc="http://schemas.openxmlformats.org/markup-compatibility/2006" xmlns:a14="http://schemas.microsoft.com/office/drawing/2010/main">
-        <mc:Choice Requires="a14">
-          <p:sp>
-            <p:nvSpPr>
-              <p:cNvPr id="5" name="TextBox 4">
-                <a:extLst>
-                  <a:ext uri="{FF2B5EF4-FFF2-40B4-BE49-F238E27FC236}">
-                    <a16:creationId xmlns:a16="http://schemas.microsoft.com/office/drawing/2014/main" id="{FEAE6825-F2D0-C0F3-DB57-99EC86F375A9}"/>
-                  </a:ext>
-                </a:extLst>
-              </p:cNvPr>
-              <p:cNvSpPr txBox="1"/>
-              <p:nvPr/>
-            </p:nvSpPr>
-            <p:spPr>
-              <a:xfrm>
-                <a:off x="123826" y="1325563"/>
-                <a:ext cx="5170341" cy="4057521"/>
-              </a:xfrm>
-              <a:prstGeom prst="rect">
-                <a:avLst/>
-              </a:prstGeom>
-              <a:noFill/>
-            </p:spPr>
-            <p:txBody>
-              <a:bodyPr wrap="square">
-                <a:spAutoFit/>
-              </a:bodyPr>
-              <a:lstStyle/>
-              <a:p>
-                <a:pPr marR="0" lvl="0" algn="l" defTabSz="914400" rtl="0" eaLnBrk="1" fontAlgn="auto" latinLnBrk="0" hangingPunct="1">
-                  <a:lnSpc>
-                    <a:spcPct val="90000"/>
-                  </a:lnSpc>
-                  <a:spcBef>
-                    <a:spcPts val="1000"/>
-                  </a:spcBef>
-                  <a:spcAft>
-                    <a:spcPts val="0"/>
-                  </a:spcAft>
-                  <a:buClrTx/>
-                  <a:buSzTx/>
-                  <a:tabLst/>
-                  <a:defRPr/>
-                </a:pPr>
-                <a:r>
-                  <a:rPr lang="en-US" sz="2000" dirty="0">
-                    <a:solidFill>
-                      <a:prstClr val="black"/>
-                    </a:solidFill>
-                    <a:latin typeface="Calibri" panose="020F0502020204030204"/>
-                  </a:rPr>
-                  <a:t>Consider a rectangular-shaped piece of land that has been divided into 100 smaller rectangular units, each containing something of interest (e.g., trees, burrows, archaeological artifacts). </a:t>
-                </a:r>
-              </a:p>
-              <a:p>
-                <a:pPr marR="0" lvl="0" algn="l" defTabSz="914400" rtl="0" eaLnBrk="1" fontAlgn="auto" latinLnBrk="0" hangingPunct="1">
-                  <a:lnSpc>
-                    <a:spcPct val="90000"/>
-                  </a:lnSpc>
-                  <a:spcBef>
-                    <a:spcPts val="1000"/>
-                  </a:spcBef>
-                  <a:spcAft>
-                    <a:spcPts val="0"/>
-                  </a:spcAft>
-                  <a:buClrTx/>
-                  <a:buSzTx/>
-                  <a:tabLst/>
-                  <a:defRPr/>
-                </a:pPr>
-                <a:endParaRPr lang="en-US" sz="2000" dirty="0">
-                  <a:solidFill>
-                    <a:prstClr val="black"/>
-                  </a:solidFill>
-                  <a:latin typeface="Calibri" panose="020F0502020204030204"/>
-                </a:endParaRPr>
-              </a:p>
-              <a:p>
-                <a:pPr marR="0" lvl="0" algn="l" defTabSz="914400" rtl="0" eaLnBrk="1" fontAlgn="auto" latinLnBrk="0" hangingPunct="1">
-                  <a:lnSpc>
-                    <a:spcPct val="90000"/>
-                  </a:lnSpc>
-                  <a:spcBef>
-                    <a:spcPts val="1000"/>
-                  </a:spcBef>
-                  <a:spcAft>
-                    <a:spcPts val="0"/>
-                  </a:spcAft>
-                  <a:buClrTx/>
-                  <a:buSzTx/>
-                  <a:tabLst/>
-                  <a:defRPr/>
-                </a:pPr>
-                <a:r>
-                  <a:rPr lang="en-US" sz="2000" dirty="0">
-                    <a:solidFill>
-                      <a:prstClr val="black"/>
-                    </a:solidFill>
-                    <a:latin typeface="Calibri" panose="020F0502020204030204"/>
-                  </a:rPr>
-                  <a:t>A subset of 10 of those smaller units was selected and the number of objects in each of these units was counted.</a:t>
-                </a:r>
-              </a:p>
-              <a:p>
-                <a:pPr marR="0" lvl="0" algn="l" defTabSz="914400" rtl="0" eaLnBrk="1" fontAlgn="auto" latinLnBrk="0" hangingPunct="1">
-                  <a:lnSpc>
-                    <a:spcPct val="90000"/>
-                  </a:lnSpc>
-                  <a:spcBef>
-                    <a:spcPts val="1000"/>
-                  </a:spcBef>
-                  <a:spcAft>
-                    <a:spcPts val="0"/>
-                  </a:spcAft>
-                  <a:buClrTx/>
-                  <a:buSzTx/>
-                  <a:tabLst/>
-                  <a:defRPr/>
-                </a:pPr>
-                <a:endParaRPr lang="en-US" sz="2000" dirty="0">
-                  <a:solidFill>
-                    <a:prstClr val="black"/>
-                  </a:solidFill>
-                  <a:latin typeface="Calibri" panose="020F0502020204030204"/>
-                </a:endParaRPr>
-              </a:p>
-              <a:p>
-                <a:pPr marR="0" lvl="0" algn="l" defTabSz="914400" rtl="0" eaLnBrk="1" fontAlgn="auto" latinLnBrk="0" hangingPunct="1">
-                  <a:lnSpc>
-                    <a:spcPct val="90000"/>
-                  </a:lnSpc>
-                  <a:spcBef>
-                    <a:spcPts val="1000"/>
-                  </a:spcBef>
-                  <a:spcAft>
-                    <a:spcPts val="0"/>
-                  </a:spcAft>
-                  <a:buClrTx/>
-                  <a:buSzTx/>
-                  <a:tabLst/>
-                  <a:defRPr/>
-                </a:pPr>
-                <a:r>
-                  <a:rPr lang="en-US" sz="2000" dirty="0">
-                    <a:solidFill>
-                      <a:prstClr val="black"/>
-                    </a:solidFill>
-                    <a:latin typeface="Calibri" panose="020F0502020204030204"/>
-                  </a:rPr>
-                  <a:t>Population Size: </a:t>
-                </a:r>
-                <a14:m>
-                  <m:oMath xmlns:m="http://schemas.openxmlformats.org/officeDocument/2006/math">
-                    <m:r>
-                      <a:rPr lang="en-US" sz="2000" b="0" i="1" smtClean="0">
-                        <a:solidFill>
-                          <a:prstClr val="black"/>
-                        </a:solidFill>
-                        <a:latin typeface="Cambria Math" panose="02040503050406030204" pitchFamily="18" charset="0"/>
-                      </a:rPr>
-                      <m:t>𝑁</m:t>
-                    </m:r>
-                    <m:r>
-                      <a:rPr lang="en-US" sz="2000" b="0" i="1" smtClean="0">
-                        <a:solidFill>
-                          <a:prstClr val="black"/>
-                        </a:solidFill>
-                        <a:latin typeface="Cambria Math" panose="02040503050406030204" pitchFamily="18" charset="0"/>
-                      </a:rPr>
-                      <m:t>=100</m:t>
-                    </m:r>
-                  </m:oMath>
-                </a14:m>
-                <a:endParaRPr lang="it-IT" sz="2000" dirty="0">
-                  <a:solidFill>
-                    <a:prstClr val="black"/>
-                  </a:solidFill>
-                  <a:latin typeface="Calibri" panose="020F0502020204030204"/>
-                </a:endParaRPr>
-              </a:p>
-              <a:p>
-                <a:pPr marR="0" lvl="0" algn="l" defTabSz="914400" rtl="0" eaLnBrk="1" fontAlgn="auto" latinLnBrk="0" hangingPunct="1">
-                  <a:lnSpc>
-                    <a:spcPct val="90000"/>
-                  </a:lnSpc>
-                  <a:spcBef>
-                    <a:spcPts val="1000"/>
-                  </a:spcBef>
-                  <a:spcAft>
-                    <a:spcPts val="0"/>
-                  </a:spcAft>
-                  <a:buClrTx/>
-                  <a:buSzTx/>
-                  <a:tabLst/>
-                  <a:defRPr/>
-                </a:pPr>
-                <a:r>
-                  <a:rPr lang="it-IT" sz="2000" dirty="0">
-                    <a:solidFill>
-                      <a:prstClr val="black"/>
-                    </a:solidFill>
-                    <a:latin typeface="Calibri" panose="020F0502020204030204"/>
-                  </a:rPr>
-                  <a:t>Sample Size: </a:t>
-                </a:r>
-                <a14:m>
-                  <m:oMath xmlns:m="http://schemas.openxmlformats.org/officeDocument/2006/math">
-                    <m:r>
-                      <a:rPr lang="en-US" sz="2000" b="0" i="1" smtClean="0">
-                        <a:solidFill>
-                          <a:prstClr val="black"/>
-                        </a:solidFill>
-                        <a:latin typeface="Cambria Math" panose="02040503050406030204" pitchFamily="18" charset="0"/>
-                      </a:rPr>
-                      <m:t>𝑛</m:t>
-                    </m:r>
-                    <m:r>
-                      <a:rPr lang="en-US" sz="2000" b="0" i="1" smtClean="0">
-                        <a:solidFill>
-                          <a:prstClr val="black"/>
-                        </a:solidFill>
-                        <a:latin typeface="Cambria Math" panose="02040503050406030204" pitchFamily="18" charset="0"/>
-                      </a:rPr>
-                      <m:t>=10</m:t>
-                    </m:r>
-                  </m:oMath>
-                </a14:m>
-                <a:endParaRPr lang="it-IT" sz="2000" dirty="0">
-                  <a:solidFill>
-                    <a:prstClr val="black"/>
-                  </a:solidFill>
-                  <a:latin typeface="Calibri" panose="020F0502020204030204"/>
-                </a:endParaRPr>
-              </a:p>
-            </p:txBody>
-          </p:sp>
-        </mc:Choice>
-        <mc:Fallback xmlns="">
-          <p:sp>
-            <p:nvSpPr>
-              <p:cNvPr id="5" name="TextBox 4">
-                <a:extLst>
-                  <a:ext uri="{FF2B5EF4-FFF2-40B4-BE49-F238E27FC236}">
-                    <a16:creationId xmlns:a16="http://schemas.microsoft.com/office/drawing/2014/main" id="{FEAE6825-F2D0-C0F3-DB57-99EC86F375A9}"/>
-                  </a:ext>
-                </a:extLst>
-              </p:cNvPr>
-              <p:cNvSpPr txBox="1">
-                <a:spLocks noRot="1" noChangeAspect="1" noMove="1" noResize="1" noEditPoints="1" noAdjustHandles="1" noChangeArrowheads="1" noChangeShapeType="1" noTextEdit="1"/>
-              </p:cNvSpPr>
-              <p:nvPr/>
-            </p:nvSpPr>
-            <p:spPr>
-              <a:xfrm>
-                <a:off x="123826" y="1325563"/>
-                <a:ext cx="5170341" cy="4057521"/>
-              </a:xfrm>
-              <a:prstGeom prst="rect">
-                <a:avLst/>
-              </a:prstGeom>
-              <a:blipFill>
-                <a:blip r:embed="rId3"/>
-                <a:stretch>
-                  <a:fillRect l="-1179" t="-1502" r="-943" b="-1652"/>
-                </a:stretch>
-              </a:blipFill>
-            </p:spPr>
-            <p:txBody>
-              <a:bodyPr/>
-              <a:lstStyle/>
-              <a:p>
-                <a:r>
-                  <a:rPr lang="en-US">
-                    <a:noFill/>
-                  </a:rPr>
-                  <a:t> </a:t>
-                </a:r>
-              </a:p>
-            </p:txBody>
-          </p:sp>
-        </mc:Fallback>
-      </mc:AlternateContent>
-    </p:spTree>
-    <p:extLst>
-      <p:ext uri="{BB962C8B-B14F-4D97-AF65-F5344CB8AC3E}">
-        <p14:creationId xmlns:p14="http://schemas.microsoft.com/office/powerpoint/2010/main" val="3142203630"/>
-      </p:ext>
-    </p:extLst>
-  </p:cSld>
-  <p:clrMapOvr>
-    <a:masterClrMapping/>
-  </p:clrMapOvr>
-</p:sld>
-</file>
-
-<file path=ppt/slides/slide17.xml><?xml version="1.0" encoding="utf-8"?>
-<p:sld xmlns:a="http://schemas.openxmlformats.org/drawingml/2006/main" xmlns:r="http://schemas.openxmlformats.org/officeDocument/2006/relationships" xmlns:p="http://schemas.openxmlformats.org/presentationml/2006/main">
-  <p:cSld>
-    <p:spTree>
-      <p:nvGrpSpPr>
-        <p:cNvPr id="1" name=""/>
-        <p:cNvGrpSpPr/>
-        <p:nvPr/>
-      </p:nvGrpSpPr>
-      <p:grpSpPr>
-        <a:xfrm>
-          <a:off x="0" y="0"/>
-          <a:ext cx="0" cy="0"/>
-          <a:chOff x="0" y="0"/>
-          <a:chExt cx="0" cy="0"/>
-        </a:xfrm>
-      </p:grpSpPr>
-      <p:sp>
-        <p:nvSpPr>
-          <p:cNvPr id="2" name="Title 1">
-            <a:extLst>
-              <a:ext uri="{FF2B5EF4-FFF2-40B4-BE49-F238E27FC236}">
-                <a16:creationId xmlns:a16="http://schemas.microsoft.com/office/drawing/2014/main" id="{A53202C6-B426-FF39-8BA0-28DB8640F72F}"/>
-              </a:ext>
-            </a:extLst>
-          </p:cNvPr>
-          <p:cNvSpPr>
-            <a:spLocks noGrp="1"/>
-          </p:cNvSpPr>
-          <p:nvPr>
-            <p:ph type="title"/>
-          </p:nvPr>
-        </p:nvSpPr>
-        <p:spPr/>
-        <p:txBody>
-          <a:bodyPr/>
-          <a:lstStyle/>
-          <a:p>
-            <a:r>
-              <a:rPr lang="en-US" dirty="0"/>
-              <a:t>Why is statistics so valuable?</a:t>
-            </a:r>
-          </a:p>
-        </p:txBody>
-      </p:sp>
-      <p:sp>
-        <p:nvSpPr>
-          <p:cNvPr id="3" name="Content Placeholder 2">
-            <a:extLst>
-              <a:ext uri="{FF2B5EF4-FFF2-40B4-BE49-F238E27FC236}">
-                <a16:creationId xmlns:a16="http://schemas.microsoft.com/office/drawing/2014/main" id="{CE8548C3-42AC-8F5F-B1D1-3FB65154EACF}"/>
-              </a:ext>
-            </a:extLst>
-          </p:cNvPr>
-          <p:cNvSpPr>
-            <a:spLocks noGrp="1"/>
-          </p:cNvSpPr>
-          <p:nvPr>
-            <p:ph idx="1"/>
-          </p:nvPr>
-        </p:nvSpPr>
-        <p:spPr/>
-        <p:txBody>
-          <a:bodyPr/>
-          <a:lstStyle/>
-          <a:p>
-            <a:endParaRPr lang="en-US" dirty="0"/>
-          </a:p>
-          <a:p>
-            <a:r>
-              <a:rPr lang="en-US" dirty="0"/>
-              <a:t>Most of the time, we can’t measure everyone or every unit in the population and therefore must limit our measurements to a sample.</a:t>
-            </a:r>
-          </a:p>
-          <a:p>
-            <a:pPr marL="0" indent="0">
-              <a:buNone/>
-            </a:pPr>
-            <a:endParaRPr lang="en-US" dirty="0"/>
-          </a:p>
-          <a:p>
-            <a:r>
-              <a:rPr lang="en-US" dirty="0"/>
-              <a:t>Statistics primarily deals with </a:t>
-            </a:r>
-            <a:r>
-              <a:rPr lang="en-US" b="1" dirty="0"/>
-              <a:t>estimation </a:t>
-            </a:r>
-            <a:r>
-              <a:rPr lang="en-US" dirty="0"/>
-              <a:t>– the process of inferring an unknown quantity about a population using set of sample data</a:t>
-            </a:r>
-          </a:p>
-          <a:p>
-            <a:pPr marL="0" indent="0">
-              <a:buNone/>
-            </a:pPr>
-            <a:endParaRPr lang="en-US" dirty="0"/>
-          </a:p>
-          <a:p>
-            <a:r>
-              <a:rPr lang="en-US" dirty="0"/>
-              <a:t>The tools for estimation allow us to approximate almost everything about populations </a:t>
-            </a:r>
-            <a:r>
-              <a:rPr lang="en-US" b="1" dirty="0"/>
-              <a:t>using only samples</a:t>
-            </a:r>
-            <a:r>
-              <a:rPr lang="en-US" dirty="0"/>
-              <a:t>.</a:t>
-            </a:r>
-          </a:p>
-        </p:txBody>
-      </p:sp>
-    </p:spTree>
-    <p:extLst>
-      <p:ext uri="{BB962C8B-B14F-4D97-AF65-F5344CB8AC3E}">
-        <p14:creationId xmlns:p14="http://schemas.microsoft.com/office/powerpoint/2010/main" val="3769764960"/>
-      </p:ext>
-    </p:extLst>
-  </p:cSld>
-  <p:clrMapOvr>
-    <a:masterClrMapping/>
-  </p:clrMapOvr>
-</p:sld>
-</file>
-
-<file path=ppt/slides/slide18.xml><?xml version="1.0" encoding="utf-8"?>
-<p:sld xmlns:a="http://schemas.openxmlformats.org/drawingml/2006/main" xmlns:r="http://schemas.openxmlformats.org/officeDocument/2006/relationships" xmlns:p="http://schemas.openxmlformats.org/presentationml/2006/main">
-  <p:cSld>
-    <p:spTree>
-      <p:nvGrpSpPr>
-        <p:cNvPr id="1" name=""/>
-        <p:cNvGrpSpPr/>
-        <p:nvPr/>
-      </p:nvGrpSpPr>
-      <p:grpSpPr>
-        <a:xfrm>
-          <a:off x="0" y="0"/>
-          <a:ext cx="0" cy="0"/>
-          <a:chOff x="0" y="0"/>
-          <a:chExt cx="0" cy="0"/>
-        </a:xfrm>
-      </p:grpSpPr>
-      <p:sp>
-        <p:nvSpPr>
-          <p:cNvPr id="2" name="Title 1">
-            <a:extLst>
-              <a:ext uri="{FF2B5EF4-FFF2-40B4-BE49-F238E27FC236}">
-                <a16:creationId xmlns:a16="http://schemas.microsoft.com/office/drawing/2014/main" id="{189E852D-5E29-ED3F-20D1-56A2AB6EA303}"/>
-              </a:ext>
-            </a:extLst>
-          </p:cNvPr>
-          <p:cNvSpPr>
-            <a:spLocks noGrp="1"/>
-          </p:cNvSpPr>
-          <p:nvPr>
-            <p:ph type="title"/>
-          </p:nvPr>
-        </p:nvSpPr>
-        <p:spPr/>
-        <p:txBody>
-          <a:bodyPr/>
-          <a:lstStyle/>
-          <a:p>
-            <a:r>
-              <a:rPr lang="en-US" dirty="0"/>
-              <a:t>Where we can go with estimates </a:t>
-            </a:r>
-          </a:p>
-        </p:txBody>
-      </p:sp>
-      <p:sp>
-        <p:nvSpPr>
-          <p:cNvPr id="3" name="Content Placeholder 2">
-            <a:extLst>
-              <a:ext uri="{FF2B5EF4-FFF2-40B4-BE49-F238E27FC236}">
-                <a16:creationId xmlns:a16="http://schemas.microsoft.com/office/drawing/2014/main" id="{673CE5DD-7FA6-0BC3-575F-B61120EE33AE}"/>
-              </a:ext>
-            </a:extLst>
-          </p:cNvPr>
-          <p:cNvSpPr>
-            <a:spLocks noGrp="1"/>
-          </p:cNvSpPr>
-          <p:nvPr>
-            <p:ph idx="1"/>
-          </p:nvPr>
-        </p:nvSpPr>
-        <p:spPr/>
-        <p:txBody>
-          <a:bodyPr/>
-          <a:lstStyle/>
-          <a:p>
-            <a:r>
-              <a:rPr lang="en-US" dirty="0"/>
-              <a:t>With </a:t>
-            </a:r>
-            <a:r>
-              <a:rPr lang="en-US" b="1" dirty="0"/>
-              <a:t>estimates</a:t>
-            </a:r>
-            <a:r>
-              <a:rPr lang="en-US" dirty="0"/>
-              <a:t> we can </a:t>
-            </a:r>
-          </a:p>
-          <a:p>
-            <a:pPr lvl="1"/>
-            <a:r>
-              <a:rPr lang="en-US" dirty="0"/>
-              <a:t>Assess differences among groups and relationships between variables.</a:t>
-            </a:r>
-          </a:p>
-          <a:p>
-            <a:pPr lvl="1"/>
-            <a:endParaRPr lang="en-US" dirty="0"/>
-          </a:p>
-          <a:p>
-            <a:pPr lvl="1"/>
-            <a:r>
-              <a:rPr lang="en-US" dirty="0"/>
-              <a:t>Describe populations. Examples of estimates include averages, proportions, measures of variation, and measures of relationship.</a:t>
-            </a:r>
-          </a:p>
-          <a:p>
-            <a:pPr lvl="1"/>
-            <a:endParaRPr lang="en-US" dirty="0"/>
-          </a:p>
-          <a:p>
-            <a:pPr lvl="1"/>
-            <a:r>
-              <a:rPr lang="en-US" dirty="0"/>
-              <a:t>Then we can ask and answer questions or formally, test and evaluate hypotheses.</a:t>
-            </a:r>
-          </a:p>
-        </p:txBody>
-      </p:sp>
-    </p:spTree>
-    <p:extLst>
-      <p:ext uri="{BB962C8B-B14F-4D97-AF65-F5344CB8AC3E}">
-        <p14:creationId xmlns:p14="http://schemas.microsoft.com/office/powerpoint/2010/main" val="1932296647"/>
-      </p:ext>
-    </p:extLst>
-  </p:cSld>
-  <p:clrMapOvr>
-    <a:masterClrMapping/>
-  </p:clrMapOvr>
-</p:sld>
-</file>
-
-<file path=ppt/slides/slide19.xml><?xml version="1.0" encoding="utf-8"?>
-<p:sld xmlns:a="http://schemas.openxmlformats.org/drawingml/2006/main" xmlns:r="http://schemas.openxmlformats.org/officeDocument/2006/relationships" xmlns:p="http://schemas.openxmlformats.org/presentationml/2006/main">
-  <p:cSld>
-    <p:spTree>
-      <p:nvGrpSpPr>
-        <p:cNvPr id="1" name=""/>
-        <p:cNvGrpSpPr/>
-        <p:nvPr/>
-      </p:nvGrpSpPr>
-      <p:grpSpPr>
-        <a:xfrm>
-          <a:off x="0" y="0"/>
-          <a:ext cx="0" cy="0"/>
-          <a:chOff x="0" y="0"/>
-          <a:chExt cx="0" cy="0"/>
-        </a:xfrm>
-      </p:grpSpPr>
-      <p:sp>
-        <p:nvSpPr>
-          <p:cNvPr id="2" name="Title 1">
-            <a:extLst>
-              <a:ext uri="{FF2B5EF4-FFF2-40B4-BE49-F238E27FC236}">
-                <a16:creationId xmlns:a16="http://schemas.microsoft.com/office/drawing/2014/main" id="{96380C86-D709-6FB8-5A19-C2314095D583}"/>
-              </a:ext>
-            </a:extLst>
-          </p:cNvPr>
-          <p:cNvSpPr>
-            <a:spLocks noGrp="1"/>
-          </p:cNvSpPr>
-          <p:nvPr>
-            <p:ph type="title"/>
-          </p:nvPr>
-        </p:nvSpPr>
-        <p:spPr>
-          <a:xfrm>
-            <a:off x="713762" y="36014"/>
-            <a:ext cx="10515600" cy="1325563"/>
-          </a:xfrm>
-        </p:spPr>
-        <p:txBody>
-          <a:bodyPr/>
-          <a:lstStyle/>
-          <a:p>
-            <a:r>
-              <a:rPr lang="en-US" dirty="0"/>
-              <a:t>Statistics Vs Parameters</a:t>
-            </a:r>
-          </a:p>
-        </p:txBody>
-      </p:sp>
-      <p:sp>
-        <p:nvSpPr>
-          <p:cNvPr id="4" name="TextBox 3">
-            <a:extLst>
-              <a:ext uri="{FF2B5EF4-FFF2-40B4-BE49-F238E27FC236}">
-                <a16:creationId xmlns:a16="http://schemas.microsoft.com/office/drawing/2014/main" id="{D2296438-25B8-F629-7C3E-5050397B22AC}"/>
-              </a:ext>
-            </a:extLst>
-          </p:cNvPr>
-          <p:cNvSpPr txBox="1"/>
-          <p:nvPr/>
-        </p:nvSpPr>
-        <p:spPr>
-          <a:xfrm>
-            <a:off x="306534" y="1612616"/>
-            <a:ext cx="5724811" cy="3503523"/>
-          </a:xfrm>
-          <a:prstGeom prst="rect">
-            <a:avLst/>
-          </a:prstGeom>
-          <a:noFill/>
-        </p:spPr>
-        <p:txBody>
-          <a:bodyPr wrap="square">
-            <a:spAutoFit/>
-          </a:bodyPr>
-          <a:lstStyle/>
-          <a:p>
-            <a:pPr marR="0" lvl="0" algn="l" defTabSz="914400" rtl="0" eaLnBrk="1" fontAlgn="auto" latinLnBrk="0" hangingPunct="1">
-              <a:lnSpc>
-                <a:spcPct val="90000"/>
-              </a:lnSpc>
-              <a:spcBef>
-                <a:spcPts val="1000"/>
-              </a:spcBef>
-              <a:spcAft>
-                <a:spcPts val="0"/>
-              </a:spcAft>
-              <a:buClrTx/>
-              <a:buSzTx/>
-              <a:tabLst/>
-              <a:defRPr/>
-            </a:pPr>
-            <a:r>
-              <a:rPr lang="en-US" sz="2000" dirty="0">
-                <a:solidFill>
-                  <a:prstClr val="black"/>
-                </a:solidFill>
-                <a:latin typeface="Calibri" panose="020F0502020204030204"/>
-              </a:rPr>
-              <a:t>A </a:t>
-            </a:r>
-            <a:r>
-              <a:rPr lang="en-US" sz="2000" b="1" dirty="0">
-                <a:solidFill>
-                  <a:prstClr val="black"/>
-                </a:solidFill>
-                <a:latin typeface="Calibri" panose="020F0502020204030204"/>
-              </a:rPr>
-              <a:t>statistic </a:t>
-            </a:r>
-            <a:r>
-              <a:rPr lang="en-US" sz="2000" dirty="0">
-                <a:solidFill>
-                  <a:prstClr val="black"/>
-                </a:solidFill>
-                <a:latin typeface="Calibri" panose="020F0502020204030204"/>
-              </a:rPr>
-              <a:t>is a numerical characteristic of a </a:t>
-            </a:r>
-            <a:r>
-              <a:rPr lang="en-US" sz="2000" b="1" dirty="0">
-                <a:solidFill>
-                  <a:prstClr val="black"/>
-                </a:solidFill>
-                <a:latin typeface="Calibri" panose="020F0502020204030204"/>
-              </a:rPr>
-              <a:t>sample </a:t>
-            </a:r>
-            <a:r>
-              <a:rPr lang="en-US" sz="2000" dirty="0">
-                <a:solidFill>
-                  <a:prstClr val="black"/>
-                </a:solidFill>
-                <a:latin typeface="Calibri" panose="020F0502020204030204"/>
-              </a:rPr>
-              <a:t>that </a:t>
-            </a:r>
-            <a:r>
-              <a:rPr lang="en-US" sz="2000" u="sng" dirty="0">
-                <a:solidFill>
-                  <a:prstClr val="black"/>
-                </a:solidFill>
-                <a:latin typeface="Calibri" panose="020F0502020204030204"/>
-              </a:rPr>
-              <a:t>estimates</a:t>
-            </a:r>
-            <a:r>
-              <a:rPr lang="en-US" sz="2000" dirty="0">
-                <a:solidFill>
-                  <a:prstClr val="black"/>
-                </a:solidFill>
-                <a:latin typeface="Calibri" panose="020F0502020204030204"/>
-              </a:rPr>
-              <a:t> a population parameter. </a:t>
-            </a:r>
-          </a:p>
-          <a:p>
-            <a:pPr marR="0" lvl="0" algn="l" defTabSz="914400" rtl="0" eaLnBrk="1" fontAlgn="auto" latinLnBrk="0" hangingPunct="1">
-              <a:lnSpc>
-                <a:spcPct val="90000"/>
-              </a:lnSpc>
-              <a:spcBef>
-                <a:spcPts val="1000"/>
-              </a:spcBef>
-              <a:spcAft>
-                <a:spcPts val="0"/>
-              </a:spcAft>
-              <a:buClrTx/>
-              <a:buSzTx/>
-              <a:tabLst/>
-              <a:defRPr/>
-            </a:pPr>
-            <a:endParaRPr lang="en-US" sz="2000" dirty="0">
-              <a:solidFill>
-                <a:prstClr val="black"/>
-              </a:solidFill>
-              <a:latin typeface="Calibri" panose="020F0502020204030204"/>
-            </a:endParaRPr>
-          </a:p>
-          <a:p>
-            <a:pPr marR="0" lvl="0" algn="l" defTabSz="914400" rtl="0" eaLnBrk="1" fontAlgn="auto" latinLnBrk="0" hangingPunct="1">
-              <a:lnSpc>
-                <a:spcPct val="90000"/>
-              </a:lnSpc>
-              <a:spcBef>
-                <a:spcPts val="1000"/>
-              </a:spcBef>
-              <a:spcAft>
-                <a:spcPts val="0"/>
-              </a:spcAft>
-              <a:buClrTx/>
-              <a:buSzTx/>
-              <a:tabLst/>
-              <a:defRPr/>
-            </a:pPr>
-            <a:r>
-              <a:rPr lang="en-US" sz="2000" dirty="0">
-                <a:solidFill>
-                  <a:prstClr val="black"/>
-                </a:solidFill>
-                <a:latin typeface="Calibri" panose="020F0502020204030204"/>
-              </a:rPr>
-              <a:t>A </a:t>
-            </a:r>
-            <a:r>
-              <a:rPr lang="en-US" sz="2000" b="1" dirty="0">
-                <a:solidFill>
-                  <a:prstClr val="black"/>
-                </a:solidFill>
-                <a:latin typeface="Calibri" panose="020F0502020204030204"/>
-              </a:rPr>
-              <a:t>parameter </a:t>
-            </a:r>
-            <a:r>
-              <a:rPr lang="en-US" sz="2000" dirty="0">
-                <a:solidFill>
-                  <a:prstClr val="black"/>
-                </a:solidFill>
-                <a:latin typeface="Calibri" panose="020F0502020204030204"/>
-              </a:rPr>
-              <a:t>is a numerical characteristic of a </a:t>
-            </a:r>
-            <a:r>
-              <a:rPr lang="en-US" sz="2000" b="1" dirty="0">
-                <a:solidFill>
-                  <a:prstClr val="black"/>
-                </a:solidFill>
-                <a:latin typeface="Calibri" panose="020F0502020204030204"/>
-              </a:rPr>
-              <a:t>population</a:t>
-            </a:r>
-            <a:r>
-              <a:rPr lang="en-US" sz="2000" dirty="0">
-                <a:solidFill>
-                  <a:prstClr val="black"/>
-                </a:solidFill>
-                <a:latin typeface="Calibri" panose="020F0502020204030204"/>
-              </a:rPr>
-              <a:t> that can be estimated by a statistic. </a:t>
-            </a:r>
-          </a:p>
-          <a:p>
-            <a:pPr marR="0" lvl="0" algn="l" defTabSz="914400" rtl="0" eaLnBrk="1" fontAlgn="auto" latinLnBrk="0" hangingPunct="1">
-              <a:lnSpc>
-                <a:spcPct val="90000"/>
-              </a:lnSpc>
-              <a:spcBef>
-                <a:spcPts val="1000"/>
-              </a:spcBef>
-              <a:spcAft>
-                <a:spcPts val="0"/>
-              </a:spcAft>
-              <a:buClrTx/>
-              <a:buSzTx/>
-              <a:tabLst/>
-              <a:defRPr/>
-            </a:pPr>
-            <a:endParaRPr lang="en-US" sz="2000" dirty="0">
-              <a:solidFill>
-                <a:prstClr val="black"/>
-              </a:solidFill>
-              <a:latin typeface="Calibri" panose="020F0502020204030204"/>
-            </a:endParaRPr>
-          </a:p>
-          <a:p>
-            <a:pPr marR="0" lvl="0" algn="l" defTabSz="914400" rtl="0" eaLnBrk="1" fontAlgn="auto" latinLnBrk="0" hangingPunct="1">
-              <a:lnSpc>
-                <a:spcPct val="90000"/>
-              </a:lnSpc>
-              <a:spcBef>
-                <a:spcPts val="1000"/>
-              </a:spcBef>
-              <a:spcAft>
-                <a:spcPts val="0"/>
-              </a:spcAft>
-              <a:buClrTx/>
-              <a:buSzTx/>
-              <a:tabLst/>
-              <a:defRPr/>
-            </a:pPr>
-            <a:r>
-              <a:rPr lang="en-US" sz="2000" dirty="0">
-                <a:solidFill>
-                  <a:prstClr val="black"/>
-                </a:solidFill>
-                <a:latin typeface="Calibri" panose="020F0502020204030204"/>
-              </a:rPr>
-              <a:t>Put another way…</a:t>
-            </a:r>
-          </a:p>
-          <a:p>
-            <a:pPr>
-              <a:lnSpc>
-                <a:spcPct val="90000"/>
-              </a:lnSpc>
-              <a:spcBef>
-                <a:spcPts val="1000"/>
-              </a:spcBef>
-              <a:defRPr/>
-            </a:pPr>
-            <a:r>
-              <a:rPr lang="en-US" sz="2000" dirty="0">
-                <a:solidFill>
-                  <a:prstClr val="black"/>
-                </a:solidFill>
-                <a:latin typeface="Calibri" panose="020F0502020204030204"/>
-              </a:rPr>
-              <a:t>A </a:t>
-            </a:r>
-            <a:r>
-              <a:rPr lang="en-US" sz="2000" b="1" dirty="0">
-                <a:solidFill>
-                  <a:prstClr val="black"/>
-                </a:solidFill>
-                <a:latin typeface="Calibri" panose="020F0502020204030204"/>
-              </a:rPr>
-              <a:t>statistic </a:t>
-            </a:r>
-            <a:r>
-              <a:rPr lang="en-US" sz="2000" dirty="0">
-                <a:solidFill>
-                  <a:prstClr val="black"/>
-                </a:solidFill>
-                <a:latin typeface="Calibri" panose="020F0502020204030204"/>
-              </a:rPr>
-              <a:t>is a function of the observations of in a sample</a:t>
-            </a:r>
-            <a:r>
-              <a:rPr lang="en-US" sz="2000" b="1" dirty="0">
-                <a:solidFill>
-                  <a:prstClr val="black"/>
-                </a:solidFill>
-                <a:latin typeface="Calibri" panose="020F0502020204030204"/>
-              </a:rPr>
-              <a:t> </a:t>
-            </a:r>
-            <a:r>
-              <a:rPr lang="en-US" sz="2000" dirty="0">
-                <a:solidFill>
-                  <a:prstClr val="black"/>
-                </a:solidFill>
-                <a:latin typeface="Calibri" panose="020F0502020204030204"/>
-              </a:rPr>
-              <a:t>while a </a:t>
-            </a:r>
-            <a:r>
-              <a:rPr lang="en-US" sz="2000" b="1" dirty="0">
-                <a:solidFill>
-                  <a:prstClr val="black"/>
-                </a:solidFill>
-                <a:latin typeface="Calibri" panose="020F0502020204030204"/>
-              </a:rPr>
-              <a:t>parameter</a:t>
-            </a:r>
-            <a:r>
-              <a:rPr lang="en-US" sz="2000" dirty="0">
-                <a:solidFill>
-                  <a:prstClr val="black"/>
-                </a:solidFill>
-                <a:latin typeface="Calibri" panose="020F0502020204030204"/>
-              </a:rPr>
-              <a:t> is a function </a:t>
-            </a:r>
-            <a:r>
-              <a:rPr lang="en-US" sz="2000" u="sng" dirty="0">
-                <a:solidFill>
-                  <a:prstClr val="black"/>
-                </a:solidFill>
-                <a:latin typeface="Calibri" panose="020F0502020204030204"/>
-              </a:rPr>
-              <a:t>of all </a:t>
-            </a:r>
-            <a:r>
-              <a:rPr lang="en-US" sz="2000" dirty="0">
-                <a:solidFill>
-                  <a:prstClr val="black"/>
-                </a:solidFill>
-                <a:latin typeface="Calibri" panose="020F0502020204030204"/>
-              </a:rPr>
-              <a:t> observations in the population. </a:t>
-            </a:r>
-          </a:p>
-        </p:txBody>
-      </p:sp>
-      <p:grpSp>
-        <p:nvGrpSpPr>
-          <p:cNvPr id="17" name="Group 16">
-            <a:extLst>
-              <a:ext uri="{FF2B5EF4-FFF2-40B4-BE49-F238E27FC236}">
-                <a16:creationId xmlns:a16="http://schemas.microsoft.com/office/drawing/2014/main" id="{AC20C494-1B6D-BA41-770E-9E0DE44AF074}"/>
-              </a:ext>
-            </a:extLst>
-          </p:cNvPr>
-          <p:cNvGrpSpPr/>
-          <p:nvPr/>
-        </p:nvGrpSpPr>
-        <p:grpSpPr>
-          <a:xfrm>
-            <a:off x="6080138" y="1988893"/>
-            <a:ext cx="5901408" cy="1325563"/>
-            <a:chOff x="1468570" y="4512292"/>
-            <a:chExt cx="7820443" cy="1980583"/>
-          </a:xfrm>
-        </p:grpSpPr>
-        <p:pic>
-          <p:nvPicPr>
-            <p:cNvPr id="5" name="Picture 4" descr="A video game screen with a yellow and black striped tape&#10;&#10;Description automatically generated">
-              <a:extLst>
-                <a:ext uri="{FF2B5EF4-FFF2-40B4-BE49-F238E27FC236}">
-                  <a16:creationId xmlns:a16="http://schemas.microsoft.com/office/drawing/2014/main" id="{7B95BDDE-37EC-DD34-A267-543267700258}"/>
-                </a:ext>
-              </a:extLst>
-            </p:cNvPr>
-            <p:cNvPicPr>
-              <a:picLocks noChangeAspect="1"/>
-            </p:cNvPicPr>
-            <p:nvPr/>
-          </p:nvPicPr>
-          <p:blipFill>
-            <a:blip r:embed="rId2">
-              <a:extLst>
-                <a:ext uri="{28A0092B-C50C-407E-A947-70E740481C1C}">
-                  <a14:useLocalDpi xmlns:a14="http://schemas.microsoft.com/office/drawing/2010/main" val="0"/>
-                </a:ext>
-                <a:ext uri="{837473B0-CC2E-450A-ABE3-18F120FF3D39}">
-                  <a1611:picAttrSrcUrl xmlns:a1611="http://schemas.microsoft.com/office/drawing/2016/11/main" r:id="rId3"/>
-                </a:ext>
-              </a:extLst>
-            </a:blip>
-            <a:stretch>
-              <a:fillRect/>
-            </a:stretch>
-          </p:blipFill>
-          <p:spPr>
-            <a:xfrm>
-              <a:off x="3721075" y="5167312"/>
-              <a:ext cx="3082705" cy="1325563"/>
-            </a:xfrm>
-            <a:prstGeom prst="rect">
-              <a:avLst/>
-            </a:prstGeom>
-          </p:spPr>
-        </p:pic>
-        <p:sp>
-          <p:nvSpPr>
-            <p:cNvPr id="14" name="TextBox 13">
-              <a:extLst>
-                <a:ext uri="{FF2B5EF4-FFF2-40B4-BE49-F238E27FC236}">
-                  <a16:creationId xmlns:a16="http://schemas.microsoft.com/office/drawing/2014/main" id="{1BFF80E6-7311-2B72-F3AB-3B087616E762}"/>
-                </a:ext>
-              </a:extLst>
-            </p:cNvPr>
-            <p:cNvSpPr txBox="1"/>
-            <p:nvPr/>
-          </p:nvSpPr>
-          <p:spPr>
-            <a:xfrm>
-              <a:off x="1468570" y="4556598"/>
-              <a:ext cx="1257075" cy="523220"/>
-            </a:xfrm>
-            <a:prstGeom prst="rect">
-              <a:avLst/>
-            </a:prstGeom>
-            <a:noFill/>
-          </p:spPr>
-          <p:txBody>
-            <a:bodyPr wrap="none" rtlCol="0">
-              <a:spAutoFit/>
-            </a:bodyPr>
-            <a:lstStyle/>
-            <a:p>
-              <a:r>
-                <a:rPr lang="en-US" sz="2800" dirty="0"/>
-                <a:t>Sample</a:t>
-              </a:r>
-            </a:p>
-          </p:txBody>
-        </p:sp>
-        <p:pic>
-          <p:nvPicPr>
-            <p:cNvPr id="9" name="Picture 8" descr="A blue cylinder with three layers&#10;&#10;Description automatically generated">
-              <a:extLst>
-                <a:ext uri="{FF2B5EF4-FFF2-40B4-BE49-F238E27FC236}">
-                  <a16:creationId xmlns:a16="http://schemas.microsoft.com/office/drawing/2014/main" id="{F3A78266-9762-7A4E-A26E-7743C43437F8}"/>
-                </a:ext>
-              </a:extLst>
-            </p:cNvPr>
-            <p:cNvPicPr>
-              <a:picLocks noChangeAspect="1"/>
-            </p:cNvPicPr>
-            <p:nvPr/>
-          </p:nvPicPr>
-          <p:blipFill>
-            <a:blip r:embed="rId4">
-              <a:extLst>
-                <a:ext uri="{28A0092B-C50C-407E-A947-70E740481C1C}">
-                  <a14:useLocalDpi xmlns:a14="http://schemas.microsoft.com/office/drawing/2010/main" val="0"/>
-                </a:ext>
-                <a:ext uri="{837473B0-CC2E-450A-ABE3-18F120FF3D39}">
-                  <a1611:picAttrSrcUrl xmlns:a1611="http://schemas.microsoft.com/office/drawing/2016/11/main" r:id="rId5"/>
-                </a:ext>
-              </a:extLst>
-            </a:blip>
-            <a:stretch>
-              <a:fillRect/>
-            </a:stretch>
-          </p:blipFill>
-          <p:spPr>
-            <a:xfrm flipH="1">
-              <a:off x="1674812" y="5245384"/>
-              <a:ext cx="914612" cy="1104900"/>
-            </a:xfrm>
-            <a:prstGeom prst="rect">
-              <a:avLst/>
-            </a:prstGeom>
-          </p:spPr>
-        </p:pic>
-        <p:sp>
-          <p:nvSpPr>
-            <p:cNvPr id="10" name="TextBox 9">
-              <a:extLst>
-                <a:ext uri="{FF2B5EF4-FFF2-40B4-BE49-F238E27FC236}">
-                  <a16:creationId xmlns:a16="http://schemas.microsoft.com/office/drawing/2014/main" id="{D8C0FC19-9DD1-5A1C-9E96-A5DA070246AB}"/>
-                </a:ext>
-              </a:extLst>
-            </p:cNvPr>
-            <p:cNvSpPr txBox="1"/>
-            <p:nvPr/>
-          </p:nvSpPr>
-          <p:spPr>
-            <a:xfrm>
-              <a:off x="7652905" y="5245384"/>
-              <a:ext cx="1011815" cy="769441"/>
-            </a:xfrm>
-            <a:prstGeom prst="rect">
-              <a:avLst/>
-            </a:prstGeom>
-            <a:noFill/>
-          </p:spPr>
-          <p:txBody>
-            <a:bodyPr wrap="none" rtlCol="0">
-              <a:spAutoFit/>
-            </a:bodyPr>
-            <a:lstStyle/>
-            <a:p>
-              <a:r>
-                <a:rPr lang="en-US" sz="4400" dirty="0">
-                  <a:latin typeface="Algerian" panose="04020705040A02060702" pitchFamily="82" charset="0"/>
-                </a:rPr>
-                <a:t>7.8</a:t>
-              </a:r>
-            </a:p>
-          </p:txBody>
-        </p:sp>
-        <p:sp>
-          <p:nvSpPr>
-            <p:cNvPr id="11" name="TextBox 10">
-              <a:extLst>
-                <a:ext uri="{FF2B5EF4-FFF2-40B4-BE49-F238E27FC236}">
-                  <a16:creationId xmlns:a16="http://schemas.microsoft.com/office/drawing/2014/main" id="{8013F433-F62F-72E7-CCCD-6BC478CC428A}"/>
-                </a:ext>
-              </a:extLst>
-            </p:cNvPr>
-            <p:cNvSpPr txBox="1"/>
-            <p:nvPr/>
-          </p:nvSpPr>
-          <p:spPr>
-            <a:xfrm>
-              <a:off x="4598879" y="4538996"/>
-              <a:ext cx="1327095" cy="523220"/>
-            </a:xfrm>
-            <a:prstGeom prst="rect">
-              <a:avLst/>
-            </a:prstGeom>
-            <a:noFill/>
-          </p:spPr>
-          <p:txBody>
-            <a:bodyPr wrap="none" rtlCol="0">
-              <a:spAutoFit/>
-            </a:bodyPr>
-            <a:lstStyle/>
-            <a:p>
-              <a:r>
-                <a:rPr lang="en-US" sz="2800" dirty="0"/>
-                <a:t>Statistic</a:t>
-              </a:r>
-            </a:p>
-          </p:txBody>
-        </p:sp>
-        <p:sp>
-          <p:nvSpPr>
-            <p:cNvPr id="12" name="Arrow: Right 11">
-              <a:extLst>
-                <a:ext uri="{FF2B5EF4-FFF2-40B4-BE49-F238E27FC236}">
-                  <a16:creationId xmlns:a16="http://schemas.microsoft.com/office/drawing/2014/main" id="{CE648ED7-B244-B76E-25B5-2AEBAE5BDF13}"/>
-                </a:ext>
-              </a:extLst>
-            </p:cNvPr>
-            <p:cNvSpPr/>
-            <p:nvPr/>
-          </p:nvSpPr>
-          <p:spPr>
-            <a:xfrm>
-              <a:off x="3000375" y="5410200"/>
-              <a:ext cx="720700" cy="476250"/>
-            </a:xfrm>
-            <a:prstGeom prst="rightArrow">
-              <a:avLst/>
-            </a:prstGeom>
-          </p:spPr>
-          <p:style>
-            <a:lnRef idx="2">
-              <a:schemeClr val="accent1">
-                <a:shade val="15000"/>
-              </a:schemeClr>
-            </a:lnRef>
-            <a:fillRef idx="1">
-              <a:schemeClr val="accent1"/>
-            </a:fillRef>
-            <a:effectRef idx="0">
-              <a:schemeClr val="accent1"/>
-            </a:effectRef>
-            <a:fontRef idx="minor">
-              <a:schemeClr val="lt1"/>
-            </a:fontRef>
-          </p:style>
-          <p:txBody>
-            <a:bodyPr rtlCol="0" anchor="ctr"/>
-            <a:lstStyle/>
-            <a:p>
-              <a:pPr algn="ctr"/>
-              <a:endParaRPr lang="en-US"/>
-            </a:p>
-          </p:txBody>
-        </p:sp>
-        <p:sp>
-          <p:nvSpPr>
-            <p:cNvPr id="13" name="Arrow: Right 12">
-              <a:extLst>
-                <a:ext uri="{FF2B5EF4-FFF2-40B4-BE49-F238E27FC236}">
-                  <a16:creationId xmlns:a16="http://schemas.microsoft.com/office/drawing/2014/main" id="{9BCA37C5-5C48-6C8D-E916-E5E009B3B53E}"/>
-                </a:ext>
-              </a:extLst>
-            </p:cNvPr>
-            <p:cNvSpPr/>
-            <p:nvPr/>
-          </p:nvSpPr>
-          <p:spPr>
-            <a:xfrm>
-              <a:off x="6803780" y="5410200"/>
-              <a:ext cx="720700" cy="476250"/>
-            </a:xfrm>
-            <a:prstGeom prst="rightArrow">
-              <a:avLst/>
-            </a:prstGeom>
-          </p:spPr>
-          <p:style>
-            <a:lnRef idx="2">
-              <a:schemeClr val="accent1">
-                <a:shade val="15000"/>
-              </a:schemeClr>
-            </a:lnRef>
-            <a:fillRef idx="1">
-              <a:schemeClr val="accent1"/>
-            </a:fillRef>
-            <a:effectRef idx="0">
-              <a:schemeClr val="accent1"/>
-            </a:effectRef>
-            <a:fontRef idx="minor">
-              <a:schemeClr val="lt1"/>
-            </a:fontRef>
-          </p:style>
-          <p:txBody>
-            <a:bodyPr rtlCol="0" anchor="ctr"/>
-            <a:lstStyle/>
-            <a:p>
-              <a:pPr algn="ctr"/>
-              <a:endParaRPr lang="en-US"/>
-            </a:p>
-          </p:txBody>
-        </p:sp>
-        <p:sp>
-          <p:nvSpPr>
-            <p:cNvPr id="15" name="TextBox 14">
-              <a:extLst>
-                <a:ext uri="{FF2B5EF4-FFF2-40B4-BE49-F238E27FC236}">
-                  <a16:creationId xmlns:a16="http://schemas.microsoft.com/office/drawing/2014/main" id="{0FB810C0-6923-DFD0-5FAC-1B6D041B9ADB}"/>
-                </a:ext>
-              </a:extLst>
-            </p:cNvPr>
-            <p:cNvSpPr txBox="1"/>
-            <p:nvPr/>
-          </p:nvSpPr>
-          <p:spPr>
-            <a:xfrm>
-              <a:off x="7557654" y="4512292"/>
-              <a:ext cx="1731359" cy="680103"/>
-            </a:xfrm>
-            <a:prstGeom prst="rect">
-              <a:avLst/>
-            </a:prstGeom>
-            <a:noFill/>
-          </p:spPr>
-          <p:txBody>
-            <a:bodyPr wrap="none" rtlCol="0">
-              <a:spAutoFit/>
-            </a:bodyPr>
-            <a:lstStyle/>
-            <a:p>
-              <a:r>
-                <a:rPr lang="en-US" sz="2800" dirty="0"/>
-                <a:t>estimate</a:t>
-              </a:r>
-            </a:p>
-          </p:txBody>
-        </p:sp>
-      </p:grpSp>
-      <p:grpSp>
-        <p:nvGrpSpPr>
-          <p:cNvPr id="3" name="Group 2">
-            <a:extLst>
-              <a:ext uri="{FF2B5EF4-FFF2-40B4-BE49-F238E27FC236}">
-                <a16:creationId xmlns:a16="http://schemas.microsoft.com/office/drawing/2014/main" id="{8CBD6E19-51A2-FBB2-9330-09AFC3FBA50C}"/>
-              </a:ext>
-            </a:extLst>
-          </p:cNvPr>
-          <p:cNvGrpSpPr/>
-          <p:nvPr/>
-        </p:nvGrpSpPr>
-        <p:grpSpPr>
-          <a:xfrm>
-            <a:off x="5847359" y="4470665"/>
-            <a:ext cx="5999184" cy="1361876"/>
-            <a:chOff x="1043730" y="4458035"/>
-            <a:chExt cx="7950014" cy="2034840"/>
-          </a:xfrm>
-        </p:grpSpPr>
-        <p:pic>
-          <p:nvPicPr>
-            <p:cNvPr id="6" name="Picture 5" descr="A video game screen with a yellow and black striped tape&#10;&#10;Description automatically generated">
-              <a:extLst>
-                <a:ext uri="{FF2B5EF4-FFF2-40B4-BE49-F238E27FC236}">
-                  <a16:creationId xmlns:a16="http://schemas.microsoft.com/office/drawing/2014/main" id="{38A716E5-ACAC-2B97-AA07-7BF7A5B25FE0}"/>
-                </a:ext>
-              </a:extLst>
-            </p:cNvPr>
-            <p:cNvPicPr>
-              <a:picLocks noChangeAspect="1"/>
-            </p:cNvPicPr>
-            <p:nvPr/>
-          </p:nvPicPr>
-          <p:blipFill>
-            <a:blip r:embed="rId2">
-              <a:extLst>
-                <a:ext uri="{28A0092B-C50C-407E-A947-70E740481C1C}">
-                  <a14:useLocalDpi xmlns:a14="http://schemas.microsoft.com/office/drawing/2010/main" val="0"/>
-                </a:ext>
-                <a:ext uri="{837473B0-CC2E-450A-ABE3-18F120FF3D39}">
-                  <a1611:picAttrSrcUrl xmlns:a1611="http://schemas.microsoft.com/office/drawing/2016/11/main" r:id="rId3"/>
-                </a:ext>
-              </a:extLst>
-            </a:blip>
-            <a:stretch>
-              <a:fillRect/>
-            </a:stretch>
-          </p:blipFill>
-          <p:spPr>
-            <a:xfrm>
-              <a:off x="3721075" y="5167312"/>
-              <a:ext cx="3082705" cy="1325563"/>
-            </a:xfrm>
-            <a:prstGeom prst="rect">
-              <a:avLst/>
-            </a:prstGeom>
-          </p:spPr>
-        </p:pic>
-        <p:sp>
-          <p:nvSpPr>
-            <p:cNvPr id="7" name="TextBox 6">
-              <a:extLst>
-                <a:ext uri="{FF2B5EF4-FFF2-40B4-BE49-F238E27FC236}">
-                  <a16:creationId xmlns:a16="http://schemas.microsoft.com/office/drawing/2014/main" id="{1263FF8F-92B3-D123-FB2C-47BB74D5591E}"/>
-                </a:ext>
-              </a:extLst>
-            </p:cNvPr>
-            <p:cNvSpPr txBox="1"/>
-            <p:nvPr/>
-          </p:nvSpPr>
-          <p:spPr>
-            <a:xfrm>
-              <a:off x="1043730" y="4538995"/>
-              <a:ext cx="2333809" cy="781766"/>
-            </a:xfrm>
-            <a:prstGeom prst="rect">
-              <a:avLst/>
-            </a:prstGeom>
-            <a:noFill/>
-          </p:spPr>
-          <p:txBody>
-            <a:bodyPr wrap="none" rtlCol="0">
-              <a:spAutoFit/>
-            </a:bodyPr>
-            <a:lstStyle/>
-            <a:p>
-              <a:r>
-                <a:rPr lang="en-US" sz="2800" dirty="0"/>
-                <a:t>Population</a:t>
-              </a:r>
-            </a:p>
-          </p:txBody>
-        </p:sp>
-        <p:pic>
-          <p:nvPicPr>
-            <p:cNvPr id="8" name="Picture 7" descr="A blue cylinder with three layers&#10;&#10;Description automatically generated">
-              <a:extLst>
-                <a:ext uri="{FF2B5EF4-FFF2-40B4-BE49-F238E27FC236}">
-                  <a16:creationId xmlns:a16="http://schemas.microsoft.com/office/drawing/2014/main" id="{4D3D10D1-96A9-D71C-2EC1-D63F4BB9E164}"/>
-                </a:ext>
-              </a:extLst>
-            </p:cNvPr>
-            <p:cNvPicPr>
-              <a:picLocks noChangeAspect="1"/>
-            </p:cNvPicPr>
-            <p:nvPr/>
-          </p:nvPicPr>
-          <p:blipFill>
-            <a:blip r:embed="rId4">
-              <a:extLst>
-                <a:ext uri="{28A0092B-C50C-407E-A947-70E740481C1C}">
-                  <a14:useLocalDpi xmlns:a14="http://schemas.microsoft.com/office/drawing/2010/main" val="0"/>
-                </a:ext>
-                <a:ext uri="{837473B0-CC2E-450A-ABE3-18F120FF3D39}">
-                  <a1611:picAttrSrcUrl xmlns:a1611="http://schemas.microsoft.com/office/drawing/2016/11/main" r:id="rId5"/>
-                </a:ext>
-              </a:extLst>
-            </a:blip>
-            <a:stretch>
-              <a:fillRect/>
-            </a:stretch>
-          </p:blipFill>
-          <p:spPr>
-            <a:xfrm flipH="1">
-              <a:off x="1674812" y="5245384"/>
-              <a:ext cx="914612" cy="1104901"/>
-            </a:xfrm>
-            <a:prstGeom prst="rect">
-              <a:avLst/>
-            </a:prstGeom>
-          </p:spPr>
-        </p:pic>
-        <p:sp>
-          <p:nvSpPr>
-            <p:cNvPr id="16" name="TextBox 15">
-              <a:extLst>
-                <a:ext uri="{FF2B5EF4-FFF2-40B4-BE49-F238E27FC236}">
-                  <a16:creationId xmlns:a16="http://schemas.microsoft.com/office/drawing/2014/main" id="{2BF0E88E-80E8-CE5A-07EA-9E53111EC853}"/>
-                </a:ext>
-              </a:extLst>
-            </p:cNvPr>
-            <p:cNvSpPr txBox="1"/>
-            <p:nvPr/>
-          </p:nvSpPr>
-          <p:spPr>
-            <a:xfrm>
-              <a:off x="7652904" y="5245384"/>
-              <a:ext cx="1340840" cy="1149656"/>
-            </a:xfrm>
-            <a:prstGeom prst="rect">
-              <a:avLst/>
-            </a:prstGeom>
-            <a:noFill/>
-          </p:spPr>
-          <p:txBody>
-            <a:bodyPr wrap="none" rtlCol="0">
-              <a:spAutoFit/>
-            </a:bodyPr>
-            <a:lstStyle/>
-            <a:p>
-              <a:r>
-                <a:rPr lang="en-US" sz="4400" dirty="0">
-                  <a:latin typeface="Algerian" panose="04020705040A02060702" pitchFamily="82" charset="0"/>
-                </a:rPr>
-                <a:t>8.2</a:t>
-              </a:r>
-            </a:p>
-          </p:txBody>
-        </p:sp>
-        <p:sp>
-          <p:nvSpPr>
-            <p:cNvPr id="18" name="TextBox 17">
-              <a:extLst>
-                <a:ext uri="{FF2B5EF4-FFF2-40B4-BE49-F238E27FC236}">
-                  <a16:creationId xmlns:a16="http://schemas.microsoft.com/office/drawing/2014/main" id="{AD720B74-3587-8C00-2FD2-DA391F3047A7}"/>
-                </a:ext>
-              </a:extLst>
-            </p:cNvPr>
-            <p:cNvSpPr txBox="1"/>
-            <p:nvPr/>
-          </p:nvSpPr>
-          <p:spPr>
-            <a:xfrm>
-              <a:off x="4315437" y="4458035"/>
-              <a:ext cx="2260650" cy="781767"/>
-            </a:xfrm>
-            <a:prstGeom prst="rect">
-              <a:avLst/>
-            </a:prstGeom>
-            <a:noFill/>
-          </p:spPr>
-          <p:txBody>
-            <a:bodyPr wrap="none" rtlCol="0">
-              <a:spAutoFit/>
-            </a:bodyPr>
-            <a:lstStyle/>
-            <a:p>
-              <a:r>
-                <a:rPr lang="en-US" sz="2800" dirty="0"/>
-                <a:t>Parameter</a:t>
-              </a:r>
-            </a:p>
-          </p:txBody>
-        </p:sp>
-        <p:sp>
-          <p:nvSpPr>
-            <p:cNvPr id="19" name="Arrow: Right 18">
-              <a:extLst>
-                <a:ext uri="{FF2B5EF4-FFF2-40B4-BE49-F238E27FC236}">
-                  <a16:creationId xmlns:a16="http://schemas.microsoft.com/office/drawing/2014/main" id="{DC1F96E2-1B02-8ACC-F6F0-4005BB576575}"/>
-                </a:ext>
-              </a:extLst>
-            </p:cNvPr>
-            <p:cNvSpPr/>
-            <p:nvPr/>
-          </p:nvSpPr>
-          <p:spPr>
-            <a:xfrm>
-              <a:off x="3000375" y="5410200"/>
-              <a:ext cx="720700" cy="476250"/>
-            </a:xfrm>
-            <a:prstGeom prst="rightArrow">
-              <a:avLst/>
-            </a:prstGeom>
-          </p:spPr>
-          <p:style>
-            <a:lnRef idx="2">
-              <a:schemeClr val="accent1">
-                <a:shade val="15000"/>
-              </a:schemeClr>
-            </a:lnRef>
-            <a:fillRef idx="1">
-              <a:schemeClr val="accent1"/>
-            </a:fillRef>
-            <a:effectRef idx="0">
-              <a:schemeClr val="accent1"/>
-            </a:effectRef>
-            <a:fontRef idx="minor">
-              <a:schemeClr val="lt1"/>
-            </a:fontRef>
-          </p:style>
-          <p:txBody>
-            <a:bodyPr rtlCol="0" anchor="ctr"/>
-            <a:lstStyle/>
-            <a:p>
-              <a:pPr algn="ctr"/>
-              <a:endParaRPr lang="en-US"/>
-            </a:p>
-          </p:txBody>
-        </p:sp>
-        <p:sp>
-          <p:nvSpPr>
-            <p:cNvPr id="20" name="Arrow: Right 19">
-              <a:extLst>
-                <a:ext uri="{FF2B5EF4-FFF2-40B4-BE49-F238E27FC236}">
-                  <a16:creationId xmlns:a16="http://schemas.microsoft.com/office/drawing/2014/main" id="{1C3D577E-54EE-C4FE-C703-4A8C6EFE9C9E}"/>
-                </a:ext>
-              </a:extLst>
-            </p:cNvPr>
-            <p:cNvSpPr/>
-            <p:nvPr/>
-          </p:nvSpPr>
-          <p:spPr>
-            <a:xfrm>
-              <a:off x="6803780" y="5410200"/>
-              <a:ext cx="720700" cy="476250"/>
-            </a:xfrm>
-            <a:prstGeom prst="rightArrow">
-              <a:avLst/>
-            </a:prstGeom>
-          </p:spPr>
-          <p:style>
-            <a:lnRef idx="2">
-              <a:schemeClr val="accent1">
-                <a:shade val="15000"/>
-              </a:schemeClr>
-            </a:lnRef>
-            <a:fillRef idx="1">
-              <a:schemeClr val="accent1"/>
-            </a:fillRef>
-            <a:effectRef idx="0">
-              <a:schemeClr val="accent1"/>
-            </a:effectRef>
-            <a:fontRef idx="minor">
-              <a:schemeClr val="lt1"/>
-            </a:fontRef>
-          </p:style>
-          <p:txBody>
-            <a:bodyPr rtlCol="0" anchor="ctr"/>
-            <a:lstStyle/>
-            <a:p>
-              <a:pPr algn="ctr"/>
-              <a:endParaRPr lang="en-US"/>
-            </a:p>
-          </p:txBody>
-        </p:sp>
-        <p:sp>
-          <p:nvSpPr>
-            <p:cNvPr id="21" name="TextBox 20">
-              <a:extLst>
-                <a:ext uri="{FF2B5EF4-FFF2-40B4-BE49-F238E27FC236}">
-                  <a16:creationId xmlns:a16="http://schemas.microsoft.com/office/drawing/2014/main" id="{2F481E2F-F5A1-517B-0585-5AC0439AD5CE}"/>
-                </a:ext>
-              </a:extLst>
-            </p:cNvPr>
-            <p:cNvSpPr txBox="1"/>
-            <p:nvPr/>
-          </p:nvSpPr>
-          <p:spPr>
-            <a:xfrm>
-              <a:off x="7557654" y="4512292"/>
-              <a:ext cx="1310081" cy="781766"/>
-            </a:xfrm>
-            <a:prstGeom prst="rect">
-              <a:avLst/>
-            </a:prstGeom>
-            <a:noFill/>
-          </p:spPr>
-          <p:txBody>
-            <a:bodyPr wrap="none" rtlCol="0">
-              <a:spAutoFit/>
-            </a:bodyPr>
-            <a:lstStyle/>
-            <a:p>
-              <a:r>
-                <a:rPr lang="en-US" sz="2800" dirty="0"/>
-                <a:t>Value</a:t>
-              </a:r>
-            </a:p>
-          </p:txBody>
-        </p:sp>
-      </p:grpSp>
-      <mc:AlternateContent xmlns:mc="http://schemas.openxmlformats.org/markup-compatibility/2006" xmlns:a14="http://schemas.microsoft.com/office/drawing/2010/main">
-        <mc:Choice Requires="a14">
-          <p:sp>
-            <p:nvSpPr>
-              <p:cNvPr id="22" name="TextBox 21">
-                <a:extLst>
-                  <a:ext uri="{FF2B5EF4-FFF2-40B4-BE49-F238E27FC236}">
-                    <a16:creationId xmlns:a16="http://schemas.microsoft.com/office/drawing/2014/main" id="{94D2E981-3963-6DDF-6554-98473E5A09D2}"/>
-                  </a:ext>
-                </a:extLst>
-              </p:cNvPr>
-              <p:cNvSpPr txBox="1"/>
-              <p:nvPr/>
-            </p:nvSpPr>
-            <p:spPr>
-              <a:xfrm>
-                <a:off x="6411455" y="3224276"/>
-                <a:ext cx="335605" cy="492443"/>
-              </a:xfrm>
-              <a:prstGeom prst="rect">
-                <a:avLst/>
-              </a:prstGeom>
-              <a:noFill/>
-            </p:spPr>
-            <p:txBody>
-              <a:bodyPr wrap="none" lIns="0" tIns="0" rIns="0" bIns="0" rtlCol="0">
-                <a:spAutoFit/>
-              </a:bodyPr>
-              <a:lstStyle/>
-              <a:p>
-                <a:pPr/>
-                <a14:m>
-                  <m:oMathPara xmlns:m="http://schemas.openxmlformats.org/officeDocument/2006/math">
-                    <m:oMathParaPr>
-                      <m:jc m:val="centerGroup"/>
-                    </m:oMathParaPr>
-                    <m:oMath xmlns:m="http://schemas.openxmlformats.org/officeDocument/2006/math">
-                      <m:r>
-                        <a:rPr lang="en-US" sz="3200" b="0" i="1" smtClean="0">
-                          <a:latin typeface="Cambria Math" panose="02040503050406030204" pitchFamily="18" charset="0"/>
-                        </a:rPr>
-                        <m:t>𝑛</m:t>
-                      </m:r>
-                    </m:oMath>
-                  </m:oMathPara>
-                </a14:m>
-                <a:endParaRPr lang="en-US" sz="3200" dirty="0"/>
-              </a:p>
-            </p:txBody>
-          </p:sp>
-        </mc:Choice>
-        <mc:Fallback xmlns="">
-          <p:sp>
-            <p:nvSpPr>
-              <p:cNvPr id="22" name="TextBox 21">
-                <a:extLst>
-                  <a:ext uri="{FF2B5EF4-FFF2-40B4-BE49-F238E27FC236}">
-                    <a16:creationId xmlns:a16="http://schemas.microsoft.com/office/drawing/2014/main" id="{94D2E981-3963-6DDF-6554-98473E5A09D2}"/>
-                  </a:ext>
-                </a:extLst>
-              </p:cNvPr>
-              <p:cNvSpPr txBox="1">
-                <a:spLocks noRot="1" noChangeAspect="1" noMove="1" noResize="1" noEditPoints="1" noAdjustHandles="1" noChangeArrowheads="1" noChangeShapeType="1" noTextEdit="1"/>
-              </p:cNvSpPr>
-              <p:nvPr/>
-            </p:nvSpPr>
-            <p:spPr>
-              <a:xfrm>
-                <a:off x="6411455" y="3224276"/>
-                <a:ext cx="335605" cy="492443"/>
-              </a:xfrm>
-              <a:prstGeom prst="rect">
-                <a:avLst/>
-              </a:prstGeom>
-              <a:blipFill>
-                <a:blip r:embed="rId6"/>
-                <a:stretch>
-                  <a:fillRect/>
-                </a:stretch>
-              </a:blipFill>
-            </p:spPr>
-            <p:txBody>
-              <a:bodyPr/>
-              <a:lstStyle/>
-              <a:p>
-                <a:r>
-                  <a:rPr lang="en-US">
-                    <a:noFill/>
-                  </a:rPr>
-                  <a:t> </a:t>
-                </a:r>
-              </a:p>
-            </p:txBody>
-          </p:sp>
-        </mc:Fallback>
-      </mc:AlternateContent>
-      <mc:AlternateContent xmlns:mc="http://schemas.openxmlformats.org/markup-compatibility/2006" xmlns:a14="http://schemas.microsoft.com/office/drawing/2010/main">
-        <mc:Choice Requires="a14">
-          <p:sp>
-            <p:nvSpPr>
-              <p:cNvPr id="23" name="TextBox 22">
-                <a:extLst>
-                  <a:ext uri="{FF2B5EF4-FFF2-40B4-BE49-F238E27FC236}">
-                    <a16:creationId xmlns:a16="http://schemas.microsoft.com/office/drawing/2014/main" id="{4A8A5DF8-FAD4-CE59-0BCB-8033D194CD80}"/>
-                  </a:ext>
-                </a:extLst>
-              </p:cNvPr>
-              <p:cNvSpPr txBox="1"/>
-              <p:nvPr/>
-            </p:nvSpPr>
-            <p:spPr>
-              <a:xfrm>
-                <a:off x="6525448" y="5702664"/>
-                <a:ext cx="404341" cy="492443"/>
-              </a:xfrm>
-              <a:prstGeom prst="rect">
-                <a:avLst/>
-              </a:prstGeom>
-              <a:noFill/>
-            </p:spPr>
-            <p:txBody>
-              <a:bodyPr wrap="none" lIns="0" tIns="0" rIns="0" bIns="0" rtlCol="0">
-                <a:spAutoFit/>
-              </a:bodyPr>
-              <a:lstStyle/>
-              <a:p>
-                <a:pPr/>
-                <a14:m>
-                  <m:oMathPara xmlns:m="http://schemas.openxmlformats.org/officeDocument/2006/math">
-                    <m:oMathParaPr>
-                      <m:jc m:val="centerGroup"/>
-                    </m:oMathParaPr>
-                    <m:oMath xmlns:m="http://schemas.openxmlformats.org/officeDocument/2006/math">
-                      <m:r>
-                        <a:rPr lang="en-US" sz="3200" b="0" i="1" smtClean="0">
-                          <a:latin typeface="Cambria Math" panose="02040503050406030204" pitchFamily="18" charset="0"/>
-                        </a:rPr>
-                        <m:t>𝑁</m:t>
-                      </m:r>
-                    </m:oMath>
-                  </m:oMathPara>
-                </a14:m>
-                <a:endParaRPr lang="en-US" sz="3200" dirty="0"/>
-              </a:p>
-            </p:txBody>
-          </p:sp>
-        </mc:Choice>
-        <mc:Fallback xmlns="">
-          <p:sp>
-            <p:nvSpPr>
-              <p:cNvPr id="23" name="TextBox 22">
-                <a:extLst>
-                  <a:ext uri="{FF2B5EF4-FFF2-40B4-BE49-F238E27FC236}">
-                    <a16:creationId xmlns:a16="http://schemas.microsoft.com/office/drawing/2014/main" id="{4A8A5DF8-FAD4-CE59-0BCB-8033D194CD80}"/>
-                  </a:ext>
-                </a:extLst>
-              </p:cNvPr>
-              <p:cNvSpPr txBox="1">
-                <a:spLocks noRot="1" noChangeAspect="1" noMove="1" noResize="1" noEditPoints="1" noAdjustHandles="1" noChangeArrowheads="1" noChangeShapeType="1" noTextEdit="1"/>
-              </p:cNvSpPr>
-              <p:nvPr/>
-            </p:nvSpPr>
-            <p:spPr>
-              <a:xfrm>
-                <a:off x="6525448" y="5702664"/>
-                <a:ext cx="404341" cy="492443"/>
-              </a:xfrm>
-              <a:prstGeom prst="rect">
-                <a:avLst/>
-              </a:prstGeom>
-              <a:blipFill>
-                <a:blip r:embed="rId7"/>
-                <a:stretch>
-                  <a:fillRect/>
-                </a:stretch>
-              </a:blipFill>
-            </p:spPr>
-            <p:txBody>
-              <a:bodyPr/>
-              <a:lstStyle/>
-              <a:p>
-                <a:r>
-                  <a:rPr lang="en-US">
-                    <a:noFill/>
-                  </a:rPr>
-                  <a:t> </a:t>
-                </a:r>
-              </a:p>
-            </p:txBody>
-          </p:sp>
-        </mc:Fallback>
-      </mc:AlternateContent>
-    </p:spTree>
-    <p:extLst>
-      <p:ext uri="{BB962C8B-B14F-4D97-AF65-F5344CB8AC3E}">
-        <p14:creationId xmlns:p14="http://schemas.microsoft.com/office/powerpoint/2010/main" val="2338621633"/>
-      </p:ext>
-    </p:extLst>
-  </p:cSld>
-  <p:clrMapOvr>
-    <a:masterClrMapping/>
-  </p:clrMapOvr>
-</p:sld>
-</file>
-
 <file path=ppt/slides/slide2.xml><?xml version="1.0" encoding="utf-8"?>
 <p:sld xmlns:a="http://schemas.openxmlformats.org/drawingml/2006/main" xmlns:r="http://schemas.openxmlformats.org/officeDocument/2006/relationships" xmlns:p="http://schemas.openxmlformats.org/presentationml/2006/main">
   <p:cSld>
@@ -11963,2550 +8605,6 @@
     <p:extLst>
       <p:ext uri="{BB962C8B-B14F-4D97-AF65-F5344CB8AC3E}">
         <p14:creationId xmlns:p14="http://schemas.microsoft.com/office/powerpoint/2010/main" val="2771044698"/>
-      </p:ext>
-    </p:extLst>
-  </p:cSld>
-  <p:clrMapOvr>
-    <a:masterClrMapping/>
-  </p:clrMapOvr>
-</p:sld>
-</file>
-
-<file path=ppt/slides/slide20.xml><?xml version="1.0" encoding="utf-8"?>
-<p:sld xmlns:a="http://schemas.openxmlformats.org/drawingml/2006/main" xmlns:r="http://schemas.openxmlformats.org/officeDocument/2006/relationships" xmlns:p="http://schemas.openxmlformats.org/presentationml/2006/main">
-  <p:cSld>
-    <p:spTree>
-      <p:nvGrpSpPr>
-        <p:cNvPr id="1" name=""/>
-        <p:cNvGrpSpPr/>
-        <p:nvPr/>
-      </p:nvGrpSpPr>
-      <p:grpSpPr>
-        <a:xfrm>
-          <a:off x="0" y="0"/>
-          <a:ext cx="0" cy="0"/>
-          <a:chOff x="0" y="0"/>
-          <a:chExt cx="0" cy="0"/>
-        </a:xfrm>
-      </p:grpSpPr>
-      <p:sp>
-        <p:nvSpPr>
-          <p:cNvPr id="2" name="Title 1">
-            <a:extLst>
-              <a:ext uri="{FF2B5EF4-FFF2-40B4-BE49-F238E27FC236}">
-                <a16:creationId xmlns:a16="http://schemas.microsoft.com/office/drawing/2014/main" id="{96380C86-D709-6FB8-5A19-C2314095D583}"/>
-              </a:ext>
-            </a:extLst>
-          </p:cNvPr>
-          <p:cNvSpPr>
-            <a:spLocks noGrp="1"/>
-          </p:cNvSpPr>
-          <p:nvPr>
-            <p:ph type="title"/>
-          </p:nvPr>
-        </p:nvSpPr>
-        <p:spPr>
-          <a:xfrm>
-            <a:off x="713762" y="36014"/>
-            <a:ext cx="10515600" cy="1325563"/>
-          </a:xfrm>
-        </p:spPr>
-        <p:txBody>
-          <a:bodyPr/>
-          <a:lstStyle/>
-          <a:p>
-            <a:r>
-              <a:rPr lang="en-US" dirty="0"/>
-              <a:t>Mean and Proportion </a:t>
-            </a:r>
-          </a:p>
-        </p:txBody>
-      </p:sp>
-      <mc:AlternateContent xmlns:mc="http://schemas.openxmlformats.org/markup-compatibility/2006" xmlns:a14="http://schemas.microsoft.com/office/drawing/2010/main">
-        <mc:Choice Requires="a14">
-          <p:sp>
-            <p:nvSpPr>
-              <p:cNvPr id="4" name="TextBox 3">
-                <a:extLst>
-                  <a:ext uri="{FF2B5EF4-FFF2-40B4-BE49-F238E27FC236}">
-                    <a16:creationId xmlns:a16="http://schemas.microsoft.com/office/drawing/2014/main" id="{D2296438-25B8-F629-7C3E-5050397B22AC}"/>
-                  </a:ext>
-                </a:extLst>
-              </p:cNvPr>
-              <p:cNvSpPr txBox="1"/>
-              <p:nvPr/>
-            </p:nvSpPr>
-            <p:spPr>
-              <a:xfrm>
-                <a:off x="306534" y="1612616"/>
-                <a:ext cx="7359648" cy="4446858"/>
-              </a:xfrm>
-              <a:prstGeom prst="rect">
-                <a:avLst/>
-              </a:prstGeom>
-              <a:noFill/>
-            </p:spPr>
-            <p:txBody>
-              <a:bodyPr wrap="square">
-                <a:spAutoFit/>
-              </a:bodyPr>
-              <a:lstStyle/>
-              <a:p>
-                <a:pPr marR="0" lvl="0" algn="l" defTabSz="914400" rtl="0" eaLnBrk="1" fontAlgn="auto" latinLnBrk="0" hangingPunct="1">
-                  <a:lnSpc>
-                    <a:spcPct val="90000"/>
-                  </a:lnSpc>
-                  <a:spcBef>
-                    <a:spcPts val="1000"/>
-                  </a:spcBef>
-                  <a:spcAft>
-                    <a:spcPts val="0"/>
-                  </a:spcAft>
-                  <a:buClrTx/>
-                  <a:buSzTx/>
-                  <a:tabLst/>
-                  <a:defRPr/>
-                </a:pPr>
-                <a:r>
-                  <a:rPr lang="en-US" sz="2000" dirty="0">
-                    <a:solidFill>
-                      <a:prstClr val="black"/>
-                    </a:solidFill>
-                    <a:latin typeface="Calibri" panose="020F0502020204030204"/>
-                  </a:rPr>
-                  <a:t>A </a:t>
-                </a:r>
-                <a:r>
-                  <a:rPr lang="en-US" sz="2000" b="1" dirty="0">
-                    <a:solidFill>
-                      <a:prstClr val="black"/>
-                    </a:solidFill>
-                    <a:latin typeface="Calibri" panose="020F0502020204030204"/>
-                  </a:rPr>
-                  <a:t>proportion </a:t>
-                </a:r>
-                <a:r>
-                  <a:rPr lang="en-US" sz="2000" dirty="0">
-                    <a:solidFill>
-                      <a:prstClr val="black"/>
-                    </a:solidFill>
-                    <a:latin typeface="Calibri" panose="020F0502020204030204"/>
-                  </a:rPr>
-                  <a:t>describes the fraction of a whole that represent some property or category. Usually, it is expressed a percentage. </a:t>
-                </a:r>
-              </a:p>
-              <a:p>
-                <a:pPr marR="0" lvl="0" algn="l" defTabSz="914400" rtl="0" eaLnBrk="1" fontAlgn="auto" latinLnBrk="0" hangingPunct="1">
-                  <a:lnSpc>
-                    <a:spcPct val="90000"/>
-                  </a:lnSpc>
-                  <a:spcBef>
-                    <a:spcPts val="1000"/>
-                  </a:spcBef>
-                  <a:spcAft>
-                    <a:spcPts val="0"/>
-                  </a:spcAft>
-                  <a:buClrTx/>
-                  <a:buSzTx/>
-                  <a:tabLst/>
-                  <a:defRPr/>
-                </a:pPr>
-                <a:r>
-                  <a:rPr lang="en-US" dirty="0">
-                    <a:solidFill>
-                      <a:prstClr val="black"/>
-                    </a:solidFill>
-                    <a:latin typeface="Calibri" panose="020F0502020204030204"/>
-                  </a:rPr>
-                  <a:t>Notation: </a:t>
-                </a:r>
-              </a:p>
-              <a:p>
-                <a:pPr marR="0" lvl="0" algn="l" defTabSz="914400" rtl="0" eaLnBrk="1" fontAlgn="auto" latinLnBrk="0" hangingPunct="1">
-                  <a:lnSpc>
-                    <a:spcPct val="90000"/>
-                  </a:lnSpc>
-                  <a:spcBef>
-                    <a:spcPts val="1000"/>
-                  </a:spcBef>
-                  <a:spcAft>
-                    <a:spcPts val="0"/>
-                  </a:spcAft>
-                  <a:buClrTx/>
-                  <a:buSzTx/>
-                  <a:tabLst/>
-                  <a:defRPr/>
-                </a:pPr>
-                <a14:m>
-                  <m:oMath xmlns:m="http://schemas.openxmlformats.org/officeDocument/2006/math">
-                    <m:acc>
-                      <m:accPr>
-                        <m:chr m:val="̂"/>
-                        <m:ctrlPr>
-                          <a:rPr lang="en-US" i="1" smtClean="0">
-                            <a:solidFill>
-                              <a:prstClr val="black"/>
-                            </a:solidFill>
-                            <a:latin typeface="Cambria Math" panose="02040503050406030204" pitchFamily="18" charset="0"/>
-                          </a:rPr>
-                        </m:ctrlPr>
-                      </m:accPr>
-                      <m:e>
-                        <m:r>
-                          <a:rPr lang="en-US" b="0" i="1" smtClean="0">
-                            <a:solidFill>
-                              <a:prstClr val="black"/>
-                            </a:solidFill>
-                            <a:latin typeface="Cambria Math" panose="02040503050406030204" pitchFamily="18" charset="0"/>
-                          </a:rPr>
-                          <m:t>𝑝</m:t>
-                        </m:r>
-                      </m:e>
-                    </m:acc>
-                  </m:oMath>
-                </a14:m>
-                <a:r>
-                  <a:rPr lang="en-US" dirty="0">
-                    <a:solidFill>
-                      <a:prstClr val="black"/>
-                    </a:solidFill>
-                    <a:latin typeface="Calibri" panose="020F0502020204030204"/>
-                  </a:rPr>
-                  <a:t> - denotes the sample proportion </a:t>
-                </a:r>
-              </a:p>
-              <a:p>
-                <a:pPr marR="0" lvl="0" algn="l" defTabSz="914400" rtl="0" eaLnBrk="1" fontAlgn="auto" latinLnBrk="0" hangingPunct="1">
-                  <a:lnSpc>
-                    <a:spcPct val="90000"/>
-                  </a:lnSpc>
-                  <a:spcBef>
-                    <a:spcPts val="1000"/>
-                  </a:spcBef>
-                  <a:spcAft>
-                    <a:spcPts val="0"/>
-                  </a:spcAft>
-                  <a:buClrTx/>
-                  <a:buSzTx/>
-                  <a:tabLst/>
-                  <a:defRPr/>
-                </a:pPr>
-                <a14:m>
-                  <m:oMath xmlns:m="http://schemas.openxmlformats.org/officeDocument/2006/math">
-                    <m:r>
-                      <a:rPr lang="en-US" b="0" i="1" smtClean="0">
-                        <a:solidFill>
-                          <a:prstClr val="black"/>
-                        </a:solidFill>
-                        <a:latin typeface="Cambria Math" panose="02040503050406030204" pitchFamily="18" charset="0"/>
-                      </a:rPr>
-                      <m:t>𝑝</m:t>
-                    </m:r>
-                  </m:oMath>
-                </a14:m>
-                <a:r>
-                  <a:rPr lang="en-US" dirty="0">
-                    <a:solidFill>
-                      <a:prstClr val="black"/>
-                    </a:solidFill>
-                    <a:latin typeface="Calibri" panose="020F0502020204030204"/>
-                  </a:rPr>
-                  <a:t> - denotes the population proportion </a:t>
-                </a:r>
-              </a:p>
-              <a:p>
-                <a:pPr marR="0" lvl="0" algn="l" defTabSz="914400" rtl="0" eaLnBrk="1" fontAlgn="auto" latinLnBrk="0" hangingPunct="1">
-                  <a:lnSpc>
-                    <a:spcPct val="90000"/>
-                  </a:lnSpc>
-                  <a:spcBef>
-                    <a:spcPts val="1000"/>
-                  </a:spcBef>
-                  <a:spcAft>
-                    <a:spcPts val="0"/>
-                  </a:spcAft>
-                  <a:buClrTx/>
-                  <a:buSzTx/>
-                  <a:tabLst/>
-                  <a:defRPr/>
-                </a:pPr>
-                <a:endParaRPr lang="en-US" sz="2000" dirty="0">
-                  <a:solidFill>
-                    <a:prstClr val="black"/>
-                  </a:solidFill>
-                  <a:latin typeface="Calibri" panose="020F0502020204030204"/>
-                </a:endParaRPr>
-              </a:p>
-              <a:p>
-                <a:pPr marR="0" lvl="0" algn="l" defTabSz="914400" rtl="0" eaLnBrk="1" fontAlgn="auto" latinLnBrk="0" hangingPunct="1">
-                  <a:lnSpc>
-                    <a:spcPct val="90000"/>
-                  </a:lnSpc>
-                  <a:spcBef>
-                    <a:spcPts val="1000"/>
-                  </a:spcBef>
-                  <a:spcAft>
-                    <a:spcPts val="0"/>
-                  </a:spcAft>
-                  <a:buClrTx/>
-                  <a:buSzTx/>
-                  <a:tabLst/>
-                  <a:defRPr/>
-                </a:pPr>
-                <a:r>
-                  <a:rPr lang="en-US" sz="2000" dirty="0">
-                    <a:solidFill>
-                      <a:prstClr val="black"/>
-                    </a:solidFill>
-                    <a:latin typeface="Calibri" panose="020F0502020204030204"/>
-                  </a:rPr>
-                  <a:t>The </a:t>
-                </a:r>
-                <a:r>
-                  <a:rPr lang="en-US" sz="2000" u="sng" dirty="0">
-                    <a:solidFill>
-                      <a:prstClr val="black"/>
-                    </a:solidFill>
-                    <a:latin typeface="Calibri" panose="020F0502020204030204"/>
-                  </a:rPr>
-                  <a:t>arithmetic</a:t>
-                </a:r>
-                <a:r>
-                  <a:rPr lang="en-US" sz="2000" dirty="0">
-                    <a:solidFill>
-                      <a:prstClr val="black"/>
-                    </a:solidFill>
-                    <a:latin typeface="Calibri" panose="020F0502020204030204"/>
-                  </a:rPr>
-                  <a:t> </a:t>
-                </a:r>
-                <a:r>
-                  <a:rPr lang="en-US" sz="2000" b="1" dirty="0">
-                    <a:solidFill>
-                      <a:prstClr val="black"/>
-                    </a:solidFill>
-                    <a:latin typeface="Calibri" panose="020F0502020204030204"/>
-                  </a:rPr>
-                  <a:t>mean </a:t>
-                </a:r>
-                <a:r>
-                  <a:rPr lang="en-US" sz="2000" dirty="0">
-                    <a:solidFill>
-                      <a:prstClr val="black"/>
-                    </a:solidFill>
-                    <a:latin typeface="Calibri" panose="020F0502020204030204"/>
-                  </a:rPr>
-                  <a:t>is the center of a set of data (we often use the words mean and average interchangeably)</a:t>
-                </a:r>
-              </a:p>
-              <a:p>
-                <a:pPr marR="0" lvl="0" algn="l" defTabSz="914400" rtl="0" eaLnBrk="1" fontAlgn="auto" latinLnBrk="0" hangingPunct="1">
-                  <a:lnSpc>
-                    <a:spcPct val="90000"/>
-                  </a:lnSpc>
-                  <a:spcBef>
-                    <a:spcPts val="1000"/>
-                  </a:spcBef>
-                  <a:spcAft>
-                    <a:spcPts val="0"/>
-                  </a:spcAft>
-                  <a:buClrTx/>
-                  <a:buSzTx/>
-                  <a:tabLst/>
-                  <a:defRPr/>
-                </a:pPr>
-                <a:r>
-                  <a:rPr lang="en-US" dirty="0">
-                    <a:solidFill>
-                      <a:prstClr val="black"/>
-                    </a:solidFill>
-                    <a:latin typeface="Calibri" panose="020F0502020204030204"/>
-                  </a:rPr>
-                  <a:t>Notation:</a:t>
-                </a:r>
-              </a:p>
-              <a:p>
-                <a:pPr marR="0" lvl="0" algn="l" defTabSz="914400" rtl="0" eaLnBrk="1" fontAlgn="auto" latinLnBrk="0" hangingPunct="1">
-                  <a:lnSpc>
-                    <a:spcPct val="90000"/>
-                  </a:lnSpc>
-                  <a:spcBef>
-                    <a:spcPts val="1000"/>
-                  </a:spcBef>
-                  <a:spcAft>
-                    <a:spcPts val="0"/>
-                  </a:spcAft>
-                  <a:buClrTx/>
-                  <a:buSzTx/>
-                  <a:tabLst/>
-                  <a:defRPr/>
-                </a:pPr>
-                <a14:m>
-                  <m:oMath xmlns:m="http://schemas.openxmlformats.org/officeDocument/2006/math">
-                    <m:acc>
-                      <m:accPr>
-                        <m:chr m:val="̅"/>
-                        <m:ctrlPr>
-                          <a:rPr lang="en-US" sz="2000" i="1" smtClean="0">
-                            <a:solidFill>
-                              <a:prstClr val="black"/>
-                            </a:solidFill>
-                            <a:latin typeface="Cambria Math" panose="02040503050406030204" pitchFamily="18" charset="0"/>
-                          </a:rPr>
-                        </m:ctrlPr>
-                      </m:accPr>
-                      <m:e>
-                        <m:r>
-                          <a:rPr lang="en-US" sz="2000" b="0" i="1" smtClean="0">
-                            <a:solidFill>
-                              <a:prstClr val="black"/>
-                            </a:solidFill>
-                            <a:latin typeface="Cambria Math" panose="02040503050406030204" pitchFamily="18" charset="0"/>
-                          </a:rPr>
-                          <m:t>𝑥</m:t>
-                        </m:r>
-                      </m:e>
-                    </m:acc>
-                    <m:r>
-                      <a:rPr lang="en-US" sz="2000" b="0" i="1" smtClean="0">
-                        <a:solidFill>
-                          <a:prstClr val="black"/>
-                        </a:solidFill>
-                        <a:latin typeface="Cambria Math" panose="02040503050406030204" pitchFamily="18" charset="0"/>
-                      </a:rPr>
-                      <m:t> </m:t>
-                    </m:r>
-                  </m:oMath>
-                </a14:m>
-                <a:r>
-                  <a:rPr lang="en-US" dirty="0">
-                    <a:solidFill>
-                      <a:prstClr val="black"/>
-                    </a:solidFill>
-                    <a:latin typeface="Calibri" panose="020F0502020204030204"/>
-                  </a:rPr>
-                  <a:t> - denotes the mean of a sample</a:t>
-                </a:r>
-              </a:p>
-              <a:p>
-                <a:pPr marR="0" lvl="0" algn="l" defTabSz="914400" rtl="0" eaLnBrk="1" fontAlgn="auto" latinLnBrk="0" hangingPunct="1">
-                  <a:lnSpc>
-                    <a:spcPct val="90000"/>
-                  </a:lnSpc>
-                  <a:spcBef>
-                    <a:spcPts val="1000"/>
-                  </a:spcBef>
-                  <a:spcAft>
-                    <a:spcPts val="0"/>
-                  </a:spcAft>
-                  <a:buClrTx/>
-                  <a:buSzTx/>
-                  <a:tabLst/>
-                  <a:defRPr/>
-                </a:pPr>
-                <a14:m>
-                  <m:oMath xmlns:m="http://schemas.openxmlformats.org/officeDocument/2006/math">
-                    <m:r>
-                      <a:rPr lang="en-US" sz="2000" i="1" smtClean="0">
-                        <a:solidFill>
-                          <a:prstClr val="black"/>
-                        </a:solidFill>
-                        <a:latin typeface="Cambria Math" panose="02040503050406030204" pitchFamily="18" charset="0"/>
-                        <a:ea typeface="Cambria Math" panose="02040503050406030204" pitchFamily="18" charset="0"/>
-                      </a:rPr>
-                      <m:t>𝜇</m:t>
-                    </m:r>
-                  </m:oMath>
-                </a14:m>
-                <a:r>
-                  <a:rPr lang="en-US" dirty="0">
-                    <a:solidFill>
-                      <a:prstClr val="black"/>
-                    </a:solidFill>
-                    <a:latin typeface="Calibri" panose="020F0502020204030204"/>
-                  </a:rPr>
-                  <a:t> – denotes the mean of a population (</a:t>
-                </a:r>
-                <a:r>
-                  <a:rPr lang="en-US" dirty="0" err="1">
-                    <a:solidFill>
-                      <a:prstClr val="black"/>
-                    </a:solidFill>
-                    <a:latin typeface="Calibri" panose="020F0502020204030204"/>
-                  </a:rPr>
-                  <a:t>i.e</a:t>
-                </a:r>
-                <a:r>
-                  <a:rPr lang="en-US" dirty="0">
-                    <a:solidFill>
-                      <a:prstClr val="black"/>
-                    </a:solidFill>
-                    <a:latin typeface="Calibri" panose="020F0502020204030204"/>
-                  </a:rPr>
-                  <a:t> the population parameter)</a:t>
-                </a:r>
-              </a:p>
-              <a:p>
-                <a:pPr marR="0" lvl="0" algn="l" defTabSz="914400" rtl="0" eaLnBrk="1" fontAlgn="auto" latinLnBrk="0" hangingPunct="1">
-                  <a:lnSpc>
-                    <a:spcPct val="90000"/>
-                  </a:lnSpc>
-                  <a:spcBef>
-                    <a:spcPts val="1000"/>
-                  </a:spcBef>
-                  <a:spcAft>
-                    <a:spcPts val="0"/>
-                  </a:spcAft>
-                  <a:buClrTx/>
-                  <a:buSzTx/>
-                  <a:tabLst/>
-                  <a:defRPr/>
-                </a:pPr>
-                <a:endParaRPr lang="en-US" sz="2000" dirty="0">
-                  <a:solidFill>
-                    <a:prstClr val="black"/>
-                  </a:solidFill>
-                  <a:latin typeface="Calibri" panose="020F0502020204030204"/>
-                </a:endParaRPr>
-              </a:p>
-            </p:txBody>
-          </p:sp>
-        </mc:Choice>
-        <mc:Fallback xmlns="">
-          <p:sp>
-            <p:nvSpPr>
-              <p:cNvPr id="4" name="TextBox 3">
-                <a:extLst>
-                  <a:ext uri="{FF2B5EF4-FFF2-40B4-BE49-F238E27FC236}">
-                    <a16:creationId xmlns:a16="http://schemas.microsoft.com/office/drawing/2014/main" id="{D2296438-25B8-F629-7C3E-5050397B22AC}"/>
-                  </a:ext>
-                </a:extLst>
-              </p:cNvPr>
-              <p:cNvSpPr txBox="1">
-                <a:spLocks noRot="1" noChangeAspect="1" noMove="1" noResize="1" noEditPoints="1" noAdjustHandles="1" noChangeArrowheads="1" noChangeShapeType="1" noTextEdit="1"/>
-              </p:cNvSpPr>
-              <p:nvPr/>
-            </p:nvSpPr>
-            <p:spPr>
-              <a:xfrm>
-                <a:off x="306534" y="1612616"/>
-                <a:ext cx="7359648" cy="4446858"/>
-              </a:xfrm>
-              <a:prstGeom prst="rect">
-                <a:avLst/>
-              </a:prstGeom>
-              <a:blipFill>
-                <a:blip r:embed="rId2"/>
-                <a:stretch>
-                  <a:fillRect l="-828" t="-1509"/>
-                </a:stretch>
-              </a:blipFill>
-            </p:spPr>
-            <p:txBody>
-              <a:bodyPr/>
-              <a:lstStyle/>
-              <a:p>
-                <a:r>
-                  <a:rPr lang="en-US">
-                    <a:noFill/>
-                  </a:rPr>
-                  <a:t> </a:t>
-                </a:r>
-              </a:p>
-            </p:txBody>
-          </p:sp>
-        </mc:Fallback>
-      </mc:AlternateContent>
-      <p:sp>
-        <p:nvSpPr>
-          <p:cNvPr id="28" name="TextBox 27">
-            <a:extLst>
-              <a:ext uri="{FF2B5EF4-FFF2-40B4-BE49-F238E27FC236}">
-                <a16:creationId xmlns:a16="http://schemas.microsoft.com/office/drawing/2014/main" id="{9966B947-10CA-1974-768E-4FC5ACDF8AED}"/>
-              </a:ext>
-            </a:extLst>
-          </p:cNvPr>
-          <p:cNvSpPr txBox="1"/>
-          <p:nvPr/>
-        </p:nvSpPr>
-        <p:spPr>
-          <a:xfrm>
-            <a:off x="6894345" y="2786441"/>
-            <a:ext cx="4089245" cy="677108"/>
-          </a:xfrm>
-          <a:prstGeom prst="rect">
-            <a:avLst/>
-          </a:prstGeom>
-          <a:noFill/>
-        </p:spPr>
-        <p:txBody>
-          <a:bodyPr wrap="square" lIns="0" tIns="0" rIns="0" bIns="0" rtlCol="0">
-            <a:spAutoFit/>
-          </a:bodyPr>
-          <a:lstStyle/>
-          <a:p>
-            <a:endParaRPr lang="en-US" sz="1600" b="0" i="1" dirty="0">
-              <a:latin typeface="Cambria Math" panose="02040503050406030204" pitchFamily="18" charset="0"/>
-            </a:endParaRPr>
-          </a:p>
-          <a:p>
-            <a:endParaRPr lang="en-US" sz="2800" dirty="0"/>
-          </a:p>
-        </p:txBody>
-      </p:sp>
-      <mc:AlternateContent xmlns:mc="http://schemas.openxmlformats.org/markup-compatibility/2006" xmlns:a14="http://schemas.microsoft.com/office/drawing/2010/main">
-        <mc:Choice Requires="a14">
-          <p:sp>
-            <p:nvSpPr>
-              <p:cNvPr id="8" name="TextBox 7">
-                <a:extLst>
-                  <a:ext uri="{FF2B5EF4-FFF2-40B4-BE49-F238E27FC236}">
-                    <a16:creationId xmlns:a16="http://schemas.microsoft.com/office/drawing/2014/main" id="{05FEBCC2-104E-6C7B-C843-FA5D73CAE221}"/>
-                  </a:ext>
-                </a:extLst>
-              </p:cNvPr>
-              <p:cNvSpPr txBox="1"/>
-              <p:nvPr/>
-            </p:nvSpPr>
-            <p:spPr>
-              <a:xfrm>
-                <a:off x="8244147" y="4293093"/>
-                <a:ext cx="3092706" cy="1554656"/>
-              </a:xfrm>
-              <a:prstGeom prst="rect">
-                <a:avLst/>
-              </a:prstGeom>
-              <a:noFill/>
-            </p:spPr>
-            <p:txBody>
-              <a:bodyPr wrap="none" lIns="0" tIns="0" rIns="0" bIns="0" rtlCol="0">
-                <a:spAutoFit/>
-              </a:bodyPr>
-              <a:lstStyle/>
-              <a:p>
-                <a:pPr/>
-                <a14:m>
-                  <m:oMathPara xmlns:m="http://schemas.openxmlformats.org/officeDocument/2006/math">
-                    <m:oMathParaPr>
-                      <m:jc m:val="centerGroup"/>
-                    </m:oMathParaPr>
-                    <m:oMath xmlns:m="http://schemas.openxmlformats.org/officeDocument/2006/math">
-                      <m:acc>
-                        <m:accPr>
-                          <m:chr m:val="̅"/>
-                          <m:ctrlPr>
-                            <a:rPr lang="en-US" sz="2000" i="1" smtClean="0">
-                              <a:latin typeface="Cambria Math" panose="02040503050406030204" pitchFamily="18" charset="0"/>
-                            </a:rPr>
-                          </m:ctrlPr>
-                        </m:accPr>
-                        <m:e>
-                          <m:r>
-                            <a:rPr lang="en-US" sz="2000" b="0" i="1" smtClean="0">
-                              <a:latin typeface="Cambria Math" panose="02040503050406030204" pitchFamily="18" charset="0"/>
-                            </a:rPr>
-                            <m:t>𝑥</m:t>
-                          </m:r>
-                        </m:e>
-                      </m:acc>
-                      <m:r>
-                        <a:rPr lang="en-US" sz="2000" b="0" i="1" smtClean="0">
-                          <a:latin typeface="Cambria Math" panose="02040503050406030204" pitchFamily="18" charset="0"/>
-                        </a:rPr>
-                        <m:t>= </m:t>
-                      </m:r>
-                      <m:f>
-                        <m:fPr>
-                          <m:ctrlPr>
-                            <a:rPr lang="en-US" sz="2000" b="0" i="1" smtClean="0">
-                              <a:latin typeface="Cambria Math" panose="02040503050406030204" pitchFamily="18" charset="0"/>
-                            </a:rPr>
-                          </m:ctrlPr>
-                        </m:fPr>
-                        <m:num>
-                          <m:r>
-                            <a:rPr lang="en-US" sz="2000" b="0" i="1" smtClean="0">
-                              <a:latin typeface="Cambria Math" panose="02040503050406030204" pitchFamily="18" charset="0"/>
-                            </a:rPr>
-                            <m:t>1</m:t>
-                          </m:r>
-                        </m:num>
-                        <m:den>
-                          <m:r>
-                            <a:rPr lang="en-US" sz="2000" b="0" i="1" smtClean="0">
-                              <a:latin typeface="Cambria Math" panose="02040503050406030204" pitchFamily="18" charset="0"/>
-                            </a:rPr>
-                            <m:t>𝑛</m:t>
-                          </m:r>
-                        </m:den>
-                      </m:f>
-                      <m:nary>
-                        <m:naryPr>
-                          <m:chr m:val="∑"/>
-                          <m:ctrlPr>
-                            <a:rPr lang="en-US" sz="2000" b="0" i="1" smtClean="0">
-                              <a:latin typeface="Cambria Math" panose="02040503050406030204" pitchFamily="18" charset="0"/>
-                            </a:rPr>
-                          </m:ctrlPr>
-                        </m:naryPr>
-                        <m:sub>
-                          <m:r>
-                            <m:rPr>
-                              <m:brk m:alnAt="23"/>
-                            </m:rPr>
-                            <a:rPr lang="en-US" sz="2000" b="0" i="1" smtClean="0">
-                              <a:latin typeface="Cambria Math" panose="02040503050406030204" pitchFamily="18" charset="0"/>
-                            </a:rPr>
-                            <m:t>𝑖</m:t>
-                          </m:r>
-                          <m:r>
-                            <a:rPr lang="en-US" sz="2000" b="0" i="1" smtClean="0">
-                              <a:latin typeface="Cambria Math" panose="02040503050406030204" pitchFamily="18" charset="0"/>
-                            </a:rPr>
-                            <m:t>=1</m:t>
-                          </m:r>
-                        </m:sub>
-                        <m:sup>
-                          <m:r>
-                            <a:rPr lang="en-US" sz="2000" b="0" i="1" smtClean="0">
-                              <a:latin typeface="Cambria Math" panose="02040503050406030204" pitchFamily="18" charset="0"/>
-                            </a:rPr>
-                            <m:t>𝑛</m:t>
-                          </m:r>
-                        </m:sup>
-                        <m:e>
-                          <m:sSub>
-                            <m:sSubPr>
-                              <m:ctrlPr>
-                                <a:rPr lang="en-US" sz="2000" b="0" i="1" smtClean="0">
-                                  <a:latin typeface="Cambria Math" panose="02040503050406030204" pitchFamily="18" charset="0"/>
-                                </a:rPr>
-                              </m:ctrlPr>
-                            </m:sSubPr>
-                            <m:e>
-                              <m:r>
-                                <a:rPr lang="en-US" sz="2000" b="0" i="1" smtClean="0">
-                                  <a:latin typeface="Cambria Math" panose="02040503050406030204" pitchFamily="18" charset="0"/>
-                                </a:rPr>
-                                <m:t>𝑥</m:t>
-                              </m:r>
-                            </m:e>
-                            <m:sub>
-                              <m:r>
-                                <a:rPr lang="en-US" sz="2000" b="0" i="1" smtClean="0">
-                                  <a:latin typeface="Cambria Math" panose="02040503050406030204" pitchFamily="18" charset="0"/>
-                                </a:rPr>
-                                <m:t>𝑖</m:t>
-                              </m:r>
-                            </m:sub>
-                          </m:sSub>
-                        </m:e>
-                      </m:nary>
-                    </m:oMath>
-                  </m:oMathPara>
-                </a14:m>
-                <a:endParaRPr lang="en-US" sz="2000" b="0" dirty="0"/>
-              </a:p>
-              <a:p>
-                <a:endParaRPr lang="en-US" sz="1600" i="1" dirty="0">
-                  <a:latin typeface="Cambria Math" panose="02040503050406030204" pitchFamily="18" charset="0"/>
-                </a:endParaRPr>
-              </a:p>
-              <a:p>
-                <a:pPr/>
-                <a14:m>
-                  <m:oMathPara xmlns:m="http://schemas.openxmlformats.org/officeDocument/2006/math">
-                    <m:oMathParaPr>
-                      <m:jc m:val="centerGroup"/>
-                    </m:oMathParaPr>
-                    <m:oMath xmlns:m="http://schemas.openxmlformats.org/officeDocument/2006/math">
-                      <m:acc>
-                        <m:accPr>
-                          <m:chr m:val="̂"/>
-                          <m:ctrlPr>
-                            <a:rPr lang="en-US" sz="1600" i="1" smtClean="0">
-                              <a:latin typeface="Cambria Math" panose="02040503050406030204" pitchFamily="18" charset="0"/>
-                            </a:rPr>
-                          </m:ctrlPr>
-                        </m:accPr>
-                        <m:e>
-                          <m:r>
-                            <a:rPr lang="en-US" sz="1600" b="0" i="1" smtClean="0">
-                              <a:latin typeface="Cambria Math" panose="02040503050406030204" pitchFamily="18" charset="0"/>
-                            </a:rPr>
-                            <m:t>𝑝</m:t>
-                          </m:r>
-                        </m:e>
-                      </m:acc>
-                      <m:r>
-                        <a:rPr lang="en-US" sz="1600" b="0" i="1" smtClean="0">
-                          <a:latin typeface="Cambria Math" panose="02040503050406030204" pitchFamily="18" charset="0"/>
-                        </a:rPr>
-                        <m:t>=</m:t>
-                      </m:r>
-                      <m:f>
-                        <m:fPr>
-                          <m:ctrlPr>
-                            <a:rPr lang="en-US" sz="1600" b="0" i="1" smtClean="0">
-                              <a:latin typeface="Cambria Math" panose="02040503050406030204" pitchFamily="18" charset="0"/>
-                            </a:rPr>
-                          </m:ctrlPr>
-                        </m:fPr>
-                        <m:num>
-                          <m:r>
-                            <m:rPr>
-                              <m:sty m:val="p"/>
-                            </m:rPr>
-                            <a:rPr lang="en-US" sz="1600" b="0" i="0" smtClean="0">
-                              <a:latin typeface="Cambria Math" panose="02040503050406030204" pitchFamily="18" charset="0"/>
-                            </a:rPr>
-                            <m:t>Number</m:t>
-                          </m:r>
-                          <m:r>
-                            <a:rPr lang="en-US" sz="1600" b="0" i="0" smtClean="0">
-                              <a:latin typeface="Cambria Math" panose="02040503050406030204" pitchFamily="18" charset="0"/>
-                            </a:rPr>
-                            <m:t> </m:t>
-                          </m:r>
-                          <m:r>
-                            <m:rPr>
-                              <m:sty m:val="p"/>
-                            </m:rPr>
-                            <a:rPr lang="en-US" sz="1600" b="0" i="0" smtClean="0">
-                              <a:latin typeface="Cambria Math" panose="02040503050406030204" pitchFamily="18" charset="0"/>
-                            </a:rPr>
-                            <m:t>of</m:t>
-                          </m:r>
-                          <m:r>
-                            <a:rPr lang="en-US" sz="1600" b="0" i="0" smtClean="0">
-                              <a:latin typeface="Cambria Math" panose="02040503050406030204" pitchFamily="18" charset="0"/>
-                            </a:rPr>
-                            <m:t> </m:t>
-                          </m:r>
-                          <m:r>
-                            <m:rPr>
-                              <m:sty m:val="p"/>
-                            </m:rPr>
-                            <a:rPr lang="en-US" sz="1600" b="0" i="0" smtClean="0">
-                              <a:latin typeface="Cambria Math" panose="02040503050406030204" pitchFamily="18" charset="0"/>
-                            </a:rPr>
-                            <m:t>objects</m:t>
-                          </m:r>
-                          <m:r>
-                            <a:rPr lang="en-US" sz="1600" b="0" i="0" smtClean="0">
-                              <a:latin typeface="Cambria Math" panose="02040503050406030204" pitchFamily="18" charset="0"/>
-                            </a:rPr>
-                            <m:t> </m:t>
-                          </m:r>
-                          <m:r>
-                            <m:rPr>
-                              <m:sty m:val="p"/>
-                            </m:rPr>
-                            <a:rPr lang="en-US" sz="1600" b="0" i="0" smtClean="0">
-                              <a:latin typeface="Cambria Math" panose="02040503050406030204" pitchFamily="18" charset="0"/>
-                            </a:rPr>
-                            <m:t>in</m:t>
-                          </m:r>
-                          <m:r>
-                            <a:rPr lang="en-US" sz="1600" b="0" i="0" smtClean="0">
-                              <a:latin typeface="Cambria Math" panose="02040503050406030204" pitchFamily="18" charset="0"/>
-                            </a:rPr>
-                            <m:t> </m:t>
-                          </m:r>
-                          <m:r>
-                            <m:rPr>
-                              <m:sty m:val="p"/>
-                            </m:rPr>
-                            <a:rPr lang="en-US" sz="1600" b="0" i="0" smtClean="0">
-                              <a:latin typeface="Cambria Math" panose="02040503050406030204" pitchFamily="18" charset="0"/>
-                            </a:rPr>
-                            <m:t>category</m:t>
-                          </m:r>
-                        </m:num>
-                        <m:den>
-                          <m:r>
-                            <a:rPr lang="en-US" sz="1600" b="0" i="1" smtClean="0">
-                              <a:latin typeface="Cambria Math" panose="02040503050406030204" pitchFamily="18" charset="0"/>
-                            </a:rPr>
-                            <m:t>𝑛</m:t>
-                          </m:r>
-                        </m:den>
-                      </m:f>
-                    </m:oMath>
-                  </m:oMathPara>
-                </a14:m>
-                <a:endParaRPr lang="en-US" sz="2800" dirty="0"/>
-              </a:p>
-            </p:txBody>
-          </p:sp>
-        </mc:Choice>
-        <mc:Fallback xmlns="">
-          <p:sp>
-            <p:nvSpPr>
-              <p:cNvPr id="8" name="TextBox 7">
-                <a:extLst>
-                  <a:ext uri="{FF2B5EF4-FFF2-40B4-BE49-F238E27FC236}">
-                    <a16:creationId xmlns:a16="http://schemas.microsoft.com/office/drawing/2014/main" id="{05FEBCC2-104E-6C7B-C843-FA5D73CAE221}"/>
-                  </a:ext>
-                </a:extLst>
-              </p:cNvPr>
-              <p:cNvSpPr txBox="1">
-                <a:spLocks noRot="1" noChangeAspect="1" noMove="1" noResize="1" noEditPoints="1" noAdjustHandles="1" noChangeArrowheads="1" noChangeShapeType="1" noTextEdit="1"/>
-              </p:cNvSpPr>
-              <p:nvPr/>
-            </p:nvSpPr>
-            <p:spPr>
-              <a:xfrm>
-                <a:off x="8244147" y="4293093"/>
-                <a:ext cx="3092706" cy="1554656"/>
-              </a:xfrm>
-              <a:prstGeom prst="rect">
-                <a:avLst/>
-              </a:prstGeom>
-              <a:blipFill>
-                <a:blip r:embed="rId3"/>
-                <a:stretch>
-                  <a:fillRect/>
-                </a:stretch>
-              </a:blipFill>
-            </p:spPr>
-            <p:txBody>
-              <a:bodyPr/>
-              <a:lstStyle/>
-              <a:p>
-                <a:r>
-                  <a:rPr lang="en-US">
-                    <a:noFill/>
-                  </a:rPr>
-                  <a:t> </a:t>
-                </a:r>
-              </a:p>
-            </p:txBody>
-          </p:sp>
-        </mc:Fallback>
-      </mc:AlternateContent>
-      <mc:AlternateContent xmlns:mc="http://schemas.openxmlformats.org/markup-compatibility/2006" xmlns:a14="http://schemas.microsoft.com/office/drawing/2010/main">
-        <mc:Choice Requires="a14">
-          <p:sp>
-            <p:nvSpPr>
-              <p:cNvPr id="9" name="TextBox 8">
-                <a:extLst>
-                  <a:ext uri="{FF2B5EF4-FFF2-40B4-BE49-F238E27FC236}">
-                    <a16:creationId xmlns:a16="http://schemas.microsoft.com/office/drawing/2014/main" id="{B733D296-CE0C-8B9E-040E-8C52B2653FEC}"/>
-                  </a:ext>
-                </a:extLst>
-              </p:cNvPr>
-              <p:cNvSpPr txBox="1"/>
-              <p:nvPr/>
-            </p:nvSpPr>
-            <p:spPr>
-              <a:xfrm>
-                <a:off x="7955493" y="1034969"/>
-                <a:ext cx="3092706" cy="1579856"/>
-              </a:xfrm>
-              <a:prstGeom prst="rect">
-                <a:avLst/>
-              </a:prstGeom>
-              <a:noFill/>
-            </p:spPr>
-            <p:txBody>
-              <a:bodyPr wrap="none" lIns="0" tIns="0" rIns="0" bIns="0" rtlCol="0">
-                <a:spAutoFit/>
-              </a:bodyPr>
-              <a:lstStyle/>
-              <a:p>
-                <a:pPr/>
-                <a14:m>
-                  <m:oMathPara xmlns:m="http://schemas.openxmlformats.org/officeDocument/2006/math">
-                    <m:oMathParaPr>
-                      <m:jc m:val="centerGroup"/>
-                    </m:oMathParaPr>
-                    <m:oMath xmlns:m="http://schemas.openxmlformats.org/officeDocument/2006/math">
-                      <m:r>
-                        <a:rPr lang="en-US" sz="2000" b="0" i="1" smtClean="0">
-                          <a:latin typeface="Cambria Math" panose="02040503050406030204" pitchFamily="18" charset="0"/>
-                          <a:ea typeface="Cambria Math" panose="02040503050406030204" pitchFamily="18" charset="0"/>
-                        </a:rPr>
-                        <m:t>𝜇</m:t>
-                      </m:r>
-                      <m:r>
-                        <a:rPr lang="en-US" sz="2000" b="0" i="1" smtClean="0">
-                          <a:latin typeface="Cambria Math" panose="02040503050406030204" pitchFamily="18" charset="0"/>
-                        </a:rPr>
-                        <m:t>= </m:t>
-                      </m:r>
-                      <m:f>
-                        <m:fPr>
-                          <m:ctrlPr>
-                            <a:rPr lang="en-US" sz="2000" b="0" i="1" smtClean="0">
-                              <a:latin typeface="Cambria Math" panose="02040503050406030204" pitchFamily="18" charset="0"/>
-                            </a:rPr>
-                          </m:ctrlPr>
-                        </m:fPr>
-                        <m:num>
-                          <m:r>
-                            <a:rPr lang="en-US" sz="2000" b="0" i="1" smtClean="0">
-                              <a:latin typeface="Cambria Math" panose="02040503050406030204" pitchFamily="18" charset="0"/>
-                            </a:rPr>
-                            <m:t>1</m:t>
-                          </m:r>
-                        </m:num>
-                        <m:den>
-                          <m:r>
-                            <a:rPr lang="en-US" sz="2000" b="0" i="1" smtClean="0">
-                              <a:latin typeface="Cambria Math" panose="02040503050406030204" pitchFamily="18" charset="0"/>
-                            </a:rPr>
-                            <m:t>𝑁</m:t>
-                          </m:r>
-                        </m:den>
-                      </m:f>
-                      <m:nary>
-                        <m:naryPr>
-                          <m:chr m:val="∑"/>
-                          <m:ctrlPr>
-                            <a:rPr lang="en-US" sz="2000" b="0" i="1" smtClean="0">
-                              <a:latin typeface="Cambria Math" panose="02040503050406030204" pitchFamily="18" charset="0"/>
-                            </a:rPr>
-                          </m:ctrlPr>
-                        </m:naryPr>
-                        <m:sub>
-                          <m:r>
-                            <m:rPr>
-                              <m:brk m:alnAt="23"/>
-                            </m:rPr>
-                            <a:rPr lang="en-US" sz="2000" b="0" i="1" smtClean="0">
-                              <a:latin typeface="Cambria Math" panose="02040503050406030204" pitchFamily="18" charset="0"/>
-                            </a:rPr>
-                            <m:t>𝑖</m:t>
-                          </m:r>
-                          <m:r>
-                            <a:rPr lang="en-US" sz="2000" b="0" i="1" smtClean="0">
-                              <a:latin typeface="Cambria Math" panose="02040503050406030204" pitchFamily="18" charset="0"/>
-                            </a:rPr>
-                            <m:t>=1</m:t>
-                          </m:r>
-                        </m:sub>
-                        <m:sup>
-                          <m:r>
-                            <a:rPr lang="en-US" sz="2000" b="0" i="1" smtClean="0">
-                              <a:latin typeface="Cambria Math" panose="02040503050406030204" pitchFamily="18" charset="0"/>
-                            </a:rPr>
-                            <m:t>𝑁</m:t>
-                          </m:r>
-                        </m:sup>
-                        <m:e>
-                          <m:sSub>
-                            <m:sSubPr>
-                              <m:ctrlPr>
-                                <a:rPr lang="en-US" sz="2000" b="0" i="1" smtClean="0">
-                                  <a:latin typeface="Cambria Math" panose="02040503050406030204" pitchFamily="18" charset="0"/>
-                                </a:rPr>
-                              </m:ctrlPr>
-                            </m:sSubPr>
-                            <m:e>
-                              <m:r>
-                                <a:rPr lang="en-US" sz="2000" b="0" i="1" smtClean="0">
-                                  <a:latin typeface="Cambria Math" panose="02040503050406030204" pitchFamily="18" charset="0"/>
-                                </a:rPr>
-                                <m:t>𝑥</m:t>
-                              </m:r>
-                            </m:e>
-                            <m:sub>
-                              <m:r>
-                                <a:rPr lang="en-US" sz="2000" b="0" i="1" smtClean="0">
-                                  <a:latin typeface="Cambria Math" panose="02040503050406030204" pitchFamily="18" charset="0"/>
-                                </a:rPr>
-                                <m:t>𝑖</m:t>
-                              </m:r>
-                            </m:sub>
-                          </m:sSub>
-                        </m:e>
-                      </m:nary>
-                    </m:oMath>
-                  </m:oMathPara>
-                </a14:m>
-                <a:endParaRPr lang="en-US" sz="2000" b="0" dirty="0"/>
-              </a:p>
-              <a:p>
-                <a:endParaRPr lang="en-US" sz="1600" b="0" i="1" dirty="0">
-                  <a:latin typeface="Cambria Math" panose="02040503050406030204" pitchFamily="18" charset="0"/>
-                </a:endParaRPr>
-              </a:p>
-              <a:p>
-                <a:pPr/>
-                <a14:m>
-                  <m:oMathPara xmlns:m="http://schemas.openxmlformats.org/officeDocument/2006/math">
-                    <m:oMathParaPr>
-                      <m:jc m:val="centerGroup"/>
-                    </m:oMathParaPr>
-                    <m:oMath xmlns:m="http://schemas.openxmlformats.org/officeDocument/2006/math">
-                      <m:r>
-                        <a:rPr lang="en-US" sz="1600" b="0" i="1" smtClean="0">
-                          <a:latin typeface="Cambria Math" panose="02040503050406030204" pitchFamily="18" charset="0"/>
-                        </a:rPr>
-                        <m:t>𝑝</m:t>
-                      </m:r>
-                      <m:r>
-                        <a:rPr lang="en-US" sz="1600" i="1">
-                          <a:latin typeface="Cambria Math" panose="02040503050406030204" pitchFamily="18" charset="0"/>
-                        </a:rPr>
-                        <m:t>=</m:t>
-                      </m:r>
-                      <m:f>
-                        <m:fPr>
-                          <m:ctrlPr>
-                            <a:rPr lang="en-US" sz="1600" i="1">
-                              <a:latin typeface="Cambria Math" panose="02040503050406030204" pitchFamily="18" charset="0"/>
-                            </a:rPr>
-                          </m:ctrlPr>
-                        </m:fPr>
-                        <m:num>
-                          <m:r>
-                            <m:rPr>
-                              <m:sty m:val="p"/>
-                            </m:rPr>
-                            <a:rPr lang="en-US" sz="1600">
-                              <a:latin typeface="Cambria Math" panose="02040503050406030204" pitchFamily="18" charset="0"/>
-                            </a:rPr>
-                            <m:t>Number</m:t>
-                          </m:r>
-                          <m:r>
-                            <a:rPr lang="en-US" sz="1600">
-                              <a:latin typeface="Cambria Math" panose="02040503050406030204" pitchFamily="18" charset="0"/>
-                            </a:rPr>
-                            <m:t> </m:t>
-                          </m:r>
-                          <m:r>
-                            <m:rPr>
-                              <m:sty m:val="p"/>
-                            </m:rPr>
-                            <a:rPr lang="en-US" sz="1600">
-                              <a:latin typeface="Cambria Math" panose="02040503050406030204" pitchFamily="18" charset="0"/>
-                            </a:rPr>
-                            <m:t>of</m:t>
-                          </m:r>
-                          <m:r>
-                            <a:rPr lang="en-US" sz="1600">
-                              <a:latin typeface="Cambria Math" panose="02040503050406030204" pitchFamily="18" charset="0"/>
-                            </a:rPr>
-                            <m:t> </m:t>
-                          </m:r>
-                          <m:r>
-                            <m:rPr>
-                              <m:sty m:val="p"/>
-                            </m:rPr>
-                            <a:rPr lang="en-US" sz="1600">
-                              <a:latin typeface="Cambria Math" panose="02040503050406030204" pitchFamily="18" charset="0"/>
-                            </a:rPr>
-                            <m:t>objects</m:t>
-                          </m:r>
-                          <m:r>
-                            <a:rPr lang="en-US" sz="1600">
-                              <a:latin typeface="Cambria Math" panose="02040503050406030204" pitchFamily="18" charset="0"/>
-                            </a:rPr>
-                            <m:t> </m:t>
-                          </m:r>
-                          <m:r>
-                            <m:rPr>
-                              <m:sty m:val="p"/>
-                            </m:rPr>
-                            <a:rPr lang="en-US" sz="1600">
-                              <a:latin typeface="Cambria Math" panose="02040503050406030204" pitchFamily="18" charset="0"/>
-                            </a:rPr>
-                            <m:t>in</m:t>
-                          </m:r>
-                          <m:r>
-                            <a:rPr lang="en-US" sz="1600">
-                              <a:latin typeface="Cambria Math" panose="02040503050406030204" pitchFamily="18" charset="0"/>
-                            </a:rPr>
-                            <m:t> </m:t>
-                          </m:r>
-                          <m:r>
-                            <m:rPr>
-                              <m:sty m:val="p"/>
-                            </m:rPr>
-                            <a:rPr lang="en-US" sz="1600">
-                              <a:latin typeface="Cambria Math" panose="02040503050406030204" pitchFamily="18" charset="0"/>
-                            </a:rPr>
-                            <m:t>category</m:t>
-                          </m:r>
-                        </m:num>
-                        <m:den>
-                          <m:r>
-                            <a:rPr lang="en-US" sz="1600" b="0" i="1" smtClean="0">
-                              <a:latin typeface="Cambria Math" panose="02040503050406030204" pitchFamily="18" charset="0"/>
-                            </a:rPr>
-                            <m:t>𝑁</m:t>
-                          </m:r>
-                        </m:den>
-                      </m:f>
-                    </m:oMath>
-                  </m:oMathPara>
-                </a14:m>
-                <a:endParaRPr lang="en-US" sz="2800" dirty="0"/>
-              </a:p>
-            </p:txBody>
-          </p:sp>
-        </mc:Choice>
-        <mc:Fallback xmlns="">
-          <p:sp>
-            <p:nvSpPr>
-              <p:cNvPr id="9" name="TextBox 8">
-                <a:extLst>
-                  <a:ext uri="{FF2B5EF4-FFF2-40B4-BE49-F238E27FC236}">
-                    <a16:creationId xmlns:a16="http://schemas.microsoft.com/office/drawing/2014/main" id="{B733D296-CE0C-8B9E-040E-8C52B2653FEC}"/>
-                  </a:ext>
-                </a:extLst>
-              </p:cNvPr>
-              <p:cNvSpPr txBox="1">
-                <a:spLocks noRot="1" noChangeAspect="1" noMove="1" noResize="1" noEditPoints="1" noAdjustHandles="1" noChangeArrowheads="1" noChangeShapeType="1" noTextEdit="1"/>
-              </p:cNvSpPr>
-              <p:nvPr/>
-            </p:nvSpPr>
-            <p:spPr>
-              <a:xfrm>
-                <a:off x="7955493" y="1034969"/>
-                <a:ext cx="3092706" cy="1579856"/>
-              </a:xfrm>
-              <a:prstGeom prst="rect">
-                <a:avLst/>
-              </a:prstGeom>
-              <a:blipFill>
-                <a:blip r:embed="rId4"/>
-                <a:stretch>
-                  <a:fillRect/>
-                </a:stretch>
-              </a:blipFill>
-            </p:spPr>
-            <p:txBody>
-              <a:bodyPr/>
-              <a:lstStyle/>
-              <a:p>
-                <a:r>
-                  <a:rPr lang="en-US">
-                    <a:noFill/>
-                  </a:rPr>
-                  <a:t> </a:t>
-                </a:r>
-              </a:p>
-            </p:txBody>
-          </p:sp>
-        </mc:Fallback>
-      </mc:AlternateContent>
-      <p:sp>
-        <p:nvSpPr>
-          <p:cNvPr id="10" name="TextBox 9">
-            <a:extLst>
-              <a:ext uri="{FF2B5EF4-FFF2-40B4-BE49-F238E27FC236}">
-                <a16:creationId xmlns:a16="http://schemas.microsoft.com/office/drawing/2014/main" id="{BDBBFD04-48B7-49DB-CB8D-875BD6D1005B}"/>
-              </a:ext>
-            </a:extLst>
-          </p:cNvPr>
-          <p:cNvSpPr txBox="1"/>
-          <p:nvPr/>
-        </p:nvSpPr>
-        <p:spPr>
-          <a:xfrm>
-            <a:off x="9208738" y="544179"/>
-            <a:ext cx="1163524" cy="369332"/>
-          </a:xfrm>
-          <a:prstGeom prst="rect">
-            <a:avLst/>
-          </a:prstGeom>
-          <a:noFill/>
-        </p:spPr>
-        <p:txBody>
-          <a:bodyPr wrap="none" rtlCol="0">
-            <a:spAutoFit/>
-          </a:bodyPr>
-          <a:lstStyle/>
-          <a:p>
-            <a:r>
-              <a:rPr lang="en-US" dirty="0"/>
-              <a:t>Parameter</a:t>
-            </a:r>
-          </a:p>
-        </p:txBody>
-      </p:sp>
-      <p:sp>
-        <p:nvSpPr>
-          <p:cNvPr id="11" name="TextBox 10">
-            <a:extLst>
-              <a:ext uri="{FF2B5EF4-FFF2-40B4-BE49-F238E27FC236}">
-                <a16:creationId xmlns:a16="http://schemas.microsoft.com/office/drawing/2014/main" id="{E2F259E1-1347-CBCF-28DF-A34EDFD10CC8}"/>
-              </a:ext>
-            </a:extLst>
-          </p:cNvPr>
-          <p:cNvSpPr txBox="1"/>
-          <p:nvPr/>
-        </p:nvSpPr>
-        <p:spPr>
-          <a:xfrm>
-            <a:off x="9331624" y="3866527"/>
-            <a:ext cx="917752" cy="369332"/>
-          </a:xfrm>
-          <a:prstGeom prst="rect">
-            <a:avLst/>
-          </a:prstGeom>
-          <a:noFill/>
-        </p:spPr>
-        <p:txBody>
-          <a:bodyPr wrap="none" rtlCol="0">
-            <a:spAutoFit/>
-          </a:bodyPr>
-          <a:lstStyle/>
-          <a:p>
-            <a:r>
-              <a:rPr lang="en-US" dirty="0"/>
-              <a:t>Statistic</a:t>
-            </a:r>
-          </a:p>
-        </p:txBody>
-      </p:sp>
-    </p:spTree>
-    <p:extLst>
-      <p:ext uri="{BB962C8B-B14F-4D97-AF65-F5344CB8AC3E}">
-        <p14:creationId xmlns:p14="http://schemas.microsoft.com/office/powerpoint/2010/main" val="667614722"/>
-      </p:ext>
-    </p:extLst>
-  </p:cSld>
-  <p:clrMapOvr>
-    <a:masterClrMapping/>
-  </p:clrMapOvr>
-</p:sld>
-</file>
-
-<file path=ppt/slides/slide21.xml><?xml version="1.0" encoding="utf-8"?>
-<p:sld xmlns:a="http://schemas.openxmlformats.org/drawingml/2006/main" xmlns:r="http://schemas.openxmlformats.org/officeDocument/2006/relationships" xmlns:p="http://schemas.openxmlformats.org/presentationml/2006/main">
-  <p:cSld>
-    <p:bg>
-      <p:bgPr>
-        <a:solidFill>
-          <a:schemeClr val="bg1"/>
-        </a:solidFill>
-        <a:effectLst/>
-      </p:bgPr>
-    </p:bg>
-    <p:spTree>
-      <p:nvGrpSpPr>
-        <p:cNvPr id="1" name=""/>
-        <p:cNvGrpSpPr/>
-        <p:nvPr/>
-      </p:nvGrpSpPr>
-      <p:grpSpPr>
-        <a:xfrm>
-          <a:off x="0" y="0"/>
-          <a:ext cx="0" cy="0"/>
-          <a:chOff x="0" y="0"/>
-          <a:chExt cx="0" cy="0"/>
-        </a:xfrm>
-      </p:grpSpPr>
-      <p:sp useBgFill="1">
-        <p:nvSpPr>
-          <p:cNvPr id="25" name="Rectangle 24">
-            <a:extLst>
-              <a:ext uri="{FF2B5EF4-FFF2-40B4-BE49-F238E27FC236}">
-                <a16:creationId xmlns:a16="http://schemas.microsoft.com/office/drawing/2014/main" id="{45D37F4E-DDB4-456B-97E0-9937730A039F}"/>
-              </a:ext>
-              <a:ext uri="{C183D7F6-B498-43B3-948B-1728B52AA6E4}">
-                <adec:decorative xmlns:adec="http://schemas.microsoft.com/office/drawing/2017/decorative" val="1"/>
-              </a:ext>
-            </a:extLst>
-          </p:cNvPr>
-          <p:cNvSpPr>
-            <a:spLocks noGrp="1" noRot="1" noChangeAspect="1" noMove="1" noResize="1" noEditPoints="1" noAdjustHandles="1" noChangeArrowheads="1" noChangeShapeType="1" noTextEdit="1"/>
-          </p:cNvSpPr>
-          <p:nvPr>
-            <p:extLst>
-              <p:ext uri="{386F3935-93C4-4BCD-93E2-E3B085C9AB24}">
-                <p16:designElem xmlns:p16="http://schemas.microsoft.com/office/powerpoint/2015/main" val="1"/>
-              </p:ext>
-            </p:extLst>
-          </p:nvPr>
-        </p:nvSpPr>
-        <p:spPr>
-          <a:xfrm>
-            <a:off x="0" y="0"/>
-            <a:ext cx="12188952" cy="6858000"/>
-          </a:xfrm>
-          <a:prstGeom prst="rect">
-            <a:avLst/>
-          </a:prstGeom>
-          <a:ln>
-            <a:noFill/>
-          </a:ln>
-        </p:spPr>
-        <p:style>
-          <a:lnRef idx="2">
-            <a:schemeClr val="accent1">
-              <a:shade val="50000"/>
-            </a:schemeClr>
-          </a:lnRef>
-          <a:fillRef idx="1">
-            <a:schemeClr val="accent1"/>
-          </a:fillRef>
-          <a:effectRef idx="0">
-            <a:schemeClr val="accent1"/>
-          </a:effectRef>
-          <a:fontRef idx="minor">
-            <a:schemeClr val="lt1"/>
-          </a:fontRef>
-        </p:style>
-        <p:txBody>
-          <a:bodyPr rtlCol="0" anchor="ctr"/>
-          <a:lstStyle/>
-          <a:p>
-            <a:pPr algn="ctr"/>
-            <a:endParaRPr lang="en-US"/>
-          </a:p>
-        </p:txBody>
-      </p:sp>
-      <p:sp>
-        <p:nvSpPr>
-          <p:cNvPr id="2" name="Title 1">
-            <a:extLst>
-              <a:ext uri="{FF2B5EF4-FFF2-40B4-BE49-F238E27FC236}">
-                <a16:creationId xmlns:a16="http://schemas.microsoft.com/office/drawing/2014/main" id="{B439A765-E82A-A046-FB51-3BB63AADC3FD}"/>
-              </a:ext>
-            </a:extLst>
-          </p:cNvPr>
-          <p:cNvSpPr>
-            <a:spLocks noGrp="1"/>
-          </p:cNvSpPr>
-          <p:nvPr>
-            <p:ph type="title"/>
-          </p:nvPr>
-        </p:nvSpPr>
-        <p:spPr>
-          <a:xfrm>
-            <a:off x="572493" y="238539"/>
-            <a:ext cx="11018520" cy="1434415"/>
-          </a:xfrm>
-        </p:spPr>
-        <p:txBody>
-          <a:bodyPr anchor="b">
-            <a:normAutofit/>
-          </a:bodyPr>
-          <a:lstStyle/>
-          <a:p>
-            <a:r>
-              <a:rPr lang="en-US" sz="5400"/>
-              <a:t>Example: Gallup Pool</a:t>
-            </a:r>
-          </a:p>
-        </p:txBody>
-      </p:sp>
-      <p:sp>
-        <p:nvSpPr>
-          <p:cNvPr id="27" name="sketchy line">
-            <a:extLst>
-              <a:ext uri="{FF2B5EF4-FFF2-40B4-BE49-F238E27FC236}">
-                <a16:creationId xmlns:a16="http://schemas.microsoft.com/office/drawing/2014/main" id="{B2DD41CD-8F47-4F56-AD12-4E2FF7696987}"/>
-              </a:ext>
-              <a:ext uri="{C183D7F6-B498-43B3-948B-1728B52AA6E4}">
-                <adec:decorative xmlns:adec="http://schemas.microsoft.com/office/drawing/2017/decorative" val="1"/>
-              </a:ext>
-            </a:extLst>
-          </p:cNvPr>
-          <p:cNvSpPr>
-            <a:spLocks noGrp="1" noRot="1" noChangeAspect="1" noMove="1" noResize="1" noEditPoints="1" noAdjustHandles="1" noChangeArrowheads="1" noChangeShapeType="1" noTextEdit="1"/>
-          </p:cNvSpPr>
-          <p:nvPr>
-            <p:extLst>
-              <p:ext uri="{386F3935-93C4-4BCD-93E2-E3B085C9AB24}">
-                <p16:designElem xmlns:p16="http://schemas.microsoft.com/office/powerpoint/2015/main" val="1"/>
-              </p:ext>
-            </p:extLst>
-          </p:nvPr>
-        </p:nvSpPr>
-        <p:spPr>
-          <a:xfrm>
-            <a:off x="572493" y="1681544"/>
-            <a:ext cx="10972800" cy="18288"/>
-          </a:xfrm>
-          <a:custGeom>
-            <a:avLst/>
-            <a:gdLst>
-              <a:gd name="connsiteX0" fmla="*/ 0 w 10972800"/>
-              <a:gd name="connsiteY0" fmla="*/ 0 h 18288"/>
-              <a:gd name="connsiteX1" fmla="*/ 356616 w 10972800"/>
-              <a:gd name="connsiteY1" fmla="*/ 0 h 18288"/>
-              <a:gd name="connsiteX2" fmla="*/ 1042416 w 10972800"/>
-              <a:gd name="connsiteY2" fmla="*/ 0 h 18288"/>
-              <a:gd name="connsiteX3" fmla="*/ 1947672 w 10972800"/>
-              <a:gd name="connsiteY3" fmla="*/ 0 h 18288"/>
-              <a:gd name="connsiteX4" fmla="*/ 2633472 w 10972800"/>
-              <a:gd name="connsiteY4" fmla="*/ 0 h 18288"/>
-              <a:gd name="connsiteX5" fmla="*/ 2990088 w 10972800"/>
-              <a:gd name="connsiteY5" fmla="*/ 0 h 18288"/>
-              <a:gd name="connsiteX6" fmla="*/ 3456432 w 10972800"/>
-              <a:gd name="connsiteY6" fmla="*/ 0 h 18288"/>
-              <a:gd name="connsiteX7" fmla="*/ 4361688 w 10972800"/>
-              <a:gd name="connsiteY7" fmla="*/ 0 h 18288"/>
-              <a:gd name="connsiteX8" fmla="*/ 5266944 w 10972800"/>
-              <a:gd name="connsiteY8" fmla="*/ 0 h 18288"/>
-              <a:gd name="connsiteX9" fmla="*/ 6172200 w 10972800"/>
-              <a:gd name="connsiteY9" fmla="*/ 0 h 18288"/>
-              <a:gd name="connsiteX10" fmla="*/ 6528816 w 10972800"/>
-              <a:gd name="connsiteY10" fmla="*/ 0 h 18288"/>
-              <a:gd name="connsiteX11" fmla="*/ 7214616 w 10972800"/>
-              <a:gd name="connsiteY11" fmla="*/ 0 h 18288"/>
-              <a:gd name="connsiteX12" fmla="*/ 7790688 w 10972800"/>
-              <a:gd name="connsiteY12" fmla="*/ 0 h 18288"/>
-              <a:gd name="connsiteX13" fmla="*/ 8147304 w 10972800"/>
-              <a:gd name="connsiteY13" fmla="*/ 0 h 18288"/>
-              <a:gd name="connsiteX14" fmla="*/ 9052560 w 10972800"/>
-              <a:gd name="connsiteY14" fmla="*/ 0 h 18288"/>
-              <a:gd name="connsiteX15" fmla="*/ 9409176 w 10972800"/>
-              <a:gd name="connsiteY15" fmla="*/ 0 h 18288"/>
-              <a:gd name="connsiteX16" fmla="*/ 9765792 w 10972800"/>
-              <a:gd name="connsiteY16" fmla="*/ 0 h 18288"/>
-              <a:gd name="connsiteX17" fmla="*/ 10341864 w 10972800"/>
-              <a:gd name="connsiteY17" fmla="*/ 0 h 18288"/>
-              <a:gd name="connsiteX18" fmla="*/ 10972800 w 10972800"/>
-              <a:gd name="connsiteY18" fmla="*/ 0 h 18288"/>
-              <a:gd name="connsiteX19" fmla="*/ 10972800 w 10972800"/>
-              <a:gd name="connsiteY19" fmla="*/ 18288 h 18288"/>
-              <a:gd name="connsiteX20" fmla="*/ 10177272 w 10972800"/>
-              <a:gd name="connsiteY20" fmla="*/ 18288 h 18288"/>
-              <a:gd name="connsiteX21" fmla="*/ 9820656 w 10972800"/>
-              <a:gd name="connsiteY21" fmla="*/ 18288 h 18288"/>
-              <a:gd name="connsiteX22" fmla="*/ 9464040 w 10972800"/>
-              <a:gd name="connsiteY22" fmla="*/ 18288 h 18288"/>
-              <a:gd name="connsiteX23" fmla="*/ 8778240 w 10972800"/>
-              <a:gd name="connsiteY23" fmla="*/ 18288 h 18288"/>
-              <a:gd name="connsiteX24" fmla="*/ 8421624 w 10972800"/>
-              <a:gd name="connsiteY24" fmla="*/ 18288 h 18288"/>
-              <a:gd name="connsiteX25" fmla="*/ 7735824 w 10972800"/>
-              <a:gd name="connsiteY25" fmla="*/ 18288 h 18288"/>
-              <a:gd name="connsiteX26" fmla="*/ 6940296 w 10972800"/>
-              <a:gd name="connsiteY26" fmla="*/ 18288 h 18288"/>
-              <a:gd name="connsiteX27" fmla="*/ 6254496 w 10972800"/>
-              <a:gd name="connsiteY27" fmla="*/ 18288 h 18288"/>
-              <a:gd name="connsiteX28" fmla="*/ 5458968 w 10972800"/>
-              <a:gd name="connsiteY28" fmla="*/ 18288 h 18288"/>
-              <a:gd name="connsiteX29" fmla="*/ 4663440 w 10972800"/>
-              <a:gd name="connsiteY29" fmla="*/ 18288 h 18288"/>
-              <a:gd name="connsiteX30" fmla="*/ 4306824 w 10972800"/>
-              <a:gd name="connsiteY30" fmla="*/ 18288 h 18288"/>
-              <a:gd name="connsiteX31" fmla="*/ 3840480 w 10972800"/>
-              <a:gd name="connsiteY31" fmla="*/ 18288 h 18288"/>
-              <a:gd name="connsiteX32" fmla="*/ 3264408 w 10972800"/>
-              <a:gd name="connsiteY32" fmla="*/ 18288 h 18288"/>
-              <a:gd name="connsiteX33" fmla="*/ 2578608 w 10972800"/>
-              <a:gd name="connsiteY33" fmla="*/ 18288 h 18288"/>
-              <a:gd name="connsiteX34" fmla="*/ 1673352 w 10972800"/>
-              <a:gd name="connsiteY34" fmla="*/ 18288 h 18288"/>
-              <a:gd name="connsiteX35" fmla="*/ 877824 w 10972800"/>
-              <a:gd name="connsiteY35" fmla="*/ 18288 h 18288"/>
-              <a:gd name="connsiteX36" fmla="*/ 0 w 10972800"/>
-              <a:gd name="connsiteY36" fmla="*/ 18288 h 18288"/>
-              <a:gd name="connsiteX37" fmla="*/ 0 w 10972800"/>
-              <a:gd name="connsiteY37" fmla="*/ 0 h 18288"/>
-            </a:gdLst>
-            <a:ahLst/>
-            <a:cxnLst>
-              <a:cxn ang="0">
-                <a:pos x="connsiteX0" y="connsiteY0"/>
-              </a:cxn>
-              <a:cxn ang="0">
-                <a:pos x="connsiteX1" y="connsiteY1"/>
-              </a:cxn>
-              <a:cxn ang="0">
-                <a:pos x="connsiteX2" y="connsiteY2"/>
-              </a:cxn>
-              <a:cxn ang="0">
-                <a:pos x="connsiteX3" y="connsiteY3"/>
-              </a:cxn>
-              <a:cxn ang="0">
-                <a:pos x="connsiteX4" y="connsiteY4"/>
-              </a:cxn>
-              <a:cxn ang="0">
-                <a:pos x="connsiteX5" y="connsiteY5"/>
-              </a:cxn>
-              <a:cxn ang="0">
-                <a:pos x="connsiteX6" y="connsiteY6"/>
-              </a:cxn>
-              <a:cxn ang="0">
-                <a:pos x="connsiteX7" y="connsiteY7"/>
-              </a:cxn>
-              <a:cxn ang="0">
-                <a:pos x="connsiteX8" y="connsiteY8"/>
-              </a:cxn>
-              <a:cxn ang="0">
-                <a:pos x="connsiteX9" y="connsiteY9"/>
-              </a:cxn>
-              <a:cxn ang="0">
-                <a:pos x="connsiteX10" y="connsiteY10"/>
-              </a:cxn>
-              <a:cxn ang="0">
-                <a:pos x="connsiteX11" y="connsiteY11"/>
-              </a:cxn>
-              <a:cxn ang="0">
-                <a:pos x="connsiteX12" y="connsiteY12"/>
-              </a:cxn>
-              <a:cxn ang="0">
-                <a:pos x="connsiteX13" y="connsiteY13"/>
-              </a:cxn>
-              <a:cxn ang="0">
-                <a:pos x="connsiteX14" y="connsiteY14"/>
-              </a:cxn>
-              <a:cxn ang="0">
-                <a:pos x="connsiteX15" y="connsiteY15"/>
-              </a:cxn>
-              <a:cxn ang="0">
-                <a:pos x="connsiteX16" y="connsiteY16"/>
-              </a:cxn>
-              <a:cxn ang="0">
-                <a:pos x="connsiteX17" y="connsiteY17"/>
-              </a:cxn>
-              <a:cxn ang="0">
-                <a:pos x="connsiteX18" y="connsiteY18"/>
-              </a:cxn>
-              <a:cxn ang="0">
-                <a:pos x="connsiteX19" y="connsiteY19"/>
-              </a:cxn>
-              <a:cxn ang="0">
-                <a:pos x="connsiteX20" y="connsiteY20"/>
-              </a:cxn>
-              <a:cxn ang="0">
-                <a:pos x="connsiteX21" y="connsiteY21"/>
-              </a:cxn>
-              <a:cxn ang="0">
-                <a:pos x="connsiteX22" y="connsiteY22"/>
-              </a:cxn>
-              <a:cxn ang="0">
-                <a:pos x="connsiteX23" y="connsiteY23"/>
-              </a:cxn>
-              <a:cxn ang="0">
-                <a:pos x="connsiteX24" y="connsiteY24"/>
-              </a:cxn>
-              <a:cxn ang="0">
-                <a:pos x="connsiteX25" y="connsiteY25"/>
-              </a:cxn>
-              <a:cxn ang="0">
-                <a:pos x="connsiteX26" y="connsiteY26"/>
-              </a:cxn>
-              <a:cxn ang="0">
-                <a:pos x="connsiteX27" y="connsiteY27"/>
-              </a:cxn>
-              <a:cxn ang="0">
-                <a:pos x="connsiteX28" y="connsiteY28"/>
-              </a:cxn>
-              <a:cxn ang="0">
-                <a:pos x="connsiteX29" y="connsiteY29"/>
-              </a:cxn>
-              <a:cxn ang="0">
-                <a:pos x="connsiteX30" y="connsiteY30"/>
-              </a:cxn>
-              <a:cxn ang="0">
-                <a:pos x="connsiteX31" y="connsiteY31"/>
-              </a:cxn>
-              <a:cxn ang="0">
-                <a:pos x="connsiteX32" y="connsiteY32"/>
-              </a:cxn>
-              <a:cxn ang="0">
-                <a:pos x="connsiteX33" y="connsiteY33"/>
-              </a:cxn>
-              <a:cxn ang="0">
-                <a:pos x="connsiteX34" y="connsiteY34"/>
-              </a:cxn>
-              <a:cxn ang="0">
-                <a:pos x="connsiteX35" y="connsiteY35"/>
-              </a:cxn>
-              <a:cxn ang="0">
-                <a:pos x="connsiteX36" y="connsiteY36"/>
-              </a:cxn>
-              <a:cxn ang="0">
-                <a:pos x="connsiteX37" y="connsiteY37"/>
-              </a:cxn>
-            </a:cxnLst>
-            <a:rect l="l" t="t" r="r" b="b"/>
-            <a:pathLst>
-              <a:path w="10972800" h="18288" fill="none" extrusionOk="0">
-                <a:moveTo>
-                  <a:pt x="0" y="0"/>
-                </a:moveTo>
-                <a:cubicBezTo>
-                  <a:pt x="165916" y="-1866"/>
-                  <a:pt x="188720" y="13756"/>
-                  <a:pt x="356616" y="0"/>
-                </a:cubicBezTo>
-                <a:cubicBezTo>
-                  <a:pt x="524512" y="-13756"/>
-                  <a:pt x="734781" y="8922"/>
-                  <a:pt x="1042416" y="0"/>
-                </a:cubicBezTo>
-                <a:cubicBezTo>
-                  <a:pt x="1350051" y="-8922"/>
-                  <a:pt x="1595982" y="-26315"/>
-                  <a:pt x="1947672" y="0"/>
-                </a:cubicBezTo>
-                <a:cubicBezTo>
-                  <a:pt x="2299362" y="26315"/>
-                  <a:pt x="2292691" y="-19526"/>
-                  <a:pt x="2633472" y="0"/>
-                </a:cubicBezTo>
-                <a:cubicBezTo>
-                  <a:pt x="2974253" y="19526"/>
-                  <a:pt x="2857309" y="10773"/>
-                  <a:pt x="2990088" y="0"/>
-                </a:cubicBezTo>
-                <a:cubicBezTo>
-                  <a:pt x="3122867" y="-10773"/>
-                  <a:pt x="3359343" y="7194"/>
-                  <a:pt x="3456432" y="0"/>
-                </a:cubicBezTo>
-                <a:cubicBezTo>
-                  <a:pt x="3553521" y="-7194"/>
-                  <a:pt x="4136258" y="5108"/>
-                  <a:pt x="4361688" y="0"/>
-                </a:cubicBezTo>
-                <a:cubicBezTo>
-                  <a:pt x="4587118" y="-5108"/>
-                  <a:pt x="4992424" y="-42958"/>
-                  <a:pt x="5266944" y="0"/>
-                </a:cubicBezTo>
-                <a:cubicBezTo>
-                  <a:pt x="5541464" y="42958"/>
-                  <a:pt x="5882966" y="-3430"/>
-                  <a:pt x="6172200" y="0"/>
-                </a:cubicBezTo>
-                <a:cubicBezTo>
-                  <a:pt x="6461434" y="3430"/>
-                  <a:pt x="6432127" y="6688"/>
-                  <a:pt x="6528816" y="0"/>
-                </a:cubicBezTo>
-                <a:cubicBezTo>
-                  <a:pt x="6625505" y="-6688"/>
-                  <a:pt x="6916805" y="-436"/>
-                  <a:pt x="7214616" y="0"/>
-                </a:cubicBezTo>
-                <a:cubicBezTo>
-                  <a:pt x="7512427" y="436"/>
-                  <a:pt x="7626159" y="-6909"/>
-                  <a:pt x="7790688" y="0"/>
-                </a:cubicBezTo>
-                <a:cubicBezTo>
-                  <a:pt x="7955217" y="6909"/>
-                  <a:pt x="8048891" y="15307"/>
-                  <a:pt x="8147304" y="0"/>
-                </a:cubicBezTo>
-                <a:cubicBezTo>
-                  <a:pt x="8245717" y="-15307"/>
-                  <a:pt x="8645618" y="-11734"/>
-                  <a:pt x="9052560" y="0"/>
-                </a:cubicBezTo>
-                <a:cubicBezTo>
-                  <a:pt x="9459502" y="11734"/>
-                  <a:pt x="9320584" y="8388"/>
-                  <a:pt x="9409176" y="0"/>
-                </a:cubicBezTo>
-                <a:cubicBezTo>
-                  <a:pt x="9497768" y="-8388"/>
-                  <a:pt x="9644192" y="8379"/>
-                  <a:pt x="9765792" y="0"/>
-                </a:cubicBezTo>
-                <a:cubicBezTo>
-                  <a:pt x="9887392" y="-8379"/>
-                  <a:pt x="10105220" y="-12663"/>
-                  <a:pt x="10341864" y="0"/>
-                </a:cubicBezTo>
-                <a:cubicBezTo>
-                  <a:pt x="10578508" y="12663"/>
-                  <a:pt x="10773103" y="-5786"/>
-                  <a:pt x="10972800" y="0"/>
-                </a:cubicBezTo>
-                <a:cubicBezTo>
-                  <a:pt x="10972146" y="8818"/>
-                  <a:pt x="10972240" y="13823"/>
-                  <a:pt x="10972800" y="18288"/>
-                </a:cubicBezTo>
-                <a:cubicBezTo>
-                  <a:pt x="10588778" y="31598"/>
-                  <a:pt x="10543381" y="-12698"/>
-                  <a:pt x="10177272" y="18288"/>
-                </a:cubicBezTo>
-                <a:cubicBezTo>
-                  <a:pt x="9811163" y="49274"/>
-                  <a:pt x="9996817" y="25662"/>
-                  <a:pt x="9820656" y="18288"/>
-                </a:cubicBezTo>
-                <a:cubicBezTo>
-                  <a:pt x="9644495" y="10914"/>
-                  <a:pt x="9607007" y="31631"/>
-                  <a:pt x="9464040" y="18288"/>
-                </a:cubicBezTo>
-                <a:cubicBezTo>
-                  <a:pt x="9321073" y="4945"/>
-                  <a:pt x="9114189" y="28940"/>
-                  <a:pt x="8778240" y="18288"/>
-                </a:cubicBezTo>
-                <a:cubicBezTo>
-                  <a:pt x="8442291" y="7636"/>
-                  <a:pt x="8594763" y="987"/>
-                  <a:pt x="8421624" y="18288"/>
-                </a:cubicBezTo>
-                <a:cubicBezTo>
-                  <a:pt x="8248485" y="35589"/>
-                  <a:pt x="7929515" y="37573"/>
-                  <a:pt x="7735824" y="18288"/>
-                </a:cubicBezTo>
-                <a:cubicBezTo>
-                  <a:pt x="7542133" y="-997"/>
-                  <a:pt x="7252504" y="33858"/>
-                  <a:pt x="6940296" y="18288"/>
-                </a:cubicBezTo>
-                <a:cubicBezTo>
-                  <a:pt x="6628088" y="2718"/>
-                  <a:pt x="6528503" y="48389"/>
-                  <a:pt x="6254496" y="18288"/>
-                </a:cubicBezTo>
-                <a:cubicBezTo>
-                  <a:pt x="5980489" y="-11813"/>
-                  <a:pt x="5695784" y="-3740"/>
-                  <a:pt x="5458968" y="18288"/>
-                </a:cubicBezTo>
-                <a:cubicBezTo>
-                  <a:pt x="5222152" y="40316"/>
-                  <a:pt x="5010751" y="19095"/>
-                  <a:pt x="4663440" y="18288"/>
-                </a:cubicBezTo>
-                <a:cubicBezTo>
-                  <a:pt x="4316129" y="17481"/>
-                  <a:pt x="4425552" y="1606"/>
-                  <a:pt x="4306824" y="18288"/>
-                </a:cubicBezTo>
-                <a:cubicBezTo>
-                  <a:pt x="4188096" y="34970"/>
-                  <a:pt x="3941535" y="7481"/>
-                  <a:pt x="3840480" y="18288"/>
-                </a:cubicBezTo>
-                <a:cubicBezTo>
-                  <a:pt x="3739425" y="29095"/>
-                  <a:pt x="3402388" y="17641"/>
-                  <a:pt x="3264408" y="18288"/>
-                </a:cubicBezTo>
-                <a:cubicBezTo>
-                  <a:pt x="3126428" y="18935"/>
-                  <a:pt x="2776779" y="9983"/>
-                  <a:pt x="2578608" y="18288"/>
-                </a:cubicBezTo>
-                <a:cubicBezTo>
-                  <a:pt x="2380437" y="26593"/>
-                  <a:pt x="1909468" y="25818"/>
-                  <a:pt x="1673352" y="18288"/>
-                </a:cubicBezTo>
-                <a:cubicBezTo>
-                  <a:pt x="1437236" y="10758"/>
-                  <a:pt x="1131180" y="49884"/>
-                  <a:pt x="877824" y="18288"/>
-                </a:cubicBezTo>
-                <a:cubicBezTo>
-                  <a:pt x="624468" y="-13308"/>
-                  <a:pt x="206753" y="2195"/>
-                  <a:pt x="0" y="18288"/>
-                </a:cubicBezTo>
-                <a:cubicBezTo>
-                  <a:pt x="313" y="10654"/>
-                  <a:pt x="-263" y="4056"/>
-                  <a:pt x="0" y="0"/>
-                </a:cubicBezTo>
-                <a:close/>
-              </a:path>
-              <a:path w="10972800" h="18288" stroke="0" extrusionOk="0">
-                <a:moveTo>
-                  <a:pt x="0" y="0"/>
-                </a:moveTo>
-                <a:cubicBezTo>
-                  <a:pt x="164017" y="-17675"/>
-                  <a:pt x="309425" y="9913"/>
-                  <a:pt x="466344" y="0"/>
-                </a:cubicBezTo>
-                <a:cubicBezTo>
-                  <a:pt x="623263" y="-9913"/>
-                  <a:pt x="659300" y="-14524"/>
-                  <a:pt x="822960" y="0"/>
-                </a:cubicBezTo>
-                <a:cubicBezTo>
-                  <a:pt x="986620" y="14524"/>
-                  <a:pt x="1105222" y="-16481"/>
-                  <a:pt x="1289304" y="0"/>
-                </a:cubicBezTo>
-                <a:cubicBezTo>
-                  <a:pt x="1473386" y="16481"/>
-                  <a:pt x="1693223" y="26161"/>
-                  <a:pt x="1975104" y="0"/>
-                </a:cubicBezTo>
-                <a:cubicBezTo>
-                  <a:pt x="2256985" y="-26161"/>
-                  <a:pt x="2435781" y="23061"/>
-                  <a:pt x="2770632" y="0"/>
-                </a:cubicBezTo>
-                <a:cubicBezTo>
-                  <a:pt x="3105483" y="-23061"/>
-                  <a:pt x="3247479" y="-44011"/>
-                  <a:pt x="3675888" y="0"/>
-                </a:cubicBezTo>
-                <a:cubicBezTo>
-                  <a:pt x="4104297" y="44011"/>
-                  <a:pt x="4280918" y="4017"/>
-                  <a:pt x="4581144" y="0"/>
-                </a:cubicBezTo>
-                <a:cubicBezTo>
-                  <a:pt x="4881370" y="-4017"/>
-                  <a:pt x="5021699" y="-11889"/>
-                  <a:pt x="5157216" y="0"/>
-                </a:cubicBezTo>
-                <a:cubicBezTo>
-                  <a:pt x="5292733" y="11889"/>
-                  <a:pt x="5603398" y="-17698"/>
-                  <a:pt x="5952744" y="0"/>
-                </a:cubicBezTo>
-                <a:cubicBezTo>
-                  <a:pt x="6302090" y="17698"/>
-                  <a:pt x="6353093" y="-11909"/>
-                  <a:pt x="6638544" y="0"/>
-                </a:cubicBezTo>
-                <a:cubicBezTo>
-                  <a:pt x="6923995" y="11909"/>
-                  <a:pt x="7053404" y="21630"/>
-                  <a:pt x="7214616" y="0"/>
-                </a:cubicBezTo>
-                <a:cubicBezTo>
-                  <a:pt x="7375828" y="-21630"/>
-                  <a:pt x="7837963" y="3886"/>
-                  <a:pt x="8010144" y="0"/>
-                </a:cubicBezTo>
-                <a:cubicBezTo>
-                  <a:pt x="8182325" y="-3886"/>
-                  <a:pt x="8224183" y="16009"/>
-                  <a:pt x="8366760" y="0"/>
-                </a:cubicBezTo>
-                <a:cubicBezTo>
-                  <a:pt x="8509337" y="-16009"/>
-                  <a:pt x="8687920" y="-5720"/>
-                  <a:pt x="8942832" y="0"/>
-                </a:cubicBezTo>
-                <a:cubicBezTo>
-                  <a:pt x="9197744" y="5720"/>
-                  <a:pt x="9368437" y="20479"/>
-                  <a:pt x="9628632" y="0"/>
-                </a:cubicBezTo>
-                <a:cubicBezTo>
-                  <a:pt x="9888827" y="-20479"/>
-                  <a:pt x="10560858" y="-20746"/>
-                  <a:pt x="10972800" y="0"/>
-                </a:cubicBezTo>
-                <a:cubicBezTo>
-                  <a:pt x="10972186" y="5722"/>
-                  <a:pt x="10972980" y="12495"/>
-                  <a:pt x="10972800" y="18288"/>
-                </a:cubicBezTo>
-                <a:cubicBezTo>
-                  <a:pt x="10786146" y="12536"/>
-                  <a:pt x="10623717" y="14033"/>
-                  <a:pt x="10506456" y="18288"/>
-                </a:cubicBezTo>
-                <a:cubicBezTo>
-                  <a:pt x="10389195" y="22543"/>
-                  <a:pt x="10296178" y="20107"/>
-                  <a:pt x="10149840" y="18288"/>
-                </a:cubicBezTo>
-                <a:cubicBezTo>
-                  <a:pt x="10003502" y="16469"/>
-                  <a:pt x="9767530" y="28891"/>
-                  <a:pt x="9464040" y="18288"/>
-                </a:cubicBezTo>
-                <a:cubicBezTo>
-                  <a:pt x="9160550" y="7685"/>
-                  <a:pt x="9229050" y="2659"/>
-                  <a:pt x="8997696" y="18288"/>
-                </a:cubicBezTo>
-                <a:cubicBezTo>
-                  <a:pt x="8766342" y="33917"/>
-                  <a:pt x="8340136" y="34864"/>
-                  <a:pt x="8092440" y="18288"/>
-                </a:cubicBezTo>
-                <a:cubicBezTo>
-                  <a:pt x="7844744" y="1712"/>
-                  <a:pt x="7863720" y="27405"/>
-                  <a:pt x="7735824" y="18288"/>
-                </a:cubicBezTo>
-                <a:cubicBezTo>
-                  <a:pt x="7607928" y="9171"/>
-                  <a:pt x="7323619" y="461"/>
-                  <a:pt x="7050024" y="18288"/>
-                </a:cubicBezTo>
-                <a:cubicBezTo>
-                  <a:pt x="6776429" y="36115"/>
-                  <a:pt x="6787899" y="28206"/>
-                  <a:pt x="6693408" y="18288"/>
-                </a:cubicBezTo>
-                <a:cubicBezTo>
-                  <a:pt x="6598917" y="8370"/>
-                  <a:pt x="6395231" y="19114"/>
-                  <a:pt x="6227064" y="18288"/>
-                </a:cubicBezTo>
-                <a:cubicBezTo>
-                  <a:pt x="6058897" y="17462"/>
-                  <a:pt x="5618582" y="1091"/>
-                  <a:pt x="5431536" y="18288"/>
-                </a:cubicBezTo>
-                <a:cubicBezTo>
-                  <a:pt x="5244490" y="35485"/>
-                  <a:pt x="4729797" y="-9650"/>
-                  <a:pt x="4526280" y="18288"/>
-                </a:cubicBezTo>
-                <a:cubicBezTo>
-                  <a:pt x="4322763" y="46226"/>
-                  <a:pt x="4216797" y="756"/>
-                  <a:pt x="4059936" y="18288"/>
-                </a:cubicBezTo>
-                <a:cubicBezTo>
-                  <a:pt x="3903075" y="35820"/>
-                  <a:pt x="3537912" y="42098"/>
-                  <a:pt x="3374136" y="18288"/>
-                </a:cubicBezTo>
-                <a:cubicBezTo>
-                  <a:pt x="3210360" y="-5522"/>
-                  <a:pt x="3126842" y="39135"/>
-                  <a:pt x="2907792" y="18288"/>
-                </a:cubicBezTo>
-                <a:cubicBezTo>
-                  <a:pt x="2688742" y="-2559"/>
-                  <a:pt x="2490436" y="34100"/>
-                  <a:pt x="2112264" y="18288"/>
-                </a:cubicBezTo>
-                <a:cubicBezTo>
-                  <a:pt x="1734092" y="2476"/>
-                  <a:pt x="1744622" y="-7274"/>
-                  <a:pt x="1536192" y="18288"/>
-                </a:cubicBezTo>
-                <a:cubicBezTo>
-                  <a:pt x="1327762" y="43850"/>
-                  <a:pt x="1189025" y="6435"/>
-                  <a:pt x="1069848" y="18288"/>
-                </a:cubicBezTo>
-                <a:cubicBezTo>
-                  <a:pt x="950671" y="30141"/>
-                  <a:pt x="858345" y="33684"/>
-                  <a:pt x="713232" y="18288"/>
-                </a:cubicBezTo>
-                <a:cubicBezTo>
-                  <a:pt x="568119" y="2892"/>
-                  <a:pt x="250292" y="5410"/>
-                  <a:pt x="0" y="18288"/>
-                </a:cubicBezTo>
-                <a:cubicBezTo>
-                  <a:pt x="465" y="13062"/>
-                  <a:pt x="-894" y="9029"/>
-                  <a:pt x="0" y="0"/>
-                </a:cubicBezTo>
-                <a:close/>
-              </a:path>
-            </a:pathLst>
-          </a:custGeom>
-          <a:solidFill>
-            <a:schemeClr val="accent2">
-              <a:alpha val="75000"/>
-            </a:schemeClr>
-          </a:solidFill>
-          <a:ln w="44450" cap="rnd">
-            <a:solidFill>
-              <a:schemeClr val="accent2">
-                <a:alpha val="75000"/>
-              </a:schemeClr>
-            </a:solidFill>
-            <a:round/>
-            <a:extLst>
-              <a:ext uri="{C807C97D-BFC1-408E-A445-0C87EB9F89A2}">
-                <ask:lineSketchStyleProps xmlns:ask="http://schemas.microsoft.com/office/drawing/2018/sketchyshapes" sd="2727557108">
-                  <a:prstGeom prst="rect">
-                    <a:avLst/>
-                  </a:prstGeom>
-                  <ask:type>
-                    <ask:lineSketchFreehand/>
-                  </ask:type>
-                </ask:lineSketchStyleProps>
-              </a:ext>
-            </a:extLst>
-          </a:ln>
-        </p:spPr>
-        <p:style>
-          <a:lnRef idx="2">
-            <a:schemeClr val="accent1">
-              <a:shade val="50000"/>
-            </a:schemeClr>
-          </a:lnRef>
-          <a:fillRef idx="1">
-            <a:schemeClr val="accent1"/>
-          </a:fillRef>
-          <a:effectRef idx="0">
-            <a:schemeClr val="accent1"/>
-          </a:effectRef>
-          <a:fontRef idx="minor">
-            <a:schemeClr val="lt1"/>
-          </a:fontRef>
-        </p:style>
-        <p:txBody>
-          <a:bodyPr rtlCol="0" anchor="ctr"/>
-          <a:lstStyle/>
-          <a:p>
-            <a:pPr algn="ctr"/>
-            <a:endParaRPr lang="en-US"/>
-          </a:p>
-        </p:txBody>
-      </p:sp>
-      <p:sp>
-        <p:nvSpPr>
-          <p:cNvPr id="3" name="Content Placeholder 2">
-            <a:extLst>
-              <a:ext uri="{FF2B5EF4-FFF2-40B4-BE49-F238E27FC236}">
-                <a16:creationId xmlns:a16="http://schemas.microsoft.com/office/drawing/2014/main" id="{98F68FD7-59F0-F2AD-9F4E-8CCEE48246DD}"/>
-              </a:ext>
-            </a:extLst>
-          </p:cNvPr>
-          <p:cNvSpPr>
-            <a:spLocks noGrp="1"/>
-          </p:cNvSpPr>
-          <p:nvPr>
-            <p:ph idx="1"/>
-          </p:nvPr>
-        </p:nvSpPr>
-        <p:spPr>
-          <a:xfrm>
-            <a:off x="572493" y="2071316"/>
-            <a:ext cx="6713552" cy="4119172"/>
-          </a:xfrm>
-        </p:spPr>
-        <p:txBody>
-          <a:bodyPr anchor="t">
-            <a:normAutofit fontScale="92500" lnSpcReduction="10000"/>
-          </a:bodyPr>
-          <a:lstStyle/>
-          <a:p>
-            <a:r>
-              <a:rPr lang="en-US" sz="1900" dirty="0"/>
-              <a:t>On April 20, 2010, one of the worst environmental disasters took place in the Gulf of Mexico when the Deepwater Horizon offshore oil rig exploded. </a:t>
-            </a:r>
-          </a:p>
-          <a:p>
-            <a:r>
-              <a:rPr lang="en-US" sz="1900" dirty="0"/>
-              <a:t>In response to the spill, many activists called for an end to offshore drilling for oil. </a:t>
-            </a:r>
-          </a:p>
-          <a:p>
-            <a:r>
-              <a:rPr lang="en-US" sz="1900" dirty="0"/>
-              <a:t>Almost nine months later, turbulence in the middle east caused the price of oil to surge to an all-time high. </a:t>
-            </a:r>
-          </a:p>
-          <a:p>
-            <a:r>
-              <a:rPr lang="en-US" sz="1900" dirty="0"/>
-              <a:t>In March 2011, Gallup conducted a survey and found that 60% of Americans favored offshore drilling as means to reduce U.S dependence on foreign oil.</a:t>
-            </a:r>
-          </a:p>
-          <a:p>
-            <a:r>
-              <a:rPr lang="en-US" sz="1900" dirty="0"/>
-              <a:t>The poll was based on interviews with 1,021 adults aged 18 and older, living in the continental U.S, and selected using random digit dialing. </a:t>
-            </a:r>
-          </a:p>
-          <a:p>
-            <a:r>
-              <a:rPr lang="en-US" sz="1900" b="1" dirty="0"/>
-              <a:t>What is the population under study, and what is the population parameter being estimated? What is the sample statistic ?</a:t>
-            </a:r>
-          </a:p>
-        </p:txBody>
-      </p:sp>
-      <p:pic>
-        <p:nvPicPr>
-          <p:cNvPr id="5" name="Picture 4" descr="A fire on the water&#10;&#10;Description automatically generated">
-            <a:extLst>
-              <a:ext uri="{FF2B5EF4-FFF2-40B4-BE49-F238E27FC236}">
-                <a16:creationId xmlns:a16="http://schemas.microsoft.com/office/drawing/2014/main" id="{5ECC1A06-0FDF-AF1C-F302-54F0D101450F}"/>
-              </a:ext>
-            </a:extLst>
-          </p:cNvPr>
-          <p:cNvPicPr>
-            <a:picLocks noChangeAspect="1"/>
-          </p:cNvPicPr>
-          <p:nvPr/>
-        </p:nvPicPr>
-        <p:blipFill rotWithShape="1">
-          <a:blip r:embed="rId2">
-            <a:extLst>
-              <a:ext uri="{28A0092B-C50C-407E-A947-70E740481C1C}">
-                <a14:useLocalDpi xmlns:a14="http://schemas.microsoft.com/office/drawing/2010/main" val="0"/>
-              </a:ext>
-              <a:ext uri="{837473B0-CC2E-450A-ABE3-18F120FF3D39}">
-                <a1611:picAttrSrcUrl xmlns:a1611="http://schemas.microsoft.com/office/drawing/2016/11/main" r:id="rId3"/>
-              </a:ext>
-            </a:extLst>
-          </a:blip>
-          <a:srcRect l="16004" r="29882" b="2"/>
-          <a:stretch/>
-        </p:blipFill>
-        <p:spPr>
-          <a:xfrm>
-            <a:off x="7675658" y="2093976"/>
-            <a:ext cx="3941064" cy="4096512"/>
-          </a:xfrm>
-          <a:prstGeom prst="rect">
-            <a:avLst/>
-          </a:prstGeom>
-        </p:spPr>
-      </p:pic>
-    </p:spTree>
-    <p:extLst>
-      <p:ext uri="{BB962C8B-B14F-4D97-AF65-F5344CB8AC3E}">
-        <p14:creationId xmlns:p14="http://schemas.microsoft.com/office/powerpoint/2010/main" val="766630491"/>
-      </p:ext>
-    </p:extLst>
-  </p:cSld>
-  <p:clrMapOvr>
-    <a:masterClrMapping/>
-  </p:clrMapOvr>
-</p:sld>
-</file>
-
-<file path=ppt/slides/slide22.xml><?xml version="1.0" encoding="utf-8"?>
-<p:sld xmlns:a="http://schemas.openxmlformats.org/drawingml/2006/main" xmlns:r="http://schemas.openxmlformats.org/officeDocument/2006/relationships" xmlns:p="http://schemas.openxmlformats.org/presentationml/2006/main">
-  <p:cSld>
-    <p:spTree>
-      <p:nvGrpSpPr>
-        <p:cNvPr id="1" name=""/>
-        <p:cNvGrpSpPr/>
-        <p:nvPr/>
-      </p:nvGrpSpPr>
-      <p:grpSpPr>
-        <a:xfrm>
-          <a:off x="0" y="0"/>
-          <a:ext cx="0" cy="0"/>
-          <a:chOff x="0" y="0"/>
-          <a:chExt cx="0" cy="0"/>
-        </a:xfrm>
-      </p:grpSpPr>
-      <p:sp>
-        <p:nvSpPr>
-          <p:cNvPr id="2" name="Title 1">
-            <a:extLst>
-              <a:ext uri="{FF2B5EF4-FFF2-40B4-BE49-F238E27FC236}">
-                <a16:creationId xmlns:a16="http://schemas.microsoft.com/office/drawing/2014/main" id="{A7686237-4243-8211-7D8B-060A4905D97A}"/>
-              </a:ext>
-            </a:extLst>
-          </p:cNvPr>
-          <p:cNvSpPr>
-            <a:spLocks noGrp="1"/>
-          </p:cNvSpPr>
-          <p:nvPr>
-            <p:ph type="title"/>
-          </p:nvPr>
-        </p:nvSpPr>
-        <p:spPr/>
-        <p:txBody>
-          <a:bodyPr/>
-          <a:lstStyle/>
-          <a:p>
-            <a:r>
-              <a:rPr lang="en-US" dirty="0"/>
-              <a:t>Descriptive Vs. Inferential Statistics</a:t>
-            </a:r>
-          </a:p>
-        </p:txBody>
-      </p:sp>
-      <p:sp>
-        <p:nvSpPr>
-          <p:cNvPr id="3" name="Content Placeholder 2">
-            <a:extLst>
-              <a:ext uri="{FF2B5EF4-FFF2-40B4-BE49-F238E27FC236}">
-                <a16:creationId xmlns:a16="http://schemas.microsoft.com/office/drawing/2014/main" id="{FCF9A727-72B2-F2D5-7FAD-7C45ED71A2D8}"/>
-              </a:ext>
-            </a:extLst>
-          </p:cNvPr>
-          <p:cNvSpPr>
-            <a:spLocks noGrp="1"/>
-          </p:cNvSpPr>
-          <p:nvPr>
-            <p:ph idx="1"/>
-          </p:nvPr>
-        </p:nvSpPr>
-        <p:spPr>
-          <a:xfrm>
-            <a:off x="838200" y="1825625"/>
-            <a:ext cx="10448636" cy="4351338"/>
-          </a:xfrm>
-        </p:spPr>
-        <p:txBody>
-          <a:bodyPr>
-            <a:normAutofit/>
-          </a:bodyPr>
-          <a:lstStyle/>
-          <a:p>
-            <a:pPr marL="457200" indent="-457200">
-              <a:buFont typeface="+mj-lt"/>
-              <a:buAutoNum type="arabicPeriod"/>
-            </a:pPr>
-            <a:r>
-              <a:rPr lang="en-US" sz="2400" b="1" dirty="0"/>
-              <a:t>Design </a:t>
-            </a:r>
-            <a:r>
-              <a:rPr lang="en-US" sz="2400" dirty="0"/>
-              <a:t>– The process/method in which we plan to collect data to answer our statistical question</a:t>
-            </a:r>
-            <a:endParaRPr lang="en-US" sz="2400" b="1" dirty="0"/>
-          </a:p>
-          <a:p>
-            <a:pPr marL="457200" indent="-457200">
-              <a:buFont typeface="+mj-lt"/>
-              <a:buAutoNum type="arabicPeriod"/>
-            </a:pPr>
-            <a:endParaRPr lang="en-US" sz="2400" b="1" dirty="0"/>
-          </a:p>
-          <a:p>
-            <a:pPr marL="457200" indent="-457200">
-              <a:buFont typeface="+mj-lt"/>
-              <a:buAutoNum type="arabicPeriod"/>
-            </a:pPr>
-            <a:r>
-              <a:rPr lang="en-US" sz="2400" b="1" dirty="0"/>
-              <a:t>Descriptive Statistics – </a:t>
-            </a:r>
-            <a:r>
-              <a:rPr lang="en-US" sz="2400" dirty="0"/>
-              <a:t>refers to describing the observations in a sample using statistics or a population using parameters</a:t>
-            </a:r>
-          </a:p>
-          <a:p>
-            <a:pPr marL="914400" lvl="1" indent="-457200">
-              <a:buFont typeface="+mj-lt"/>
-              <a:buAutoNum type="arabicPeriod"/>
-            </a:pPr>
-            <a:r>
-              <a:rPr lang="en-US" sz="2000" dirty="0"/>
-              <a:t>- collection, organization, summarization and visualization of data</a:t>
-            </a:r>
-          </a:p>
-          <a:p>
-            <a:pPr marL="914400" lvl="1" indent="-457200">
-              <a:buFont typeface="+mj-lt"/>
-              <a:buAutoNum type="arabicPeriod"/>
-            </a:pPr>
-            <a:endParaRPr lang="en-US" sz="2000" b="1" dirty="0"/>
-          </a:p>
-          <a:p>
-            <a:pPr marL="457200" indent="-457200">
-              <a:buFont typeface="+mj-lt"/>
-              <a:buAutoNum type="arabicPeriod"/>
-            </a:pPr>
-            <a:r>
-              <a:rPr lang="en-US" sz="2400" b="1" dirty="0"/>
-              <a:t>Inferential Statistics </a:t>
-            </a:r>
-            <a:r>
-              <a:rPr lang="en-US" sz="2400" dirty="0"/>
-              <a:t>(or statistical inference) – refers to using a sample (usually a statistic) to answer a question about a population (such as estimating the value of a parameter)</a:t>
-            </a:r>
-          </a:p>
-          <a:p>
-            <a:pPr marL="457200" lvl="1" indent="0">
-              <a:buNone/>
-            </a:pPr>
-            <a:r>
-              <a:rPr lang="en-US" sz="2000" dirty="0"/>
-              <a:t>- estimation, hypothesis testing, determining relationships among variables, prediction</a:t>
-            </a:r>
-            <a:endParaRPr lang="en-US" sz="2000" b="1" dirty="0"/>
-          </a:p>
-        </p:txBody>
-      </p:sp>
-    </p:spTree>
-    <p:extLst>
-      <p:ext uri="{BB962C8B-B14F-4D97-AF65-F5344CB8AC3E}">
-        <p14:creationId xmlns:p14="http://schemas.microsoft.com/office/powerpoint/2010/main" val="3965458693"/>
-      </p:ext>
-    </p:extLst>
-  </p:cSld>
-  <p:clrMapOvr>
-    <a:masterClrMapping/>
-  </p:clrMapOvr>
-</p:sld>
-</file>
-
-<file path=ppt/slides/slide23.xml><?xml version="1.0" encoding="utf-8"?>
-<p:sld xmlns:a="http://schemas.openxmlformats.org/drawingml/2006/main" xmlns:r="http://schemas.openxmlformats.org/officeDocument/2006/relationships" xmlns:p="http://schemas.openxmlformats.org/presentationml/2006/main">
-  <p:cSld>
-    <p:bg>
-      <p:bgPr>
-        <a:solidFill>
-          <a:schemeClr val="bg1"/>
-        </a:solidFill>
-        <a:effectLst/>
-      </p:bgPr>
-    </p:bg>
-    <p:spTree>
-      <p:nvGrpSpPr>
-        <p:cNvPr id="1" name=""/>
-        <p:cNvGrpSpPr/>
-        <p:nvPr/>
-      </p:nvGrpSpPr>
-      <p:grpSpPr>
-        <a:xfrm>
-          <a:off x="0" y="0"/>
-          <a:ext cx="0" cy="0"/>
-          <a:chOff x="0" y="0"/>
-          <a:chExt cx="0" cy="0"/>
-        </a:xfrm>
-      </p:grpSpPr>
-      <p:sp>
-        <p:nvSpPr>
-          <p:cNvPr id="12" name="Down Arrow 7">
-            <a:extLst>
-              <a:ext uri="{FF2B5EF4-FFF2-40B4-BE49-F238E27FC236}">
-                <a16:creationId xmlns:a16="http://schemas.microsoft.com/office/drawing/2014/main" id="{D4771268-CB57-404A-9271-370EB28F6090}"/>
-              </a:ext>
-              <a:ext uri="{C183D7F6-B498-43B3-948B-1728B52AA6E4}">
-                <adec:decorative xmlns:adec="http://schemas.microsoft.com/office/drawing/2017/decorative" val="1"/>
-              </a:ext>
-            </a:extLst>
-          </p:cNvPr>
-          <p:cNvSpPr>
-            <a:spLocks noGrp="1" noRot="1" noChangeAspect="1" noMove="1" noResize="1" noEditPoints="1" noAdjustHandles="1" noChangeArrowheads="1" noChangeShapeType="1" noTextEdit="1"/>
-          </p:cNvSpPr>
-          <p:nvPr>
-            <p:extLst>
-              <p:ext uri="{386F3935-93C4-4BCD-93E2-E3B085C9AB24}">
-                <p16:designElem xmlns:p16="http://schemas.microsoft.com/office/powerpoint/2015/main" val="1"/>
-              </p:ext>
-            </p:extLst>
-          </p:nvPr>
-        </p:nvSpPr>
-        <p:spPr>
-          <a:xfrm rot="16200000">
-            <a:off x="800100" y="1491343"/>
-            <a:ext cx="3333749" cy="3499103"/>
-          </a:xfrm>
-          <a:prstGeom prst="downArrow">
-            <a:avLst>
-              <a:gd name="adj1" fmla="val 100000"/>
-              <a:gd name="adj2" fmla="val 15788"/>
-            </a:avLst>
-          </a:prstGeom>
-          <a:solidFill>
-            <a:srgbClr val="404040"/>
-          </a:solidFill>
-          <a:ln w="53975">
-            <a:noFill/>
-          </a:ln>
-        </p:spPr>
-        <p:style>
-          <a:lnRef idx="2">
-            <a:schemeClr val="accent1">
-              <a:shade val="50000"/>
-            </a:schemeClr>
-          </a:lnRef>
-          <a:fillRef idx="1">
-            <a:schemeClr val="accent1"/>
-          </a:fillRef>
-          <a:effectRef idx="0">
-            <a:schemeClr val="accent1"/>
-          </a:effectRef>
-          <a:fontRef idx="minor">
-            <a:schemeClr val="lt1"/>
-          </a:fontRef>
-        </p:style>
-        <p:txBody>
-          <a:bodyPr rtlCol="0" anchor="ctr"/>
-          <a:lstStyle/>
-          <a:p>
-            <a:pPr algn="ctr"/>
-            <a:endParaRPr lang="en-US"/>
-          </a:p>
-        </p:txBody>
-      </p:sp>
-      <p:sp>
-        <p:nvSpPr>
-          <p:cNvPr id="2" name="Title 1">
-            <a:extLst>
-              <a:ext uri="{FF2B5EF4-FFF2-40B4-BE49-F238E27FC236}">
-                <a16:creationId xmlns:a16="http://schemas.microsoft.com/office/drawing/2014/main" id="{5AA8EA67-A8E4-C324-904F-73383B5DAA1E}"/>
-              </a:ext>
-            </a:extLst>
-          </p:cNvPr>
-          <p:cNvSpPr>
-            <a:spLocks noGrp="1"/>
-          </p:cNvSpPr>
-          <p:nvPr>
-            <p:ph type="title"/>
-          </p:nvPr>
-        </p:nvSpPr>
-        <p:spPr>
-          <a:xfrm>
-            <a:off x="1028700" y="1967266"/>
-            <a:ext cx="2628900" cy="2547257"/>
-          </a:xfrm>
-          <a:noFill/>
-        </p:spPr>
-        <p:txBody>
-          <a:bodyPr vert="horz" lIns="91440" tIns="45720" rIns="91440" bIns="45720" rtlCol="0" anchor="ctr">
-            <a:normAutofit/>
-          </a:bodyPr>
-          <a:lstStyle/>
-          <a:p>
-            <a:pPr algn="ctr"/>
-            <a:r>
-              <a:rPr lang="en-US" sz="3600" kern="1200" dirty="0">
-                <a:solidFill>
-                  <a:srgbClr val="FFFFFF"/>
-                </a:solidFill>
-                <a:latin typeface="+mj-lt"/>
-                <a:ea typeface="+mj-ea"/>
-                <a:cs typeface="+mj-cs"/>
-              </a:rPr>
-              <a:t>The Big Picture</a:t>
-            </a:r>
-          </a:p>
-        </p:txBody>
-      </p:sp>
-      <p:pic>
-        <p:nvPicPr>
-          <p:cNvPr id="7" name="Picture 6">
-            <a:extLst>
-              <a:ext uri="{FF2B5EF4-FFF2-40B4-BE49-F238E27FC236}">
-                <a16:creationId xmlns:a16="http://schemas.microsoft.com/office/drawing/2014/main" id="{391ACF48-62FF-638F-4559-954D25EA1C34}"/>
-              </a:ext>
-            </a:extLst>
-          </p:cNvPr>
-          <p:cNvPicPr>
-            <a:picLocks noChangeAspect="1"/>
-          </p:cNvPicPr>
-          <p:nvPr/>
-        </p:nvPicPr>
-        <p:blipFill>
-          <a:blip r:embed="rId2"/>
-          <a:stretch>
-            <a:fillRect/>
-          </a:stretch>
-        </p:blipFill>
-        <p:spPr>
-          <a:xfrm>
-            <a:off x="4216526" y="784578"/>
-            <a:ext cx="7900416" cy="5826555"/>
-          </a:xfrm>
-          <a:prstGeom prst="rect">
-            <a:avLst/>
-          </a:prstGeom>
-        </p:spPr>
-      </p:pic>
-    </p:spTree>
-    <p:extLst>
-      <p:ext uri="{BB962C8B-B14F-4D97-AF65-F5344CB8AC3E}">
-        <p14:creationId xmlns:p14="http://schemas.microsoft.com/office/powerpoint/2010/main" val="3834395567"/>
       </p:ext>
     </p:extLst>
   </p:cSld>
